--- a/w01/Relational-Database-SQL-Clauses.pptx
+++ b/w01/Relational-Database-SQL-Clauses.pptx
@@ -6,29 +6,32 @@
     <p:sldMasterId id="2147483660" r:id="rId2"/>
   </p:sldMasterIdLst>
   <p:notesMasterIdLst>
-    <p:notesMasterId r:id="rId23"/>
+    <p:notesMasterId r:id="rId26"/>
   </p:notesMasterIdLst>
   <p:sldIdLst>
     <p:sldId id="256" r:id="rId3"/>
     <p:sldId id="259" r:id="rId4"/>
     <p:sldId id="258" r:id="rId5"/>
-    <p:sldId id="276" r:id="rId6"/>
-    <p:sldId id="260" r:id="rId7"/>
-    <p:sldId id="261" r:id="rId8"/>
-    <p:sldId id="262" r:id="rId9"/>
-    <p:sldId id="263" r:id="rId10"/>
-    <p:sldId id="264" r:id="rId11"/>
-    <p:sldId id="265" r:id="rId12"/>
-    <p:sldId id="266" r:id="rId13"/>
-    <p:sldId id="267" r:id="rId14"/>
-    <p:sldId id="273" r:id="rId15"/>
-    <p:sldId id="268" r:id="rId16"/>
-    <p:sldId id="269" r:id="rId17"/>
-    <p:sldId id="270" r:id="rId18"/>
-    <p:sldId id="271" r:id="rId19"/>
-    <p:sldId id="272" r:id="rId20"/>
-    <p:sldId id="274" r:id="rId21"/>
-    <p:sldId id="275" r:id="rId22"/>
+    <p:sldId id="277" r:id="rId6"/>
+    <p:sldId id="278" r:id="rId7"/>
+    <p:sldId id="279" r:id="rId8"/>
+    <p:sldId id="276" r:id="rId9"/>
+    <p:sldId id="260" r:id="rId10"/>
+    <p:sldId id="261" r:id="rId11"/>
+    <p:sldId id="262" r:id="rId12"/>
+    <p:sldId id="263" r:id="rId13"/>
+    <p:sldId id="264" r:id="rId14"/>
+    <p:sldId id="265" r:id="rId15"/>
+    <p:sldId id="266" r:id="rId16"/>
+    <p:sldId id="267" r:id="rId17"/>
+    <p:sldId id="273" r:id="rId18"/>
+    <p:sldId id="268" r:id="rId19"/>
+    <p:sldId id="269" r:id="rId20"/>
+    <p:sldId id="270" r:id="rId21"/>
+    <p:sldId id="271" r:id="rId22"/>
+    <p:sldId id="272" r:id="rId23"/>
+    <p:sldId id="274" r:id="rId24"/>
+    <p:sldId id="275" r:id="rId25"/>
   </p:sldIdLst>
   <p:sldSz cx="12192000" cy="6858000"/>
   <p:notesSz cx="6858000" cy="9144000"/>
@@ -141,7 +144,7 @@
 <file path=ppt/revisionInfo.xml><?xml version="1.0" encoding="utf-8"?>
 <p1510:revInfo xmlns:a="http://schemas.openxmlformats.org/drawingml/2006/main" xmlns:r="http://schemas.openxmlformats.org/officeDocument/2006/relationships" xmlns:p1510="http://schemas.microsoft.com/office/powerpoint/2015/10/main">
   <p1510:revLst>
-    <p1510:client id="{33AAC91D-EAA4-4AA6-A78B-ECA8221AD6F9}" v="139" dt="2023-06-23T02:46:38.067"/>
+    <p1510:client id="{33AAC91D-EAA4-4AA6-A78B-ECA8221AD6F9}" v="141" dt="2023-07-01T17:26:24.583"/>
   </p1510:revLst>
 </p1510:revInfo>
 </file>
@@ -151,7 +154,7 @@
   <pc:docChgLst>
     <pc:chgData name="Peng, Cheng" userId="c8d19071-f396-4c12-bc1e-cc4bb8705334" providerId="ADAL" clId="{33AAC91D-EAA4-4AA6-A78B-ECA8221AD6F9}"/>
     <pc:docChg chg="custSel addSld modSld">
-      <pc:chgData name="Peng, Cheng" userId="c8d19071-f396-4c12-bc1e-cc4bb8705334" providerId="ADAL" clId="{33AAC91D-EAA4-4AA6-A78B-ECA8221AD6F9}" dt="2023-06-23T03:30:39.187" v="290" actId="20577"/>
+      <pc:chgData name="Peng, Cheng" userId="c8d19071-f396-4c12-bc1e-cc4bb8705334" providerId="ADAL" clId="{33AAC91D-EAA4-4AA6-A78B-ECA8221AD6F9}" dt="2023-07-01T17:27:03.063" v="452" actId="1076"/>
       <pc:docMkLst>
         <pc:docMk/>
       </pc:docMkLst>
@@ -371,6 +374,44 @@
           </ac:spMkLst>
         </pc:spChg>
       </pc:sldChg>
+      <pc:sldChg chg="modSp mod">
+        <pc:chgData name="Peng, Cheng" userId="c8d19071-f396-4c12-bc1e-cc4bb8705334" providerId="ADAL" clId="{33AAC91D-EAA4-4AA6-A78B-ECA8221AD6F9}" dt="2023-07-01T17:26:37.897" v="450" actId="14100"/>
+        <pc:sldMkLst>
+          <pc:docMk/>
+          <pc:sldMk cId="3512377287" sldId="270"/>
+        </pc:sldMkLst>
+        <pc:spChg chg="mod">
+          <ac:chgData name="Peng, Cheng" userId="c8d19071-f396-4c12-bc1e-cc4bb8705334" providerId="ADAL" clId="{33AAC91D-EAA4-4AA6-A78B-ECA8221AD6F9}" dt="2023-07-01T17:26:37.897" v="450" actId="14100"/>
+          <ac:spMkLst>
+            <pc:docMk/>
+            <pc:sldMk cId="3512377287" sldId="270"/>
+            <ac:spMk id="6" creationId="{6A565E8F-032D-426B-846F-CBA660304836}"/>
+          </ac:spMkLst>
+        </pc:spChg>
+        <pc:picChg chg="mod">
+          <ac:chgData name="Peng, Cheng" userId="c8d19071-f396-4c12-bc1e-cc4bb8705334" providerId="ADAL" clId="{33AAC91D-EAA4-4AA6-A78B-ECA8221AD6F9}" dt="2023-07-01T17:26:24.582" v="449" actId="1076"/>
+          <ac:picMkLst>
+            <pc:docMk/>
+            <pc:sldMk cId="3512377287" sldId="270"/>
+            <ac:picMk id="4" creationId="{6F9CE6C8-9DB4-4273-AA2C-A7672181786E}"/>
+          </ac:picMkLst>
+        </pc:picChg>
+      </pc:sldChg>
+      <pc:sldChg chg="modSp mod">
+        <pc:chgData name="Peng, Cheng" userId="c8d19071-f396-4c12-bc1e-cc4bb8705334" providerId="ADAL" clId="{33AAC91D-EAA4-4AA6-A78B-ECA8221AD6F9}" dt="2023-07-01T17:27:03.063" v="452" actId="1076"/>
+        <pc:sldMkLst>
+          <pc:docMk/>
+          <pc:sldMk cId="2676636781" sldId="271"/>
+        </pc:sldMkLst>
+        <pc:spChg chg="mod">
+          <ac:chgData name="Peng, Cheng" userId="c8d19071-f396-4c12-bc1e-cc4bb8705334" providerId="ADAL" clId="{33AAC91D-EAA4-4AA6-A78B-ECA8221AD6F9}" dt="2023-07-01T17:27:03.063" v="452" actId="1076"/>
+          <ac:spMkLst>
+            <pc:docMk/>
+            <pc:sldMk cId="2676636781" sldId="271"/>
+            <ac:spMk id="6" creationId="{27FD5582-52AA-47ED-A599-409ECF989E65}"/>
+          </ac:spMkLst>
+        </pc:spChg>
+      </pc:sldChg>
       <pc:sldChg chg="modSp add mod">
         <pc:chgData name="Peng, Cheng" userId="c8d19071-f396-4c12-bc1e-cc4bb8705334" providerId="ADAL" clId="{33AAC91D-EAA4-4AA6-A78B-ECA8221AD6F9}" dt="2023-06-23T02:40:24.173" v="251" actId="1076"/>
         <pc:sldMkLst>
@@ -383,6 +424,99 @@
             <pc:docMk/>
             <pc:sldMk cId="1887316686" sldId="276"/>
             <ac:picMk id="7" creationId="{DEC16464-A8E4-FDAD-4AC5-E6182BF04AC0}"/>
+          </ac:picMkLst>
+        </pc:picChg>
+      </pc:sldChg>
+      <pc:sldChg chg="addSp delSp modSp add mod">
+        <pc:chgData name="Peng, Cheng" userId="c8d19071-f396-4c12-bc1e-cc4bb8705334" providerId="ADAL" clId="{33AAC91D-EAA4-4AA6-A78B-ECA8221AD6F9}" dt="2023-07-01T17:11:51.041" v="328" actId="20577"/>
+        <pc:sldMkLst>
+          <pc:docMk/>
+          <pc:sldMk cId="3415193783" sldId="277"/>
+        </pc:sldMkLst>
+        <pc:spChg chg="mod">
+          <ac:chgData name="Peng, Cheng" userId="c8d19071-f396-4c12-bc1e-cc4bb8705334" providerId="ADAL" clId="{33AAC91D-EAA4-4AA6-A78B-ECA8221AD6F9}" dt="2023-07-01T17:11:51.041" v="328" actId="20577"/>
+          <ac:spMkLst>
+            <pc:docMk/>
+            <pc:sldMk cId="3415193783" sldId="277"/>
+            <ac:spMk id="2" creationId="{4CA46139-CBBC-46E9-8585-7F5A474695EA}"/>
+          </ac:spMkLst>
+        </pc:spChg>
+        <pc:picChg chg="add mod">
+          <ac:chgData name="Peng, Cheng" userId="c8d19071-f396-4c12-bc1e-cc4bb8705334" providerId="ADAL" clId="{33AAC91D-EAA4-4AA6-A78B-ECA8221AD6F9}" dt="2023-07-01T17:11:11.650" v="298" actId="1076"/>
+          <ac:picMkLst>
+            <pc:docMk/>
+            <pc:sldMk cId="3415193783" sldId="277"/>
+            <ac:picMk id="5" creationId="{AD85F852-8683-DD29-E0F9-B8F2E114677D}"/>
+          </ac:picMkLst>
+        </pc:picChg>
+        <pc:picChg chg="del">
+          <ac:chgData name="Peng, Cheng" userId="c8d19071-f396-4c12-bc1e-cc4bb8705334" providerId="ADAL" clId="{33AAC91D-EAA4-4AA6-A78B-ECA8221AD6F9}" dt="2023-07-01T17:10:38.528" v="292" actId="478"/>
+          <ac:picMkLst>
+            <pc:docMk/>
+            <pc:sldMk cId="3415193783" sldId="277"/>
+            <ac:picMk id="11" creationId="{11EE1773-3DD1-C6C9-E6F1-4605769A39BE}"/>
+          </ac:picMkLst>
+        </pc:picChg>
+      </pc:sldChg>
+      <pc:sldChg chg="addSp delSp modSp add mod">
+        <pc:chgData name="Peng, Cheng" userId="c8d19071-f396-4c12-bc1e-cc4bb8705334" providerId="ADAL" clId="{33AAC91D-EAA4-4AA6-A78B-ECA8221AD6F9}" dt="2023-07-01T17:17:28.225" v="364" actId="1076"/>
+        <pc:sldMkLst>
+          <pc:docMk/>
+          <pc:sldMk cId="3091279716" sldId="278"/>
+        </pc:sldMkLst>
+        <pc:spChg chg="mod">
+          <ac:chgData name="Peng, Cheng" userId="c8d19071-f396-4c12-bc1e-cc4bb8705334" providerId="ADAL" clId="{33AAC91D-EAA4-4AA6-A78B-ECA8221AD6F9}" dt="2023-07-01T17:17:23.497" v="363" actId="20577"/>
+          <ac:spMkLst>
+            <pc:docMk/>
+            <pc:sldMk cId="3091279716" sldId="278"/>
+            <ac:spMk id="2" creationId="{4CA46139-CBBC-46E9-8585-7F5A474695EA}"/>
+          </ac:spMkLst>
+        </pc:spChg>
+        <pc:picChg chg="del">
+          <ac:chgData name="Peng, Cheng" userId="c8d19071-f396-4c12-bc1e-cc4bb8705334" providerId="ADAL" clId="{33AAC91D-EAA4-4AA6-A78B-ECA8221AD6F9}" dt="2023-07-01T17:16:52.043" v="330" actId="478"/>
+          <ac:picMkLst>
+            <pc:docMk/>
+            <pc:sldMk cId="3091279716" sldId="278"/>
+            <ac:picMk id="5" creationId="{AD85F852-8683-DD29-E0F9-B8F2E114677D}"/>
+          </ac:picMkLst>
+        </pc:picChg>
+        <pc:picChg chg="add mod">
+          <ac:chgData name="Peng, Cheng" userId="c8d19071-f396-4c12-bc1e-cc4bb8705334" providerId="ADAL" clId="{33AAC91D-EAA4-4AA6-A78B-ECA8221AD6F9}" dt="2023-07-01T17:17:28.225" v="364" actId="1076"/>
+          <ac:picMkLst>
+            <pc:docMk/>
+            <pc:sldMk cId="3091279716" sldId="278"/>
+            <ac:picMk id="6" creationId="{D1397EE2-56C6-1CA8-5896-974F8562D412}"/>
+          </ac:picMkLst>
+        </pc:picChg>
+      </pc:sldChg>
+      <pc:sldChg chg="addSp delSp modSp add mod">
+        <pc:chgData name="Peng, Cheng" userId="c8d19071-f396-4c12-bc1e-cc4bb8705334" providerId="ADAL" clId="{33AAC91D-EAA4-4AA6-A78B-ECA8221AD6F9}" dt="2023-07-01T17:23:35.475" v="447" actId="1076"/>
+        <pc:sldMkLst>
+          <pc:docMk/>
+          <pc:sldMk cId="4187499985" sldId="279"/>
+        </pc:sldMkLst>
+        <pc:spChg chg="mod">
+          <ac:chgData name="Peng, Cheng" userId="c8d19071-f396-4c12-bc1e-cc4bb8705334" providerId="ADAL" clId="{33AAC91D-EAA4-4AA6-A78B-ECA8221AD6F9}" dt="2023-07-01T17:23:25.360" v="444" actId="1076"/>
+          <ac:spMkLst>
+            <pc:docMk/>
+            <pc:sldMk cId="4187499985" sldId="279"/>
+            <ac:spMk id="2" creationId="{4CA46139-CBBC-46E9-8585-7F5A474695EA}"/>
+          </ac:spMkLst>
+        </pc:spChg>
+        <pc:picChg chg="add mod">
+          <ac:chgData name="Peng, Cheng" userId="c8d19071-f396-4c12-bc1e-cc4bb8705334" providerId="ADAL" clId="{33AAC91D-EAA4-4AA6-A78B-ECA8221AD6F9}" dt="2023-07-01T17:23:35.475" v="447" actId="1076"/>
+          <ac:picMkLst>
+            <pc:docMk/>
+            <pc:sldMk cId="4187499985" sldId="279"/>
+            <ac:picMk id="5" creationId="{AF952A50-AD02-CF45-96AD-055E83AB54E4}"/>
+          </ac:picMkLst>
+        </pc:picChg>
+        <pc:picChg chg="del">
+          <ac:chgData name="Peng, Cheng" userId="c8d19071-f396-4c12-bc1e-cc4bb8705334" providerId="ADAL" clId="{33AAC91D-EAA4-4AA6-A78B-ECA8221AD6F9}" dt="2023-07-01T17:23:11.266" v="440" actId="478"/>
+          <ac:picMkLst>
+            <pc:docMk/>
+            <pc:sldMk cId="4187499985" sldId="279"/>
+            <ac:picMk id="6" creationId="{D1397EE2-56C6-1CA8-5896-974F8562D412}"/>
           </ac:picMkLst>
         </pc:picChg>
       </pc:sldChg>
@@ -1310,7 +1444,7 @@
           <a:p>
             <a:fld id="{1C228BD6-2B35-411A-983E-522886FFC355}" type="datetimeFigureOut">
               <a:rPr lang="en-US" smtClean="0"/>
-              <a:t>6/22/2023</a:t>
+              <a:t>7/1/2023</a:t>
             </a:fld>
             <a:endParaRPr lang="en-US"/>
           </a:p>
@@ -1815,7 +1949,7 @@
             <a:fld id="{B61BEF0D-F0BB-DE4B-95CE-6DB70DBA9567}" type="datetimeFigureOut">
               <a:rPr lang="en-US" dirty="0"/>
               <a:pPr/>
-              <a:t>6/22/2023</a:t>
+              <a:t>7/1/2023</a:t>
             </a:fld>
             <a:endParaRPr lang="en-US" dirty="0"/>
           </a:p>
@@ -2074,7 +2208,7 @@
             <a:fld id="{B61BEF0D-F0BB-DE4B-95CE-6DB70DBA9567}" type="datetimeFigureOut">
               <a:rPr lang="en-US" dirty="0"/>
               <a:pPr/>
-              <a:t>6/22/2023</a:t>
+              <a:t>7/1/2023</a:t>
             </a:fld>
             <a:endParaRPr lang="en-US" dirty="0"/>
           </a:p>
@@ -2306,7 +2440,7 @@
             <a:fld id="{B61BEF0D-F0BB-DE4B-95CE-6DB70DBA9567}" type="datetimeFigureOut">
               <a:rPr lang="en-US" dirty="0"/>
               <a:pPr/>
-              <a:t>6/22/2023</a:t>
+              <a:t>7/1/2023</a:t>
             </a:fld>
             <a:endParaRPr lang="en-US" dirty="0"/>
           </a:p>
@@ -2531,7 +2665,7 @@
           <a:p>
             <a:fld id="{378191D8-692B-4128-9859-A90D509687C4}" type="datetimeFigureOut">
               <a:rPr lang="en-US" smtClean="0"/>
-              <a:t>6/22/2023</a:t>
+              <a:t>7/1/2023</a:t>
             </a:fld>
             <a:endParaRPr lang="en-US"/>
           </a:p>
@@ -2729,7 +2863,7 @@
           <a:p>
             <a:fld id="{378191D8-692B-4128-9859-A90D509687C4}" type="datetimeFigureOut">
               <a:rPr lang="en-US" smtClean="0"/>
-              <a:t>6/22/2023</a:t>
+              <a:t>7/1/2023</a:t>
             </a:fld>
             <a:endParaRPr lang="en-US"/>
           </a:p>
@@ -3004,7 +3138,7 @@
           <a:p>
             <a:fld id="{378191D8-692B-4128-9859-A90D509687C4}" type="datetimeFigureOut">
               <a:rPr lang="en-US" smtClean="0"/>
-              <a:t>6/22/2023</a:t>
+              <a:t>7/1/2023</a:t>
             </a:fld>
             <a:endParaRPr lang="en-US"/>
           </a:p>
@@ -3269,7 +3403,7 @@
           <a:p>
             <a:fld id="{378191D8-692B-4128-9859-A90D509687C4}" type="datetimeFigureOut">
               <a:rPr lang="en-US" smtClean="0"/>
-              <a:t>6/22/2023</a:t>
+              <a:t>7/1/2023</a:t>
             </a:fld>
             <a:endParaRPr lang="en-US"/>
           </a:p>
@@ -3681,7 +3815,7 @@
           <a:p>
             <a:fld id="{378191D8-692B-4128-9859-A90D509687C4}" type="datetimeFigureOut">
               <a:rPr lang="en-US" smtClean="0"/>
-              <a:t>6/22/2023</a:t>
+              <a:t>7/1/2023</a:t>
             </a:fld>
             <a:endParaRPr lang="en-US"/>
           </a:p>
@@ -3822,7 +3956,7 @@
           <a:p>
             <a:fld id="{378191D8-692B-4128-9859-A90D509687C4}" type="datetimeFigureOut">
               <a:rPr lang="en-US" smtClean="0"/>
-              <a:t>6/22/2023</a:t>
+              <a:t>7/1/2023</a:t>
             </a:fld>
             <a:endParaRPr lang="en-US"/>
           </a:p>
@@ -3935,7 +4069,7 @@
           <a:p>
             <a:fld id="{378191D8-692B-4128-9859-A90D509687C4}" type="datetimeFigureOut">
               <a:rPr lang="en-US" smtClean="0"/>
-              <a:t>6/22/2023</a:t>
+              <a:t>7/1/2023</a:t>
             </a:fld>
             <a:endParaRPr lang="en-US"/>
           </a:p>
@@ -4246,7 +4380,7 @@
           <a:p>
             <a:fld id="{378191D8-692B-4128-9859-A90D509687C4}" type="datetimeFigureOut">
               <a:rPr lang="en-US" smtClean="0"/>
-              <a:t>6/22/2023</a:t>
+              <a:t>7/1/2023</a:t>
             </a:fld>
             <a:endParaRPr lang="en-US"/>
           </a:p>
@@ -4469,7 +4603,7 @@
             <a:fld id="{B61BEF0D-F0BB-DE4B-95CE-6DB70DBA9567}" type="datetimeFigureOut">
               <a:rPr lang="en-US" dirty="0"/>
               <a:pPr/>
-              <a:t>6/22/2023</a:t>
+              <a:t>7/1/2023</a:t>
             </a:fld>
             <a:endParaRPr lang="en-US" dirty="0"/>
           </a:p>
@@ -4746,7 +4880,7 @@
           <a:p>
             <a:fld id="{378191D8-692B-4128-9859-A90D509687C4}" type="datetimeFigureOut">
               <a:rPr lang="en-US" smtClean="0"/>
-              <a:t>6/22/2023</a:t>
+              <a:t>7/1/2023</a:t>
             </a:fld>
             <a:endParaRPr lang="en-US"/>
           </a:p>
@@ -4944,7 +5078,7 @@
           <a:p>
             <a:fld id="{378191D8-692B-4128-9859-A90D509687C4}" type="datetimeFigureOut">
               <a:rPr lang="en-US" smtClean="0"/>
-              <a:t>6/22/2023</a:t>
+              <a:t>7/1/2023</a:t>
             </a:fld>
             <a:endParaRPr lang="en-US"/>
           </a:p>
@@ -5152,7 +5286,7 @@
           <a:p>
             <a:fld id="{378191D8-692B-4128-9859-A90D509687C4}" type="datetimeFigureOut">
               <a:rPr lang="en-US" smtClean="0"/>
-              <a:t>6/22/2023</a:t>
+              <a:t>7/1/2023</a:t>
             </a:fld>
             <a:endParaRPr lang="en-US"/>
           </a:p>
@@ -5543,7 +5677,7 @@
             <a:fld id="{B61BEF0D-F0BB-DE4B-95CE-6DB70DBA9567}" type="datetimeFigureOut">
               <a:rPr lang="en-US" dirty="0"/>
               <a:pPr/>
-              <a:t>6/22/2023</a:t>
+              <a:t>7/1/2023</a:t>
             </a:fld>
             <a:endParaRPr lang="en-US" dirty="0"/>
           </a:p>
@@ -5864,7 +5998,7 @@
             <a:fld id="{B61BEF0D-F0BB-DE4B-95CE-6DB70DBA9567}" type="datetimeFigureOut">
               <a:rPr lang="en-US" dirty="0"/>
               <a:pPr/>
-              <a:t>6/22/2023</a:t>
+              <a:t>7/1/2023</a:t>
             </a:fld>
             <a:endParaRPr lang="en-US" dirty="0"/>
           </a:p>
@@ -6163,7 +6297,7 @@
             <a:fld id="{B61BEF0D-F0BB-DE4B-95CE-6DB70DBA9567}" type="datetimeFigureOut">
               <a:rPr lang="en-US" dirty="0"/>
               <a:pPr/>
-              <a:t>6/22/2023</a:t>
+              <a:t>7/1/2023</a:t>
             </a:fld>
             <a:endParaRPr lang="en-US" dirty="0"/>
           </a:p>
@@ -6582,7 +6716,7 @@
             <a:fld id="{B61BEF0D-F0BB-DE4B-95CE-6DB70DBA9567}" type="datetimeFigureOut">
               <a:rPr lang="en-US" dirty="0"/>
               <a:pPr/>
-              <a:t>6/22/2023</a:t>
+              <a:t>7/1/2023</a:t>
             </a:fld>
             <a:endParaRPr lang="en-US" dirty="0"/>
           </a:p>
@@ -6741,7 +6875,7 @@
             <a:fld id="{B61BEF0D-F0BB-DE4B-95CE-6DB70DBA9567}" type="datetimeFigureOut">
               <a:rPr lang="en-US" dirty="0"/>
               <a:pPr/>
-              <a:t>6/22/2023</a:t>
+              <a:t>7/1/2023</a:t>
             </a:fld>
             <a:endParaRPr lang="en-US" dirty="0"/>
           </a:p>
@@ -6833,7 +6967,7 @@
             <a:fld id="{B61BEF0D-F0BB-DE4B-95CE-6DB70DBA9567}" type="datetimeFigureOut">
               <a:rPr lang="en-US" dirty="0"/>
               <a:pPr/>
-              <a:t>6/22/2023</a:t>
+              <a:t>7/1/2023</a:t>
             </a:fld>
             <a:endParaRPr lang="en-US" dirty="0"/>
           </a:p>
@@ -7097,7 +7231,7 @@
             <a:fld id="{B61BEF0D-F0BB-DE4B-95CE-6DB70DBA9567}" type="datetimeFigureOut">
               <a:rPr lang="en-US" dirty="0"/>
               <a:pPr/>
-              <a:t>6/22/2023</a:t>
+              <a:t>7/1/2023</a:t>
             </a:fld>
             <a:endParaRPr lang="en-US" dirty="0"/>
           </a:p>
@@ -7305,7 +7439,7 @@
             <a:fld id="{B61BEF0D-F0BB-DE4B-95CE-6DB70DBA9567}" type="datetimeFigureOut">
               <a:rPr lang="en-US" dirty="0"/>
               <a:pPr/>
-              <a:t>6/22/2023</a:t>
+              <a:t>7/1/2023</a:t>
             </a:fld>
             <a:endParaRPr lang="en-US" dirty="0"/>
           </a:p>
@@ -8053,7 +8187,7 @@
           <a:p>
             <a:fld id="{378191D8-692B-4128-9859-A90D509687C4}" type="datetimeFigureOut">
               <a:rPr lang="en-US" smtClean="0"/>
-              <a:t>6/22/2023</a:t>
+              <a:t>7/1/2023</a:t>
             </a:fld>
             <a:endParaRPr lang="en-US"/>
           </a:p>
@@ -8841,6 +8975,729 @@
           <p:cNvPr id="2" name="Title 1">
             <a:extLst>
               <a:ext uri="{FF2B5EF4-FFF2-40B4-BE49-F238E27FC236}">
+                <a16:creationId xmlns:a16="http://schemas.microsoft.com/office/drawing/2014/main" id="{AD51662C-3855-4169-B577-AFB111CAA3CD}"/>
+              </a:ext>
+            </a:extLst>
+          </p:cNvPr>
+          <p:cNvSpPr>
+            <a:spLocks noGrp="1"/>
+          </p:cNvSpPr>
+          <p:nvPr>
+            <p:ph type="title"/>
+          </p:nvPr>
+        </p:nvSpPr>
+        <p:spPr/>
+        <p:txBody>
+          <a:bodyPr/>
+          <a:lstStyle/>
+          <a:p>
+            <a:pPr algn="ctr"/>
+            <a:r>
+              <a:rPr kumimoji="0" lang="en-US" altLang="zh-TW" sz="2800" b="1" dirty="0"/>
+              <a:t>Relation</a:t>
+            </a:r>
+            <a:br>
+              <a:rPr kumimoji="0" lang="en-US" altLang="zh-TW" sz="2800" b="1" dirty="0">
+                <a:solidFill>
+                  <a:srgbClr val="990000"/>
+                </a:solidFill>
+                <a:latin typeface="Times New Roman" panose="02020603050405020304" pitchFamily="18" charset="0"/>
+              </a:rPr>
+            </a:br>
+            <a:endParaRPr lang="en-US" dirty="0"/>
+          </a:p>
+        </p:txBody>
+      </p:sp>
+      <p:pic>
+        <p:nvPicPr>
+          <p:cNvPr id="4" name="Picture 8">
+            <a:extLst>
+              <a:ext uri="{FF2B5EF4-FFF2-40B4-BE49-F238E27FC236}">
+                <a16:creationId xmlns:a16="http://schemas.microsoft.com/office/drawing/2014/main" id="{6B0F66D8-63E8-4C1C-9349-F9453BF670F1}"/>
+              </a:ext>
+            </a:extLst>
+          </p:cNvPr>
+          <p:cNvPicPr>
+            <a:picLocks noChangeAspect="1" noChangeArrowheads="1"/>
+          </p:cNvPicPr>
+          <p:nvPr/>
+        </p:nvPicPr>
+        <p:blipFill>
+          <a:blip r:embed="rId2">
+            <a:extLst>
+              <a:ext uri="{28A0092B-C50C-407E-A947-70E740481C1C}">
+                <a14:useLocalDpi xmlns:a14="http://schemas.microsoft.com/office/drawing/2010/main" val="0"/>
+              </a:ext>
+            </a:extLst>
+          </a:blip>
+          <a:srcRect/>
+          <a:stretch>
+            <a:fillRect/>
+          </a:stretch>
+        </p:blipFill>
+        <p:spPr bwMode="auto">
+          <a:xfrm>
+            <a:off x="6975831" y="2359461"/>
+            <a:ext cx="4634977" cy="2687417"/>
+          </a:xfrm>
+          <a:prstGeom prst="rect">
+            <a:avLst/>
+          </a:prstGeom>
+          <a:noFill/>
+          <a:ln>
+            <a:noFill/>
+          </a:ln>
+          <a:effectLst/>
+          <a:extLst>
+            <a:ext uri="{909E8E84-426E-40DD-AFC4-6F175D3DCCD1}">
+              <a14:hiddenFill xmlns:a14="http://schemas.microsoft.com/office/drawing/2010/main">
+                <a:solidFill>
+                  <a:schemeClr val="accent1"/>
+                </a:solidFill>
+              </a14:hiddenFill>
+            </a:ext>
+            <a:ext uri="{91240B29-F687-4F45-9708-019B960494DF}">
+              <a14:hiddenLine xmlns:a14="http://schemas.microsoft.com/office/drawing/2010/main" w="9525">
+                <a:solidFill>
+                  <a:schemeClr val="tx1"/>
+                </a:solidFill>
+                <a:miter lim="800000"/>
+                <a:headEnd/>
+                <a:tailEnd/>
+              </a14:hiddenLine>
+            </a:ext>
+            <a:ext uri="{AF507438-7753-43E0-B8FC-AC1667EBCBE1}">
+              <a14:hiddenEffects xmlns:a14="http://schemas.microsoft.com/office/drawing/2010/main">
+                <a:effectLst>
+                  <a:outerShdw dist="35921" dir="2700000" algn="ctr" rotWithShape="0">
+                    <a:schemeClr val="bg2"/>
+                  </a:outerShdw>
+                </a:effectLst>
+              </a14:hiddenEffects>
+            </a:ext>
+          </a:extLst>
+        </p:spPr>
+      </p:pic>
+      <p:sp>
+        <p:nvSpPr>
+          <p:cNvPr id="6" name="TextBox 5">
+            <a:extLst>
+              <a:ext uri="{FF2B5EF4-FFF2-40B4-BE49-F238E27FC236}">
+                <a16:creationId xmlns:a16="http://schemas.microsoft.com/office/drawing/2014/main" id="{10E0056E-09C8-450D-9D18-5413DBD6D4AB}"/>
+              </a:ext>
+            </a:extLst>
+          </p:cNvPr>
+          <p:cNvSpPr txBox="1"/>
+          <p:nvPr/>
+        </p:nvSpPr>
+        <p:spPr>
+          <a:xfrm>
+            <a:off x="705927" y="2058073"/>
+            <a:ext cx="5642321" cy="3724096"/>
+          </a:xfrm>
+          <a:prstGeom prst="rect">
+            <a:avLst/>
+          </a:prstGeom>
+          <a:noFill/>
+        </p:spPr>
+        <p:txBody>
+          <a:bodyPr wrap="square">
+            <a:spAutoFit/>
+          </a:bodyPr>
+          <a:lstStyle/>
+          <a:p>
+            <a:r>
+              <a:rPr lang="en-US" altLang="zh-TW" sz="2400" dirty="0">
+                <a:solidFill>
+                  <a:srgbClr val="990000"/>
+                </a:solidFill>
+              </a:rPr>
+              <a:t>Name</a:t>
+            </a:r>
+            <a:r>
+              <a:rPr lang="en-US" altLang="zh-TW" sz="2400" dirty="0"/>
+              <a:t> – </a:t>
+            </a:r>
+            <a:r>
+              <a:rPr lang="en-US" altLang="zh-TW" sz="2000" dirty="0"/>
+              <a:t>each relation in a relational database      should have a name that is </a:t>
+            </a:r>
+            <a:r>
+              <a:rPr lang="en-US" altLang="zh-TW" sz="2000" dirty="0">
+                <a:solidFill>
+                  <a:srgbClr val="006600"/>
+                </a:solidFill>
+              </a:rPr>
+              <a:t>unique</a:t>
+            </a:r>
+            <a:r>
+              <a:rPr lang="en-US" altLang="zh-TW" sz="2000" dirty="0"/>
+              <a:t> among other relations.</a:t>
+            </a:r>
+          </a:p>
+          <a:p>
+            <a:endParaRPr lang="en-US" altLang="zh-TW" sz="2000" dirty="0"/>
+          </a:p>
+          <a:p>
+            <a:endParaRPr lang="en-US" altLang="zh-TW" sz="800" dirty="0"/>
+          </a:p>
+          <a:p>
+            <a:r>
+              <a:rPr lang="en-US" altLang="zh-TW" sz="2400" dirty="0">
+                <a:solidFill>
+                  <a:srgbClr val="990000"/>
+                </a:solidFill>
+              </a:rPr>
+              <a:t>Attribute</a:t>
+            </a:r>
+            <a:r>
+              <a:rPr lang="en-US" altLang="zh-TW" sz="2400" dirty="0"/>
+              <a:t> – each </a:t>
+            </a:r>
+            <a:r>
+              <a:rPr lang="en-US" altLang="zh-TW" sz="2400" dirty="0">
+                <a:solidFill>
+                  <a:srgbClr val="006600"/>
+                </a:solidFill>
+              </a:rPr>
+              <a:t>column</a:t>
+            </a:r>
+            <a:r>
+              <a:rPr lang="en-US" altLang="zh-TW" sz="2400" dirty="0"/>
+              <a:t> in a relation. </a:t>
+            </a:r>
+          </a:p>
+          <a:p>
+            <a:pPr lvl="1"/>
+            <a:r>
+              <a:rPr lang="en-US" altLang="zh-TW" sz="2000" dirty="0"/>
+              <a:t>The </a:t>
+            </a:r>
+            <a:r>
+              <a:rPr lang="en-US" altLang="zh-TW" sz="2000" u="sng" dirty="0">
+                <a:solidFill>
+                  <a:srgbClr val="990000"/>
+                </a:solidFill>
+              </a:rPr>
+              <a:t>degree</a:t>
+            </a:r>
+            <a:r>
+              <a:rPr lang="en-US" altLang="zh-TW" sz="2000" u="sng" dirty="0"/>
+              <a:t> of the relation</a:t>
+            </a:r>
+            <a:r>
+              <a:rPr lang="en-US" altLang="zh-TW" sz="2000" dirty="0"/>
+              <a:t> – the total </a:t>
+            </a:r>
+            <a:r>
+              <a:rPr lang="en-US" altLang="zh-TW" sz="2000" u="sng" dirty="0"/>
+              <a:t>number of attributes</a:t>
+            </a:r>
+            <a:r>
+              <a:rPr lang="en-US" altLang="zh-TW" sz="2000" dirty="0"/>
+              <a:t> for a relation.</a:t>
+            </a:r>
+          </a:p>
+          <a:p>
+            <a:pPr lvl="1"/>
+            <a:endParaRPr lang="en-US" altLang="zh-TW" sz="800" dirty="0"/>
+          </a:p>
+          <a:p>
+            <a:pPr lvl="1"/>
+            <a:endParaRPr lang="en-US" altLang="zh-TW" sz="800" dirty="0"/>
+          </a:p>
+          <a:p>
+            <a:r>
+              <a:rPr lang="en-US" altLang="zh-TW" sz="2400" dirty="0">
+                <a:solidFill>
+                  <a:srgbClr val="990000"/>
+                </a:solidFill>
+              </a:rPr>
+              <a:t>Tuple</a:t>
+            </a:r>
+            <a:r>
+              <a:rPr lang="en-US" altLang="zh-TW" sz="2400" dirty="0"/>
+              <a:t> – each </a:t>
+            </a:r>
+            <a:r>
+              <a:rPr lang="en-US" altLang="zh-TW" sz="2400" dirty="0">
+                <a:solidFill>
+                  <a:srgbClr val="006600"/>
+                </a:solidFill>
+              </a:rPr>
+              <a:t>row</a:t>
+            </a:r>
+            <a:r>
+              <a:rPr lang="en-US" altLang="zh-TW" sz="2400" dirty="0"/>
+              <a:t> in a relation.</a:t>
+            </a:r>
+          </a:p>
+          <a:p>
+            <a:pPr lvl="1"/>
+            <a:r>
+              <a:rPr lang="en-US" altLang="zh-TW" sz="2000" dirty="0"/>
+              <a:t>The </a:t>
+            </a:r>
+            <a:r>
+              <a:rPr lang="en-US" altLang="zh-TW" sz="2000" u="sng" dirty="0">
+                <a:solidFill>
+                  <a:srgbClr val="990000"/>
+                </a:solidFill>
+              </a:rPr>
+              <a:t>cardinality</a:t>
+            </a:r>
+            <a:r>
+              <a:rPr lang="en-US" altLang="zh-TW" sz="2000" u="sng" dirty="0"/>
+              <a:t> of the relation</a:t>
+            </a:r>
+            <a:r>
+              <a:rPr lang="en-US" altLang="zh-TW" sz="2000" dirty="0"/>
+              <a:t> – the total </a:t>
+            </a:r>
+            <a:r>
+              <a:rPr lang="en-US" altLang="zh-TW" sz="2000" u="sng" dirty="0"/>
+              <a:t>number of rows</a:t>
+            </a:r>
+            <a:r>
+              <a:rPr lang="en-US" altLang="zh-TW" sz="2000" dirty="0"/>
+              <a:t> in a relation. </a:t>
+            </a:r>
+          </a:p>
+        </p:txBody>
+      </p:sp>
+    </p:spTree>
+    <p:extLst>
+      <p:ext uri="{BB962C8B-B14F-4D97-AF65-F5344CB8AC3E}">
+        <p14:creationId xmlns:p14="http://schemas.microsoft.com/office/powerpoint/2010/main" val="1799473825"/>
+      </p:ext>
+    </p:extLst>
+  </p:cSld>
+  <p:clrMapOvr>
+    <a:masterClrMapping/>
+  </p:clrMapOvr>
+</p:sld>
+</file>
+
+<file path=ppt/slides/slide11.xml><?xml version="1.0" encoding="utf-8"?>
+<p:sld xmlns:a="http://schemas.openxmlformats.org/drawingml/2006/main" xmlns:r="http://schemas.openxmlformats.org/officeDocument/2006/relationships" xmlns:p="http://schemas.openxmlformats.org/presentationml/2006/main">
+  <p:cSld>
+    <p:spTree>
+      <p:nvGrpSpPr>
+        <p:cNvPr id="1" name=""/>
+        <p:cNvGrpSpPr/>
+        <p:nvPr/>
+      </p:nvGrpSpPr>
+      <p:grpSpPr>
+        <a:xfrm>
+          <a:off x="0" y="0"/>
+          <a:ext cx="0" cy="0"/>
+          <a:chOff x="0" y="0"/>
+          <a:chExt cx="0" cy="0"/>
+        </a:xfrm>
+      </p:grpSpPr>
+      <p:sp>
+        <p:nvSpPr>
+          <p:cNvPr id="2" name="Title 1">
+            <a:extLst>
+              <a:ext uri="{FF2B5EF4-FFF2-40B4-BE49-F238E27FC236}">
+                <a16:creationId xmlns:a16="http://schemas.microsoft.com/office/drawing/2014/main" id="{602F4CCE-22A6-4638-AA93-2D6F2FAC98D6}"/>
+              </a:ext>
+            </a:extLst>
+          </p:cNvPr>
+          <p:cNvSpPr>
+            <a:spLocks noGrp="1"/>
+          </p:cNvSpPr>
+          <p:nvPr>
+            <p:ph type="title"/>
+          </p:nvPr>
+        </p:nvSpPr>
+        <p:spPr>
+          <a:xfrm>
+            <a:off x="658032" y="630212"/>
+            <a:ext cx="11029616" cy="1013800"/>
+          </a:xfrm>
+        </p:spPr>
+        <p:txBody>
+          <a:bodyPr/>
+          <a:lstStyle/>
+          <a:p>
+            <a:pPr algn="ctr"/>
+            <a:r>
+              <a:rPr lang="en-US" altLang="zh-TW" b="1" dirty="0"/>
+              <a:t>Operations on relations</a:t>
+            </a:r>
+            <a:br>
+              <a:rPr lang="en-US" altLang="zh-TW" dirty="0"/>
+            </a:br>
+            <a:endParaRPr lang="en-US" dirty="0"/>
+          </a:p>
+        </p:txBody>
+      </p:sp>
+      <p:sp>
+        <p:nvSpPr>
+          <p:cNvPr id="5" name="TextBox 4">
+            <a:extLst>
+              <a:ext uri="{FF2B5EF4-FFF2-40B4-BE49-F238E27FC236}">
+                <a16:creationId xmlns:a16="http://schemas.microsoft.com/office/drawing/2014/main" id="{6298AD0F-0C39-48E8-AA3B-8DEF2D5BC4F3}"/>
+              </a:ext>
+            </a:extLst>
+          </p:cNvPr>
+          <p:cNvSpPr txBox="1"/>
+          <p:nvPr/>
+        </p:nvSpPr>
+        <p:spPr>
+          <a:xfrm>
+            <a:off x="1359113" y="2448395"/>
+            <a:ext cx="9473773" cy="2806922"/>
+          </a:xfrm>
+          <a:prstGeom prst="rect">
+            <a:avLst/>
+          </a:prstGeom>
+          <a:noFill/>
+        </p:spPr>
+        <p:txBody>
+          <a:bodyPr wrap="square">
+            <a:spAutoFit/>
+          </a:bodyPr>
+          <a:lstStyle/>
+          <a:p>
+            <a:pPr marL="342900" indent="-342900">
+              <a:lnSpc>
+                <a:spcPct val="90000"/>
+              </a:lnSpc>
+              <a:buFont typeface="Wingdings" panose="05000000000000000000" pitchFamily="2" charset="2"/>
+              <a:buChar char="q"/>
+            </a:pPr>
+            <a:r>
+              <a:rPr lang="en-US" altLang="zh-TW" sz="2800" dirty="0"/>
+              <a:t>In a relational database, we can define several operations to </a:t>
+            </a:r>
+            <a:r>
+              <a:rPr lang="en-US" altLang="zh-TW" sz="2800" u="sng" dirty="0"/>
+              <a:t>create new relations</a:t>
+            </a:r>
+            <a:r>
+              <a:rPr lang="en-US" altLang="zh-TW" sz="2800" dirty="0"/>
+              <a:t> out of the existing ones.</a:t>
+            </a:r>
+          </a:p>
+          <a:p>
+            <a:pPr>
+              <a:lnSpc>
+                <a:spcPct val="90000"/>
+              </a:lnSpc>
+            </a:pPr>
+            <a:endParaRPr lang="en-US" altLang="zh-TW" sz="2800" dirty="0"/>
+          </a:p>
+          <a:p>
+            <a:pPr marL="342900" indent="-342900">
+              <a:lnSpc>
+                <a:spcPct val="90000"/>
+              </a:lnSpc>
+              <a:buFont typeface="Wingdings" panose="05000000000000000000" pitchFamily="2" charset="2"/>
+              <a:buChar char="q"/>
+            </a:pPr>
+            <a:r>
+              <a:rPr lang="en-US" altLang="zh-TW" sz="2800" dirty="0"/>
+              <a:t>Basic operations:</a:t>
+            </a:r>
+          </a:p>
+          <a:p>
+            <a:pPr lvl="1">
+              <a:lnSpc>
+                <a:spcPct val="90000"/>
+              </a:lnSpc>
+            </a:pPr>
+            <a:endParaRPr lang="en-US" altLang="zh-TW" sz="2800" dirty="0">
+              <a:solidFill>
+                <a:srgbClr val="990000"/>
+              </a:solidFill>
+            </a:endParaRPr>
+          </a:p>
+          <a:p>
+            <a:pPr lvl="1">
+              <a:lnSpc>
+                <a:spcPct val="90000"/>
+              </a:lnSpc>
+            </a:pPr>
+            <a:r>
+              <a:rPr lang="en-US" altLang="zh-TW" sz="2800" dirty="0">
+                <a:solidFill>
+                  <a:srgbClr val="990000"/>
+                </a:solidFill>
+              </a:rPr>
+              <a:t>Insert, Delete, Update, Select, Project, Join, Union, Intersection, Difference </a:t>
+            </a:r>
+          </a:p>
+        </p:txBody>
+      </p:sp>
+    </p:spTree>
+    <p:extLst>
+      <p:ext uri="{BB962C8B-B14F-4D97-AF65-F5344CB8AC3E}">
+        <p14:creationId xmlns:p14="http://schemas.microsoft.com/office/powerpoint/2010/main" val="1691160529"/>
+      </p:ext>
+    </p:extLst>
+  </p:cSld>
+  <p:clrMapOvr>
+    <a:masterClrMapping/>
+  </p:clrMapOvr>
+</p:sld>
+</file>
+
+<file path=ppt/slides/slide12.xml><?xml version="1.0" encoding="utf-8"?>
+<p:sld xmlns:a="http://schemas.openxmlformats.org/drawingml/2006/main" xmlns:r="http://schemas.openxmlformats.org/officeDocument/2006/relationships" xmlns:p="http://schemas.openxmlformats.org/presentationml/2006/main">
+  <p:cSld>
+    <p:spTree>
+      <p:nvGrpSpPr>
+        <p:cNvPr id="1" name=""/>
+        <p:cNvGrpSpPr/>
+        <p:nvPr/>
+      </p:nvGrpSpPr>
+      <p:grpSpPr>
+        <a:xfrm>
+          <a:off x="0" y="0"/>
+          <a:ext cx="0" cy="0"/>
+          <a:chOff x="0" y="0"/>
+          <a:chExt cx="0" cy="0"/>
+        </a:xfrm>
+      </p:grpSpPr>
+      <p:sp>
+        <p:nvSpPr>
+          <p:cNvPr id="2" name="Title 1">
+            <a:extLst>
+              <a:ext uri="{FF2B5EF4-FFF2-40B4-BE49-F238E27FC236}">
+                <a16:creationId xmlns:a16="http://schemas.microsoft.com/office/drawing/2014/main" id="{9E6045DA-7658-402F-B186-BAFC88184863}"/>
+              </a:ext>
+            </a:extLst>
+          </p:cNvPr>
+          <p:cNvSpPr>
+            <a:spLocks noGrp="1"/>
+          </p:cNvSpPr>
+          <p:nvPr>
+            <p:ph type="title"/>
+          </p:nvPr>
+        </p:nvSpPr>
+        <p:spPr/>
+        <p:txBody>
+          <a:bodyPr>
+            <a:normAutofit/>
+          </a:bodyPr>
+          <a:lstStyle/>
+          <a:p>
+            <a:pPr algn="ctr"/>
+            <a:r>
+              <a:rPr kumimoji="0" lang="en-US" altLang="zh-TW" sz="2800" b="1" dirty="0">
+                <a:solidFill>
+                  <a:srgbClr val="FFC000"/>
+                </a:solidFill>
+              </a:rPr>
+              <a:t>Insert</a:t>
+            </a:r>
+            <a:r>
+              <a:rPr kumimoji="0" lang="en-US" altLang="zh-TW" sz="2800" b="1" dirty="0"/>
+              <a:t> operation</a:t>
+            </a:r>
+            <a:br>
+              <a:rPr kumimoji="0" lang="en-US" altLang="zh-TW" sz="2800" b="1" dirty="0">
+                <a:latin typeface="Times New Roman" panose="02020603050405020304" pitchFamily="18" charset="0"/>
+              </a:rPr>
+            </a:br>
+            <a:endParaRPr lang="en-US" dirty="0"/>
+          </a:p>
+        </p:txBody>
+      </p:sp>
+      <p:sp>
+        <p:nvSpPr>
+          <p:cNvPr id="5" name="TextBox 4">
+            <a:extLst>
+              <a:ext uri="{FF2B5EF4-FFF2-40B4-BE49-F238E27FC236}">
+                <a16:creationId xmlns:a16="http://schemas.microsoft.com/office/drawing/2014/main" id="{F1262045-964E-4002-AF6F-3C7E2F7B6A1D}"/>
+              </a:ext>
+            </a:extLst>
+          </p:cNvPr>
+          <p:cNvSpPr txBox="1"/>
+          <p:nvPr/>
+        </p:nvSpPr>
+        <p:spPr>
+          <a:xfrm>
+            <a:off x="2113109" y="2297897"/>
+            <a:ext cx="8100892" cy="1311128"/>
+          </a:xfrm>
+          <a:prstGeom prst="rect">
+            <a:avLst/>
+          </a:prstGeom>
+          <a:noFill/>
+        </p:spPr>
+        <p:txBody>
+          <a:bodyPr wrap="square">
+            <a:spAutoFit/>
+          </a:bodyPr>
+          <a:lstStyle/>
+          <a:p>
+            <a:pPr marL="457200" indent="-457200">
+              <a:lnSpc>
+                <a:spcPct val="90000"/>
+              </a:lnSpc>
+              <a:buFont typeface="Wingdings" panose="05000000000000000000" pitchFamily="2" charset="2"/>
+              <a:buChar char="q"/>
+            </a:pPr>
+            <a:r>
+              <a:rPr lang="en-US" altLang="zh-TW" sz="3200" dirty="0"/>
+              <a:t>A </a:t>
+            </a:r>
+            <a:r>
+              <a:rPr lang="en-US" altLang="zh-TW" sz="3200" dirty="0">
+                <a:solidFill>
+                  <a:srgbClr val="006600"/>
+                </a:solidFill>
+              </a:rPr>
+              <a:t>unary</a:t>
+            </a:r>
+            <a:r>
+              <a:rPr lang="en-US" altLang="zh-TW" sz="3200" dirty="0"/>
+              <a:t> operation.</a:t>
+            </a:r>
+          </a:p>
+          <a:p>
+            <a:pPr>
+              <a:lnSpc>
+                <a:spcPct val="90000"/>
+              </a:lnSpc>
+            </a:pPr>
+            <a:endParaRPr lang="en-US" altLang="zh-TW" sz="2400" dirty="0"/>
+          </a:p>
+          <a:p>
+            <a:pPr marL="457200" indent="-457200">
+              <a:lnSpc>
+                <a:spcPct val="90000"/>
+              </a:lnSpc>
+              <a:buFont typeface="Wingdings" panose="05000000000000000000" pitchFamily="2" charset="2"/>
+              <a:buChar char="q"/>
+            </a:pPr>
+            <a:r>
+              <a:rPr lang="en-US" altLang="zh-TW" sz="3200" u="sng" dirty="0"/>
+              <a:t>Insert a new </a:t>
+            </a:r>
+            <a:r>
+              <a:rPr lang="en-US" altLang="zh-TW" sz="3200" u="sng" dirty="0">
+                <a:solidFill>
+                  <a:srgbClr val="006600"/>
+                </a:solidFill>
+              </a:rPr>
+              <a:t>tuple</a:t>
+            </a:r>
+            <a:r>
+              <a:rPr lang="en-US" altLang="zh-TW" sz="3200" dirty="0"/>
+              <a:t> into the relation.</a:t>
+            </a:r>
+          </a:p>
+        </p:txBody>
+      </p:sp>
+      <p:pic>
+        <p:nvPicPr>
+          <p:cNvPr id="6" name="Picture 15">
+            <a:extLst>
+              <a:ext uri="{FF2B5EF4-FFF2-40B4-BE49-F238E27FC236}">
+                <a16:creationId xmlns:a16="http://schemas.microsoft.com/office/drawing/2014/main" id="{FC5B1A41-4FA1-4293-BB67-E82B63BC3DC6}"/>
+              </a:ext>
+            </a:extLst>
+          </p:cNvPr>
+          <p:cNvPicPr>
+            <a:picLocks noChangeAspect="1" noChangeArrowheads="1"/>
+          </p:cNvPicPr>
+          <p:nvPr/>
+        </p:nvPicPr>
+        <p:blipFill>
+          <a:blip r:embed="rId2">
+            <a:extLst>
+              <a:ext uri="{28A0092B-C50C-407E-A947-70E740481C1C}">
+                <a14:useLocalDpi xmlns:a14="http://schemas.microsoft.com/office/drawing/2010/main" val="0"/>
+              </a:ext>
+            </a:extLst>
+          </a:blip>
+          <a:srcRect/>
+          <a:stretch>
+            <a:fillRect/>
+          </a:stretch>
+        </p:blipFill>
+        <p:spPr bwMode="auto">
+          <a:xfrm>
+            <a:off x="2017438" y="4204806"/>
+            <a:ext cx="8510588" cy="1951038"/>
+          </a:xfrm>
+          <a:prstGeom prst="rect">
+            <a:avLst/>
+          </a:prstGeom>
+          <a:noFill/>
+          <a:ln>
+            <a:noFill/>
+          </a:ln>
+          <a:effectLst/>
+          <a:extLst>
+            <a:ext uri="{909E8E84-426E-40DD-AFC4-6F175D3DCCD1}">
+              <a14:hiddenFill xmlns:a14="http://schemas.microsoft.com/office/drawing/2010/main">
+                <a:solidFill>
+                  <a:schemeClr val="accent1"/>
+                </a:solidFill>
+              </a14:hiddenFill>
+            </a:ext>
+            <a:ext uri="{91240B29-F687-4F45-9708-019B960494DF}">
+              <a14:hiddenLine xmlns:a14="http://schemas.microsoft.com/office/drawing/2010/main" w="9525">
+                <a:solidFill>
+                  <a:schemeClr val="tx1"/>
+                </a:solidFill>
+                <a:miter lim="800000"/>
+                <a:headEnd/>
+                <a:tailEnd/>
+              </a14:hiddenLine>
+            </a:ext>
+            <a:ext uri="{AF507438-7753-43E0-B8FC-AC1667EBCBE1}">
+              <a14:hiddenEffects xmlns:a14="http://schemas.microsoft.com/office/drawing/2010/main">
+                <a:effectLst>
+                  <a:outerShdw dist="35921" dir="2700000" algn="ctr" rotWithShape="0">
+                    <a:schemeClr val="bg2"/>
+                  </a:outerShdw>
+                </a:effectLst>
+              </a14:hiddenEffects>
+            </a:ext>
+          </a:extLst>
+        </p:spPr>
+      </p:pic>
+    </p:spTree>
+    <p:extLst>
+      <p:ext uri="{BB962C8B-B14F-4D97-AF65-F5344CB8AC3E}">
+        <p14:creationId xmlns:p14="http://schemas.microsoft.com/office/powerpoint/2010/main" val="3595657379"/>
+      </p:ext>
+    </p:extLst>
+  </p:cSld>
+  <p:clrMapOvr>
+    <a:masterClrMapping/>
+  </p:clrMapOvr>
+</p:sld>
+</file>
+
+<file path=ppt/slides/slide13.xml><?xml version="1.0" encoding="utf-8"?>
+<p:sld xmlns:a="http://schemas.openxmlformats.org/drawingml/2006/main" xmlns:r="http://schemas.openxmlformats.org/officeDocument/2006/relationships" xmlns:p="http://schemas.openxmlformats.org/presentationml/2006/main">
+  <p:cSld>
+    <p:spTree>
+      <p:nvGrpSpPr>
+        <p:cNvPr id="1" name=""/>
+        <p:cNvGrpSpPr/>
+        <p:nvPr/>
+      </p:nvGrpSpPr>
+      <p:grpSpPr>
+        <a:xfrm>
+          <a:off x="0" y="0"/>
+          <a:ext cx="0" cy="0"/>
+          <a:chOff x="0" y="0"/>
+          <a:chExt cx="0" cy="0"/>
+        </a:xfrm>
+      </p:grpSpPr>
+      <p:sp>
+        <p:nvSpPr>
+          <p:cNvPr id="2" name="Title 1">
+            <a:extLst>
+              <a:ext uri="{FF2B5EF4-FFF2-40B4-BE49-F238E27FC236}">
                 <a16:creationId xmlns:a16="http://schemas.microsoft.com/office/drawing/2014/main" id="{BD65F882-BF6F-41B6-B77A-8D547C745F03}"/>
               </a:ext>
             </a:extLst>
@@ -9061,7 +9918,7 @@
 </p:sld>
 </file>
 
-<file path=ppt/slides/slide11.xml><?xml version="1.0" encoding="utf-8"?>
+<file path=ppt/slides/slide14.xml><?xml version="1.0" encoding="utf-8"?>
 <p:sld xmlns:a="http://schemas.openxmlformats.org/drawingml/2006/main" xmlns:r="http://schemas.openxmlformats.org/officeDocument/2006/relationships" xmlns:p="http://schemas.openxmlformats.org/presentationml/2006/main">
   <p:cSld>
     <p:spTree>
@@ -9343,7 +10200,7 @@
 </p:sld>
 </file>
 
-<file path=ppt/slides/slide12.xml><?xml version="1.0" encoding="utf-8"?>
+<file path=ppt/slides/slide15.xml><?xml version="1.0" encoding="utf-8"?>
 <p:sld xmlns:a="http://schemas.openxmlformats.org/drawingml/2006/main" xmlns:r="http://schemas.openxmlformats.org/officeDocument/2006/relationships" xmlns:p="http://schemas.openxmlformats.org/presentationml/2006/main">
   <p:cSld>
     <p:spTree>
@@ -9622,7 +10479,7 @@
 </p:sld>
 </file>
 
-<file path=ppt/slides/slide13.xml><?xml version="1.0" encoding="utf-8"?>
+<file path=ppt/slides/slide16.xml><?xml version="1.0" encoding="utf-8"?>
 <p:sld xmlns:a="http://schemas.openxmlformats.org/drawingml/2006/main" xmlns:r="http://schemas.openxmlformats.org/officeDocument/2006/relationships" xmlns:p="http://schemas.openxmlformats.org/presentationml/2006/main">
   <p:cSld>
     <p:spTree>
@@ -9836,782 +10693,6 @@
     <p:extLst>
       <p:ext uri="{BB962C8B-B14F-4D97-AF65-F5344CB8AC3E}">
         <p14:creationId xmlns:p14="http://schemas.microsoft.com/office/powerpoint/2010/main" val="1273741283"/>
-      </p:ext>
-    </p:extLst>
-  </p:cSld>
-  <p:clrMapOvr>
-    <a:masterClrMapping/>
-  </p:clrMapOvr>
-</p:sld>
-</file>
-
-<file path=ppt/slides/slide14.xml><?xml version="1.0" encoding="utf-8"?>
-<p:sld xmlns:a="http://schemas.openxmlformats.org/drawingml/2006/main" xmlns:r="http://schemas.openxmlformats.org/officeDocument/2006/relationships" xmlns:p="http://schemas.openxmlformats.org/presentationml/2006/main">
-  <p:cSld>
-    <p:spTree>
-      <p:nvGrpSpPr>
-        <p:cNvPr id="1" name=""/>
-        <p:cNvGrpSpPr/>
-        <p:nvPr/>
-      </p:nvGrpSpPr>
-      <p:grpSpPr>
-        <a:xfrm>
-          <a:off x="0" y="0"/>
-          <a:ext cx="0" cy="0"/>
-          <a:chOff x="0" y="0"/>
-          <a:chExt cx="0" cy="0"/>
-        </a:xfrm>
-      </p:grpSpPr>
-      <p:sp>
-        <p:nvSpPr>
-          <p:cNvPr id="2" name="Title 1">
-            <a:extLst>
-              <a:ext uri="{FF2B5EF4-FFF2-40B4-BE49-F238E27FC236}">
-                <a16:creationId xmlns:a16="http://schemas.microsoft.com/office/drawing/2014/main" id="{FB2C8E75-4863-4EA6-A258-70A8E1578298}"/>
-              </a:ext>
-            </a:extLst>
-          </p:cNvPr>
-          <p:cNvSpPr>
-            <a:spLocks noGrp="1"/>
-          </p:cNvSpPr>
-          <p:nvPr>
-            <p:ph type="title"/>
-          </p:nvPr>
-        </p:nvSpPr>
-        <p:spPr/>
-        <p:txBody>
-          <a:bodyPr/>
-          <a:lstStyle/>
-          <a:p>
-            <a:pPr algn="ctr"/>
-            <a:r>
-              <a:rPr kumimoji="0" lang="en-US" altLang="zh-TW" sz="2800" b="1" dirty="0">
-                <a:solidFill>
-                  <a:srgbClr val="FFC000"/>
-                </a:solidFill>
-              </a:rPr>
-              <a:t>Join</a:t>
-            </a:r>
-            <a:r>
-              <a:rPr kumimoji="0" lang="en-US" altLang="zh-TW" sz="2800" b="1" dirty="0"/>
-              <a:t> operation</a:t>
-            </a:r>
-            <a:br>
-              <a:rPr kumimoji="0" lang="en-US" altLang="zh-TW" sz="2800" b="1" dirty="0">
-                <a:latin typeface="Times New Roman" panose="02020603050405020304" pitchFamily="18" charset="0"/>
-              </a:rPr>
-            </a:br>
-            <a:endParaRPr lang="en-US" dirty="0"/>
-          </a:p>
-        </p:txBody>
-      </p:sp>
-      <p:pic>
-        <p:nvPicPr>
-          <p:cNvPr id="8" name="Picture 10">
-            <a:extLst>
-              <a:ext uri="{FF2B5EF4-FFF2-40B4-BE49-F238E27FC236}">
-                <a16:creationId xmlns:a16="http://schemas.microsoft.com/office/drawing/2014/main" id="{B2F50A64-B0FC-44B3-8EB8-F155FA00D756}"/>
-              </a:ext>
-            </a:extLst>
-          </p:cNvPr>
-          <p:cNvPicPr>
-            <a:picLocks noChangeAspect="1" noChangeArrowheads="1"/>
-          </p:cNvPicPr>
-          <p:nvPr/>
-        </p:nvPicPr>
-        <p:blipFill>
-          <a:blip r:embed="rId2">
-            <a:extLst>
-              <a:ext uri="{28A0092B-C50C-407E-A947-70E740481C1C}">
-                <a14:useLocalDpi xmlns:a14="http://schemas.microsoft.com/office/drawing/2010/main" val="0"/>
-              </a:ext>
-            </a:extLst>
-          </a:blip>
-          <a:srcRect/>
-          <a:stretch>
-            <a:fillRect/>
-          </a:stretch>
-        </p:blipFill>
-        <p:spPr bwMode="auto">
-          <a:xfrm>
-            <a:off x="1681474" y="2479378"/>
-            <a:ext cx="8399979" cy="4080943"/>
-          </a:xfrm>
-          <a:prstGeom prst="rect">
-            <a:avLst/>
-          </a:prstGeom>
-          <a:noFill/>
-          <a:ln>
-            <a:noFill/>
-          </a:ln>
-          <a:effectLst/>
-          <a:extLst>
-            <a:ext uri="{909E8E84-426E-40DD-AFC4-6F175D3DCCD1}">
-              <a14:hiddenFill xmlns:a14="http://schemas.microsoft.com/office/drawing/2010/main">
-                <a:solidFill>
-                  <a:schemeClr val="accent1"/>
-                </a:solidFill>
-              </a14:hiddenFill>
-            </a:ext>
-            <a:ext uri="{91240B29-F687-4F45-9708-019B960494DF}">
-              <a14:hiddenLine xmlns:a14="http://schemas.microsoft.com/office/drawing/2010/main" w="9525">
-                <a:solidFill>
-                  <a:schemeClr val="tx1"/>
-                </a:solidFill>
-                <a:miter lim="800000"/>
-                <a:headEnd/>
-                <a:tailEnd/>
-              </a14:hiddenLine>
-            </a:ext>
-            <a:ext uri="{AF507438-7753-43E0-B8FC-AC1667EBCBE1}">
-              <a14:hiddenEffects xmlns:a14="http://schemas.microsoft.com/office/drawing/2010/main">
-                <a:effectLst>
-                  <a:outerShdw dist="35921" dir="2700000" algn="ctr" rotWithShape="0">
-                    <a:schemeClr val="bg2"/>
-                  </a:outerShdw>
-                </a:effectLst>
-              </a14:hiddenEffects>
-            </a:ext>
-          </a:extLst>
-        </p:spPr>
-      </p:pic>
-      <p:sp>
-        <p:nvSpPr>
-          <p:cNvPr id="11" name="TextBox 10">
-            <a:extLst>
-              <a:ext uri="{FF2B5EF4-FFF2-40B4-BE49-F238E27FC236}">
-                <a16:creationId xmlns:a16="http://schemas.microsoft.com/office/drawing/2014/main" id="{1433EA0B-8080-4814-85F4-8FED4C3BF605}"/>
-              </a:ext>
-            </a:extLst>
-          </p:cNvPr>
-          <p:cNvSpPr txBox="1"/>
-          <p:nvPr/>
-        </p:nvSpPr>
-        <p:spPr>
-          <a:xfrm>
-            <a:off x="4976925" y="2161042"/>
-            <a:ext cx="6096000" cy="1477328"/>
-          </a:xfrm>
-          <a:prstGeom prst="rect">
-            <a:avLst/>
-          </a:prstGeom>
-          <a:noFill/>
-        </p:spPr>
-        <p:txBody>
-          <a:bodyPr wrap="square">
-            <a:spAutoFit/>
-          </a:bodyPr>
-          <a:lstStyle/>
-          <a:p>
-            <a:pPr marL="457200" indent="-457200">
-              <a:lnSpc>
-                <a:spcPct val="90000"/>
-              </a:lnSpc>
-              <a:buFont typeface="Wingdings" panose="05000000000000000000" pitchFamily="2" charset="2"/>
-              <a:buChar char="q"/>
-            </a:pPr>
-            <a:r>
-              <a:rPr lang="en-US" altLang="zh-TW" sz="2800" dirty="0"/>
-              <a:t>A </a:t>
-            </a:r>
-            <a:r>
-              <a:rPr lang="en-US" altLang="zh-TW" sz="2800" dirty="0">
-                <a:solidFill>
-                  <a:srgbClr val="006600"/>
-                </a:solidFill>
-              </a:rPr>
-              <a:t>binary</a:t>
-            </a:r>
-            <a:r>
-              <a:rPr lang="en-US" altLang="zh-TW" sz="2800" dirty="0"/>
-              <a:t> operation.</a:t>
-            </a:r>
-          </a:p>
-          <a:p>
-            <a:pPr>
-              <a:lnSpc>
-                <a:spcPct val="90000"/>
-              </a:lnSpc>
-            </a:pPr>
-            <a:endParaRPr lang="en-US" altLang="zh-TW" sz="2400" dirty="0"/>
-          </a:p>
-          <a:p>
-            <a:pPr marL="457200" indent="-457200">
-              <a:lnSpc>
-                <a:spcPct val="90000"/>
-              </a:lnSpc>
-              <a:buFont typeface="Wingdings" panose="05000000000000000000" pitchFamily="2" charset="2"/>
-              <a:buChar char="q"/>
-            </a:pPr>
-            <a:r>
-              <a:rPr lang="en-US" altLang="zh-TW" sz="2400" u="sng" dirty="0"/>
-              <a:t>Combines two relations</a:t>
-            </a:r>
-            <a:r>
-              <a:rPr lang="en-US" altLang="zh-TW" sz="2400" dirty="0"/>
-              <a:t> based on </a:t>
-            </a:r>
-            <a:r>
-              <a:rPr lang="en-US" altLang="zh-TW" sz="2400" u="sng" dirty="0">
-                <a:solidFill>
-                  <a:srgbClr val="006600"/>
-                </a:solidFill>
-              </a:rPr>
-              <a:t>common attributes</a:t>
-            </a:r>
-            <a:r>
-              <a:rPr lang="en-US" altLang="zh-TW" sz="2400" dirty="0"/>
-              <a:t>.</a:t>
-            </a:r>
-          </a:p>
-        </p:txBody>
-      </p:sp>
-    </p:spTree>
-    <p:extLst>
-      <p:ext uri="{BB962C8B-B14F-4D97-AF65-F5344CB8AC3E}">
-        <p14:creationId xmlns:p14="http://schemas.microsoft.com/office/powerpoint/2010/main" val="3628078865"/>
-      </p:ext>
-    </p:extLst>
-  </p:cSld>
-  <p:clrMapOvr>
-    <a:masterClrMapping/>
-  </p:clrMapOvr>
-</p:sld>
-</file>
-
-<file path=ppt/slides/slide15.xml><?xml version="1.0" encoding="utf-8"?>
-<p:sld xmlns:a="http://schemas.openxmlformats.org/drawingml/2006/main" xmlns:r="http://schemas.openxmlformats.org/officeDocument/2006/relationships" xmlns:p="http://schemas.openxmlformats.org/presentationml/2006/main">
-  <p:cSld>
-    <p:spTree>
-      <p:nvGrpSpPr>
-        <p:cNvPr id="1" name=""/>
-        <p:cNvGrpSpPr/>
-        <p:nvPr/>
-      </p:nvGrpSpPr>
-      <p:grpSpPr>
-        <a:xfrm>
-          <a:off x="0" y="0"/>
-          <a:ext cx="0" cy="0"/>
-          <a:chOff x="0" y="0"/>
-          <a:chExt cx="0" cy="0"/>
-        </a:xfrm>
-      </p:grpSpPr>
-      <p:sp>
-        <p:nvSpPr>
-          <p:cNvPr id="2" name="Title 1">
-            <a:extLst>
-              <a:ext uri="{FF2B5EF4-FFF2-40B4-BE49-F238E27FC236}">
-                <a16:creationId xmlns:a16="http://schemas.microsoft.com/office/drawing/2014/main" id="{577ADF34-0484-4EAE-A352-C3CEB05D4488}"/>
-              </a:ext>
-            </a:extLst>
-          </p:cNvPr>
-          <p:cNvSpPr>
-            <a:spLocks noGrp="1"/>
-          </p:cNvSpPr>
-          <p:nvPr>
-            <p:ph type="title"/>
-          </p:nvPr>
-        </p:nvSpPr>
-        <p:spPr/>
-        <p:txBody>
-          <a:bodyPr/>
-          <a:lstStyle/>
-          <a:p>
-            <a:pPr algn="ctr"/>
-            <a:r>
-              <a:rPr kumimoji="0" lang="en-US" altLang="zh-TW" sz="2800" b="1" dirty="0">
-                <a:solidFill>
-                  <a:srgbClr val="FFC000"/>
-                </a:solidFill>
-              </a:rPr>
-              <a:t>Union</a:t>
-            </a:r>
-            <a:r>
-              <a:rPr kumimoji="0" lang="en-US" altLang="zh-TW" sz="2800" b="1" dirty="0"/>
-              <a:t> operation</a:t>
-            </a:r>
-            <a:br>
-              <a:rPr kumimoji="0" lang="en-US" altLang="zh-TW" sz="2800" b="1" dirty="0">
-                <a:latin typeface="Times New Roman" panose="02020603050405020304" pitchFamily="18" charset="0"/>
-              </a:rPr>
-            </a:br>
-            <a:endParaRPr lang="en-US" dirty="0"/>
-          </a:p>
-        </p:txBody>
-      </p:sp>
-      <p:pic>
-        <p:nvPicPr>
-          <p:cNvPr id="4" name="Picture 11">
-            <a:extLst>
-              <a:ext uri="{FF2B5EF4-FFF2-40B4-BE49-F238E27FC236}">
-                <a16:creationId xmlns:a16="http://schemas.microsoft.com/office/drawing/2014/main" id="{B19AB89F-B074-4D49-ADCB-4F0EDDD52D92}"/>
-              </a:ext>
-            </a:extLst>
-          </p:cNvPr>
-          <p:cNvPicPr>
-            <a:picLocks noChangeAspect="1" noChangeArrowheads="1"/>
-          </p:cNvPicPr>
-          <p:nvPr/>
-        </p:nvPicPr>
-        <p:blipFill>
-          <a:blip r:embed="rId2">
-            <a:extLst>
-              <a:ext uri="{28A0092B-C50C-407E-A947-70E740481C1C}">
-                <a14:useLocalDpi xmlns:a14="http://schemas.microsoft.com/office/drawing/2010/main" val="0"/>
-              </a:ext>
-            </a:extLst>
-          </a:blip>
-          <a:srcRect/>
-          <a:stretch>
-            <a:fillRect/>
-          </a:stretch>
-        </p:blipFill>
-        <p:spPr bwMode="auto">
-          <a:xfrm>
-            <a:off x="1090339" y="2915698"/>
-            <a:ext cx="8702675" cy="3608388"/>
-          </a:xfrm>
-          <a:prstGeom prst="rect">
-            <a:avLst/>
-          </a:prstGeom>
-          <a:noFill/>
-          <a:ln>
-            <a:noFill/>
-          </a:ln>
-          <a:effectLst/>
-          <a:extLst>
-            <a:ext uri="{909E8E84-426E-40DD-AFC4-6F175D3DCCD1}">
-              <a14:hiddenFill xmlns:a14="http://schemas.microsoft.com/office/drawing/2010/main">
-                <a:solidFill>
-                  <a:schemeClr val="accent1"/>
-                </a:solidFill>
-              </a14:hiddenFill>
-            </a:ext>
-            <a:ext uri="{91240B29-F687-4F45-9708-019B960494DF}">
-              <a14:hiddenLine xmlns:a14="http://schemas.microsoft.com/office/drawing/2010/main" w="9525">
-                <a:solidFill>
-                  <a:schemeClr val="tx1"/>
-                </a:solidFill>
-                <a:miter lim="800000"/>
-                <a:headEnd/>
-                <a:tailEnd/>
-              </a14:hiddenLine>
-            </a:ext>
-            <a:ext uri="{AF507438-7753-43E0-B8FC-AC1667EBCBE1}">
-              <a14:hiddenEffects xmlns:a14="http://schemas.microsoft.com/office/drawing/2010/main">
-                <a:effectLst>
-                  <a:outerShdw dist="35921" dir="2700000" algn="ctr" rotWithShape="0">
-                    <a:schemeClr val="bg2"/>
-                  </a:outerShdw>
-                </a:effectLst>
-              </a14:hiddenEffects>
-            </a:ext>
-          </a:extLst>
-        </p:spPr>
-      </p:pic>
-      <p:sp>
-        <p:nvSpPr>
-          <p:cNvPr id="6" name="TextBox 5">
-            <a:extLst>
-              <a:ext uri="{FF2B5EF4-FFF2-40B4-BE49-F238E27FC236}">
-                <a16:creationId xmlns:a16="http://schemas.microsoft.com/office/drawing/2014/main" id="{1A2B55FD-F30F-4A51-95D1-0EC8E81BAA87}"/>
-              </a:ext>
-            </a:extLst>
-          </p:cNvPr>
-          <p:cNvSpPr txBox="1"/>
-          <p:nvPr/>
-        </p:nvSpPr>
-        <p:spPr>
-          <a:xfrm>
-            <a:off x="4697845" y="1987696"/>
-            <a:ext cx="6800537" cy="1975926"/>
-          </a:xfrm>
-          <a:prstGeom prst="rect">
-            <a:avLst/>
-          </a:prstGeom>
-          <a:noFill/>
-        </p:spPr>
-        <p:txBody>
-          <a:bodyPr wrap="square">
-            <a:spAutoFit/>
-          </a:bodyPr>
-          <a:lstStyle/>
-          <a:p>
-            <a:pPr marL="342900" indent="-342900">
-              <a:lnSpc>
-                <a:spcPct val="90000"/>
-              </a:lnSpc>
-              <a:buFont typeface="Wingdings" panose="05000000000000000000" pitchFamily="2" charset="2"/>
-              <a:buChar char="q"/>
-            </a:pPr>
-            <a:r>
-              <a:rPr lang="en-US" altLang="zh-TW" sz="2400" dirty="0"/>
-              <a:t>A </a:t>
-            </a:r>
-            <a:r>
-              <a:rPr lang="en-US" altLang="zh-TW" sz="2400" dirty="0">
-                <a:solidFill>
-                  <a:srgbClr val="006600"/>
-                </a:solidFill>
-              </a:rPr>
-              <a:t>binary</a:t>
-            </a:r>
-            <a:r>
-              <a:rPr lang="en-US" altLang="zh-TW" sz="2400" dirty="0"/>
-              <a:t> operation.</a:t>
-            </a:r>
-          </a:p>
-          <a:p>
-            <a:pPr>
-              <a:lnSpc>
-                <a:spcPct val="90000"/>
-              </a:lnSpc>
-            </a:pPr>
-            <a:endParaRPr lang="en-US" altLang="zh-TW" sz="2000" dirty="0"/>
-          </a:p>
-          <a:p>
-            <a:pPr marL="342900" indent="-342900">
-              <a:lnSpc>
-                <a:spcPct val="90000"/>
-              </a:lnSpc>
-              <a:buFont typeface="Wingdings" panose="05000000000000000000" pitchFamily="2" charset="2"/>
-              <a:buChar char="q"/>
-            </a:pPr>
-            <a:r>
-              <a:rPr lang="en-US" altLang="zh-TW" sz="2400" u="sng" dirty="0"/>
-              <a:t>Creates a new relation</a:t>
-            </a:r>
-            <a:r>
-              <a:rPr lang="en-US" altLang="zh-TW" sz="2400" dirty="0"/>
-              <a:t> in which each tuple is either </a:t>
-            </a:r>
-            <a:r>
-              <a:rPr lang="en-US" altLang="zh-TW" sz="2400" u="sng" dirty="0"/>
-              <a:t>in the first relation</a:t>
-            </a:r>
-            <a:r>
-              <a:rPr lang="en-US" altLang="zh-TW" sz="2400" dirty="0"/>
-              <a:t>, </a:t>
-            </a:r>
-            <a:r>
-              <a:rPr lang="en-US" altLang="zh-TW" sz="2400" u="sng" dirty="0"/>
-              <a:t>in the second</a:t>
-            </a:r>
-            <a:r>
-              <a:rPr lang="en-US" altLang="zh-TW" sz="2400" dirty="0"/>
-              <a:t>, or </a:t>
-            </a:r>
-            <a:r>
-              <a:rPr lang="en-US" altLang="zh-TW" sz="2400" u="sng" dirty="0"/>
-              <a:t>in both</a:t>
-            </a:r>
-            <a:r>
-              <a:rPr lang="en-US" altLang="zh-TW" sz="2400" dirty="0"/>
-              <a:t>.</a:t>
-            </a:r>
-          </a:p>
-          <a:p>
-            <a:pPr>
-              <a:lnSpc>
-                <a:spcPct val="90000"/>
-              </a:lnSpc>
-            </a:pPr>
-            <a:endParaRPr lang="en-US" altLang="zh-TW" sz="2000" dirty="0"/>
-          </a:p>
-          <a:p>
-            <a:pPr marL="342900" indent="-342900">
-              <a:lnSpc>
-                <a:spcPct val="90000"/>
-              </a:lnSpc>
-              <a:buFont typeface="Wingdings" panose="05000000000000000000" pitchFamily="2" charset="2"/>
-              <a:buChar char="q"/>
-            </a:pPr>
-            <a:r>
-              <a:rPr lang="en-US" altLang="zh-TW" sz="2400" dirty="0"/>
-              <a:t>The two relations must have the </a:t>
-            </a:r>
-            <a:r>
-              <a:rPr lang="en-US" altLang="zh-TW" sz="2400" u="sng" dirty="0"/>
-              <a:t>same </a:t>
-            </a:r>
-            <a:r>
-              <a:rPr lang="en-US" altLang="zh-TW" sz="2400" u="sng" dirty="0">
-                <a:solidFill>
-                  <a:srgbClr val="006600"/>
-                </a:solidFill>
-              </a:rPr>
-              <a:t>attributes</a:t>
-            </a:r>
-            <a:r>
-              <a:rPr lang="en-US" altLang="zh-TW" sz="2400" dirty="0"/>
-              <a:t>.</a:t>
-            </a:r>
-          </a:p>
-        </p:txBody>
-      </p:sp>
-    </p:spTree>
-    <p:extLst>
-      <p:ext uri="{BB962C8B-B14F-4D97-AF65-F5344CB8AC3E}">
-        <p14:creationId xmlns:p14="http://schemas.microsoft.com/office/powerpoint/2010/main" val="2950460556"/>
-      </p:ext>
-    </p:extLst>
-  </p:cSld>
-  <p:clrMapOvr>
-    <a:masterClrMapping/>
-  </p:clrMapOvr>
-</p:sld>
-</file>
-
-<file path=ppt/slides/slide16.xml><?xml version="1.0" encoding="utf-8"?>
-<p:sld xmlns:a="http://schemas.openxmlformats.org/drawingml/2006/main" xmlns:r="http://schemas.openxmlformats.org/officeDocument/2006/relationships" xmlns:p="http://schemas.openxmlformats.org/presentationml/2006/main">
-  <p:cSld>
-    <p:spTree>
-      <p:nvGrpSpPr>
-        <p:cNvPr id="1" name=""/>
-        <p:cNvGrpSpPr/>
-        <p:nvPr/>
-      </p:nvGrpSpPr>
-      <p:grpSpPr>
-        <a:xfrm>
-          <a:off x="0" y="0"/>
-          <a:ext cx="0" cy="0"/>
-          <a:chOff x="0" y="0"/>
-          <a:chExt cx="0" cy="0"/>
-        </a:xfrm>
-      </p:grpSpPr>
-      <p:sp>
-        <p:nvSpPr>
-          <p:cNvPr id="2" name="Title 1">
-            <a:extLst>
-              <a:ext uri="{FF2B5EF4-FFF2-40B4-BE49-F238E27FC236}">
-                <a16:creationId xmlns:a16="http://schemas.microsoft.com/office/drawing/2014/main" id="{6DC7D709-B9CC-4DF8-9C34-2EFC2F252C90}"/>
-              </a:ext>
-            </a:extLst>
-          </p:cNvPr>
-          <p:cNvSpPr>
-            <a:spLocks noGrp="1"/>
-          </p:cNvSpPr>
-          <p:nvPr>
-            <p:ph type="title"/>
-          </p:nvPr>
-        </p:nvSpPr>
-        <p:spPr/>
-        <p:txBody>
-          <a:bodyPr/>
-          <a:lstStyle/>
-          <a:p>
-            <a:pPr algn="ctr"/>
-            <a:r>
-              <a:rPr kumimoji="0" lang="en-US" altLang="zh-TW" sz="2800" b="1" dirty="0">
-                <a:solidFill>
-                  <a:srgbClr val="FFC000"/>
-                </a:solidFill>
-              </a:rPr>
-              <a:t>Intersection</a:t>
-            </a:r>
-            <a:r>
-              <a:rPr kumimoji="0" lang="en-US" altLang="zh-TW" sz="2800" b="1" dirty="0"/>
-              <a:t> operation</a:t>
-            </a:r>
-            <a:br>
-              <a:rPr kumimoji="0" lang="en-US" altLang="zh-TW" sz="2800" b="1" dirty="0">
-                <a:latin typeface="Times New Roman" panose="02020603050405020304" pitchFamily="18" charset="0"/>
-              </a:rPr>
-            </a:br>
-            <a:endParaRPr lang="en-US" dirty="0"/>
-          </a:p>
-        </p:txBody>
-      </p:sp>
-      <p:pic>
-        <p:nvPicPr>
-          <p:cNvPr id="4" name="Picture 6">
-            <a:extLst>
-              <a:ext uri="{FF2B5EF4-FFF2-40B4-BE49-F238E27FC236}">
-                <a16:creationId xmlns:a16="http://schemas.microsoft.com/office/drawing/2014/main" id="{6F9CE6C8-9DB4-4273-AA2C-A7672181786E}"/>
-              </a:ext>
-            </a:extLst>
-          </p:cNvPr>
-          <p:cNvPicPr>
-            <a:picLocks noChangeAspect="1" noChangeArrowheads="1"/>
-          </p:cNvPicPr>
-          <p:nvPr/>
-        </p:nvPicPr>
-        <p:blipFill>
-          <a:blip r:embed="rId2">
-            <a:extLst>
-              <a:ext uri="{28A0092B-C50C-407E-A947-70E740481C1C}">
-                <a14:useLocalDpi xmlns:a14="http://schemas.microsoft.com/office/drawing/2010/main" val="0"/>
-              </a:ext>
-            </a:extLst>
-          </a:blip>
-          <a:srcRect/>
-          <a:stretch>
-            <a:fillRect/>
-          </a:stretch>
-        </p:blipFill>
-        <p:spPr bwMode="auto">
-          <a:xfrm>
-            <a:off x="509801" y="3103746"/>
-            <a:ext cx="8702675" cy="3608388"/>
-          </a:xfrm>
-          <a:prstGeom prst="rect">
-            <a:avLst/>
-          </a:prstGeom>
-          <a:noFill/>
-          <a:ln>
-            <a:noFill/>
-          </a:ln>
-          <a:effectLst/>
-          <a:extLst>
-            <a:ext uri="{909E8E84-426E-40DD-AFC4-6F175D3DCCD1}">
-              <a14:hiddenFill xmlns:a14="http://schemas.microsoft.com/office/drawing/2010/main">
-                <a:solidFill>
-                  <a:schemeClr val="accent1"/>
-                </a:solidFill>
-              </a14:hiddenFill>
-            </a:ext>
-            <a:ext uri="{91240B29-F687-4F45-9708-019B960494DF}">
-              <a14:hiddenLine xmlns:a14="http://schemas.microsoft.com/office/drawing/2010/main" w="9525">
-                <a:solidFill>
-                  <a:schemeClr val="tx1"/>
-                </a:solidFill>
-                <a:miter lim="800000"/>
-                <a:headEnd/>
-                <a:tailEnd/>
-              </a14:hiddenLine>
-            </a:ext>
-            <a:ext uri="{AF507438-7753-43E0-B8FC-AC1667EBCBE1}">
-              <a14:hiddenEffects xmlns:a14="http://schemas.microsoft.com/office/drawing/2010/main">
-                <a:effectLst>
-                  <a:outerShdw dist="35921" dir="2700000" algn="ctr" rotWithShape="0">
-                    <a:schemeClr val="bg2"/>
-                  </a:outerShdw>
-                </a:effectLst>
-              </a14:hiddenEffects>
-            </a:ext>
-          </a:extLst>
-        </p:spPr>
-      </p:pic>
-      <p:sp>
-        <p:nvSpPr>
-          <p:cNvPr id="6" name="TextBox 5">
-            <a:extLst>
-              <a:ext uri="{FF2B5EF4-FFF2-40B4-BE49-F238E27FC236}">
-                <a16:creationId xmlns:a16="http://schemas.microsoft.com/office/drawing/2014/main" id="{6A565E8F-032D-426B-846F-CBA660304836}"/>
-              </a:ext>
-            </a:extLst>
-          </p:cNvPr>
-          <p:cNvSpPr txBox="1"/>
-          <p:nvPr/>
-        </p:nvSpPr>
-        <p:spPr>
-          <a:xfrm>
-            <a:off x="3963274" y="2194595"/>
-            <a:ext cx="7647534" cy="2197525"/>
-          </a:xfrm>
-          <a:prstGeom prst="rect">
-            <a:avLst/>
-          </a:prstGeom>
-          <a:noFill/>
-        </p:spPr>
-        <p:txBody>
-          <a:bodyPr wrap="square">
-            <a:spAutoFit/>
-          </a:bodyPr>
-          <a:lstStyle/>
-          <a:p>
-            <a:pPr marL="457200" indent="-457200">
-              <a:lnSpc>
-                <a:spcPct val="90000"/>
-              </a:lnSpc>
-              <a:buFont typeface="Wingdings" panose="05000000000000000000" pitchFamily="2" charset="2"/>
-              <a:buChar char="q"/>
-            </a:pPr>
-            <a:r>
-              <a:rPr lang="en-US" altLang="zh-TW" sz="2800" dirty="0"/>
-              <a:t>A </a:t>
-            </a:r>
-            <a:r>
-              <a:rPr lang="en-US" altLang="zh-TW" sz="2800" dirty="0">
-                <a:solidFill>
-                  <a:srgbClr val="006600"/>
-                </a:solidFill>
-              </a:rPr>
-              <a:t>binary</a:t>
-            </a:r>
-            <a:r>
-              <a:rPr lang="en-US" altLang="zh-TW" sz="2800" dirty="0"/>
-              <a:t> operation.</a:t>
-            </a:r>
-          </a:p>
-          <a:p>
-            <a:pPr>
-              <a:lnSpc>
-                <a:spcPct val="90000"/>
-              </a:lnSpc>
-            </a:pPr>
-            <a:endParaRPr lang="en-US" altLang="zh-TW" sz="2000" dirty="0"/>
-          </a:p>
-          <a:p>
-            <a:pPr marL="457200" indent="-457200">
-              <a:lnSpc>
-                <a:spcPct val="90000"/>
-              </a:lnSpc>
-              <a:buFont typeface="Wingdings" panose="05000000000000000000" pitchFamily="2" charset="2"/>
-              <a:buChar char="q"/>
-            </a:pPr>
-            <a:r>
-              <a:rPr lang="en-US" altLang="zh-TW" sz="2800" u="sng" dirty="0"/>
-              <a:t>Creates a new relation</a:t>
-            </a:r>
-            <a:r>
-              <a:rPr lang="en-US" altLang="zh-TW" sz="2800" dirty="0"/>
-              <a:t> in which each tuple is </a:t>
-            </a:r>
-            <a:r>
-              <a:rPr lang="en-US" altLang="zh-TW" sz="2800" u="sng" dirty="0"/>
-              <a:t>a member in both relations</a:t>
-            </a:r>
-            <a:r>
-              <a:rPr lang="en-US" altLang="zh-TW" sz="2800" dirty="0"/>
-              <a:t>.</a:t>
-            </a:r>
-          </a:p>
-          <a:p>
-            <a:pPr>
-              <a:lnSpc>
-                <a:spcPct val="90000"/>
-              </a:lnSpc>
-            </a:pPr>
-            <a:endParaRPr lang="en-US" altLang="zh-TW" sz="2000" dirty="0"/>
-          </a:p>
-          <a:p>
-            <a:pPr marL="457200" indent="-457200">
-              <a:lnSpc>
-                <a:spcPct val="90000"/>
-              </a:lnSpc>
-              <a:buFont typeface="Wingdings" panose="05000000000000000000" pitchFamily="2" charset="2"/>
-              <a:buChar char="q"/>
-            </a:pPr>
-            <a:r>
-              <a:rPr lang="en-US" altLang="zh-TW" sz="2800" dirty="0"/>
-              <a:t>The two relations must have the </a:t>
-            </a:r>
-            <a:r>
-              <a:rPr lang="en-US" altLang="zh-TW" sz="2800" u="sng" dirty="0"/>
-              <a:t>same attributes</a:t>
-            </a:r>
-            <a:r>
-              <a:rPr lang="en-US" altLang="zh-TW" sz="2800" dirty="0"/>
-              <a:t>.</a:t>
-            </a:r>
-          </a:p>
-        </p:txBody>
-      </p:sp>
-    </p:spTree>
-    <p:extLst>
-      <p:ext uri="{BB962C8B-B14F-4D97-AF65-F5344CB8AC3E}">
-        <p14:creationId xmlns:p14="http://schemas.microsoft.com/office/powerpoint/2010/main" val="3512377287"/>
       </p:ext>
     </p:extLst>
   </p:cSld>
@@ -10643,7 +10724,7 @@
           <p:cNvPr id="2" name="Title 1">
             <a:extLst>
               <a:ext uri="{FF2B5EF4-FFF2-40B4-BE49-F238E27FC236}">
-                <a16:creationId xmlns:a16="http://schemas.microsoft.com/office/drawing/2014/main" id="{EDF38B62-4D77-44A4-AE7E-E42D6AC318FB}"/>
+                <a16:creationId xmlns:a16="http://schemas.microsoft.com/office/drawing/2014/main" id="{FB2C8E75-4863-4EA6-A258-70A8E1578298}"/>
               </a:ext>
             </a:extLst>
           </p:cNvPr>
@@ -10666,7 +10747,7 @@
                   <a:srgbClr val="FFC000"/>
                 </a:solidFill>
               </a:rPr>
-              <a:t>Difference</a:t>
+              <a:t>Join</a:t>
             </a:r>
             <a:r>
               <a:rPr kumimoji="0" lang="en-US" altLang="zh-TW" sz="2800" b="1" dirty="0"/>
@@ -10683,10 +10764,10 @@
       </p:sp>
       <p:pic>
         <p:nvPicPr>
-          <p:cNvPr id="4" name="Picture 6">
+          <p:cNvPr id="8" name="Picture 10">
             <a:extLst>
               <a:ext uri="{FF2B5EF4-FFF2-40B4-BE49-F238E27FC236}">
-                <a16:creationId xmlns:a16="http://schemas.microsoft.com/office/drawing/2014/main" id="{A52B3E4B-EE9A-4C1A-8A65-82C5D88AB7E2}"/>
+                <a16:creationId xmlns:a16="http://schemas.microsoft.com/office/drawing/2014/main" id="{B2F50A64-B0FC-44B3-8EB8-F155FA00D756}"/>
               </a:ext>
             </a:extLst>
           </p:cNvPr>
@@ -10710,8 +10791,8 @@
         </p:blipFill>
         <p:spPr bwMode="auto">
           <a:xfrm>
-            <a:off x="748006" y="3248025"/>
-            <a:ext cx="8720137" cy="3609975"/>
+            <a:off x="1681474" y="2479378"/>
+            <a:ext cx="8399979" cy="4080943"/>
           </a:xfrm>
           <a:prstGeom prst="rect">
             <a:avLst/>
@@ -10753,10 +10834,10 @@
       </p:pic>
       <p:sp>
         <p:nvSpPr>
-          <p:cNvPr id="6" name="TextBox 5">
+          <p:cNvPr id="11" name="TextBox 10">
             <a:extLst>
               <a:ext uri="{FF2B5EF4-FFF2-40B4-BE49-F238E27FC236}">
-                <a16:creationId xmlns:a16="http://schemas.microsoft.com/office/drawing/2014/main" id="{27FD5582-52AA-47ED-A599-409ECF989E65}"/>
+                <a16:creationId xmlns:a16="http://schemas.microsoft.com/office/drawing/2014/main" id="{1433EA0B-8080-4814-85F4-8FED4C3BF605}"/>
               </a:ext>
             </a:extLst>
           </p:cNvPr>
@@ -10765,8 +10846,8 @@
         </p:nvSpPr>
         <p:spPr>
           <a:xfrm>
-            <a:off x="4624099" y="1955363"/>
-            <a:ext cx="6986709" cy="2585323"/>
+            <a:off x="4976925" y="2161042"/>
+            <a:ext cx="6096000" cy="1477328"/>
           </a:xfrm>
           <a:prstGeom prst="rect">
             <a:avLst/>
@@ -10809,7 +10890,7 @@
                 <a:spcPct val="90000"/>
               </a:lnSpc>
             </a:pPr>
-            <a:endParaRPr lang="en-US" altLang="zh-TW" sz="2000" dirty="0"/>
+            <a:endParaRPr lang="en-US" altLang="zh-TW" sz="2400" dirty="0"/>
           </a:p>
           <a:p>
             <a:pPr marL="457200" indent="-457200">
@@ -10820,92 +10901,23 @@
               <a:buChar char="q"/>
             </a:pPr>
             <a:r>
-              <a:rPr lang="en-US" altLang="zh-TW" sz="2800" dirty="0"/>
-              <a:t>Creates a new relation in which each tuple is </a:t>
-            </a:r>
-            <a:r>
-              <a:rPr lang="en-US" altLang="zh-TW" sz="2800" u="sng" dirty="0"/>
-              <a:t>in the </a:t>
-            </a:r>
-            <a:r>
-              <a:rPr lang="en-US" altLang="zh-TW" sz="2800" u="sng" dirty="0">
+              <a:rPr lang="en-US" altLang="zh-TW" sz="2400" u="sng" dirty="0"/>
+              <a:t>Combines two relations</a:t>
+            </a:r>
+            <a:r>
+              <a:rPr lang="en-US" altLang="zh-TW" sz="2400" dirty="0"/>
+              <a:t> based on </a:t>
+            </a:r>
+            <a:r>
+              <a:rPr lang="en-US" altLang="zh-TW" sz="2400" u="sng" dirty="0">
                 <a:solidFill>
                   <a:srgbClr val="006600"/>
                 </a:solidFill>
               </a:rPr>
-              <a:t>first</a:t>
-            </a:r>
-            <a:r>
-              <a:rPr lang="en-US" altLang="zh-TW" sz="2800" u="sng" dirty="0"/>
-              <a:t> relation</a:t>
-            </a:r>
-            <a:r>
-              <a:rPr lang="en-US" altLang="zh-TW" sz="2800" dirty="0"/>
-              <a:t> </a:t>
-            </a:r>
-            <a:r>
-              <a:rPr lang="en-US" altLang="zh-TW" sz="2800" u="sng" dirty="0"/>
-              <a:t>but </a:t>
-            </a:r>
-            <a:r>
-              <a:rPr lang="en-US" altLang="zh-TW" sz="2800" u="sng" dirty="0">
-                <a:solidFill>
-                  <a:srgbClr val="006600"/>
-                </a:solidFill>
-              </a:rPr>
-              <a:t>not</a:t>
-            </a:r>
-            <a:r>
-              <a:rPr lang="en-US" altLang="zh-TW" sz="2800" u="sng" dirty="0"/>
-              <a:t> the </a:t>
-            </a:r>
-            <a:r>
-              <a:rPr lang="en-US" altLang="zh-TW" sz="2800" u="sng" dirty="0">
-                <a:solidFill>
-                  <a:srgbClr val="006600"/>
-                </a:solidFill>
-              </a:rPr>
-              <a:t>second</a:t>
-            </a:r>
-            <a:r>
-              <a:rPr lang="en-US" altLang="zh-TW" sz="2800" dirty="0"/>
-              <a:t>.</a:t>
-            </a:r>
-          </a:p>
-          <a:p>
-            <a:pPr>
-              <a:lnSpc>
-                <a:spcPct val="90000"/>
-              </a:lnSpc>
-            </a:pPr>
-            <a:endParaRPr lang="en-US" altLang="zh-TW" sz="2000" dirty="0"/>
-          </a:p>
-          <a:p>
-            <a:pPr marL="457200" indent="-457200">
-              <a:lnSpc>
-                <a:spcPct val="90000"/>
-              </a:lnSpc>
-              <a:buFont typeface="Wingdings" panose="05000000000000000000" pitchFamily="2" charset="2"/>
-              <a:buChar char="q"/>
-            </a:pPr>
-            <a:r>
-              <a:rPr lang="en-US" altLang="zh-TW" sz="2800" dirty="0"/>
-              <a:t>The two relations must have the </a:t>
-            </a:r>
-            <a:r>
-              <a:rPr lang="en-US" altLang="zh-TW" sz="2800" u="sng" dirty="0"/>
-              <a:t>same </a:t>
-            </a:r>
-            <a:r>
-              <a:rPr lang="en-US" altLang="zh-TW" sz="2800" u="sng" dirty="0">
-                <a:solidFill>
-                  <a:srgbClr val="006600"/>
-                </a:solidFill>
-              </a:rPr>
-              <a:t>attributes</a:t>
-            </a:r>
-            <a:r>
-              <a:rPr lang="en-US" altLang="zh-TW" sz="2800" dirty="0"/>
+              <a:t>common attributes</a:t>
+            </a:r>
+            <a:r>
+              <a:rPr lang="en-US" altLang="zh-TW" sz="2400" dirty="0"/>
               <a:t>.</a:t>
             </a:r>
           </a:p>
@@ -10914,7 +10926,7 @@
     </p:spTree>
     <p:extLst>
       <p:ext uri="{BB962C8B-B14F-4D97-AF65-F5344CB8AC3E}">
-        <p14:creationId xmlns:p14="http://schemas.microsoft.com/office/powerpoint/2010/main" val="2676636781"/>
+        <p14:creationId xmlns:p14="http://schemas.microsoft.com/office/powerpoint/2010/main" val="3628078865"/>
       </p:ext>
     </p:extLst>
   </p:cSld>
@@ -10946,7 +10958,7 @@
           <p:cNvPr id="2" name="Title 1">
             <a:extLst>
               <a:ext uri="{FF2B5EF4-FFF2-40B4-BE49-F238E27FC236}">
-                <a16:creationId xmlns:a16="http://schemas.microsoft.com/office/drawing/2014/main" id="{BA251F0C-6B81-4F3A-BFB9-7A86A5E23BF5}"/>
+                <a16:creationId xmlns:a16="http://schemas.microsoft.com/office/drawing/2014/main" id="{577ADF34-0484-4EAE-A352-C3CEB05D4488}"/>
               </a:ext>
             </a:extLst>
           </p:cNvPr>
@@ -10964,26 +10976,102 @@
           <a:p>
             <a:pPr algn="ctr"/>
             <a:r>
-              <a:rPr lang="en-US" altLang="zh-TW" sz="2800" b="1" dirty="0"/>
-              <a:t>SQL (Structured Query Language)</a:t>
+              <a:rPr kumimoji="0" lang="en-US" altLang="zh-TW" sz="2800" b="1" dirty="0">
+                <a:solidFill>
+                  <a:srgbClr val="FFC000"/>
+                </a:solidFill>
+              </a:rPr>
+              <a:t>Union</a:t>
+            </a:r>
+            <a:r>
+              <a:rPr kumimoji="0" lang="en-US" altLang="zh-TW" sz="2800" b="1" dirty="0"/>
+              <a:t> operation</a:t>
             </a:r>
             <a:br>
-              <a:rPr lang="en-US" altLang="zh-TW" sz="2800" dirty="0">
-                <a:solidFill>
-                  <a:srgbClr val="990000"/>
-                </a:solidFill>
+              <a:rPr kumimoji="0" lang="en-US" altLang="zh-TW" sz="2800" b="1" dirty="0">
+                <a:latin typeface="Times New Roman" panose="02020603050405020304" pitchFamily="18" charset="0"/>
               </a:rPr>
             </a:br>
             <a:endParaRPr lang="en-US" dirty="0"/>
           </a:p>
         </p:txBody>
       </p:sp>
-      <p:sp>
-        <p:nvSpPr>
-          <p:cNvPr id="5" name="TextBox 4">
+      <p:pic>
+        <p:nvPicPr>
+          <p:cNvPr id="4" name="Picture 11">
             <a:extLst>
               <a:ext uri="{FF2B5EF4-FFF2-40B4-BE49-F238E27FC236}">
-                <a16:creationId xmlns:a16="http://schemas.microsoft.com/office/drawing/2014/main" id="{E44332EA-7713-497C-AD22-1AD677476A5D}"/>
+                <a16:creationId xmlns:a16="http://schemas.microsoft.com/office/drawing/2014/main" id="{B19AB89F-B074-4D49-ADCB-4F0EDDD52D92}"/>
+              </a:ext>
+            </a:extLst>
+          </p:cNvPr>
+          <p:cNvPicPr>
+            <a:picLocks noChangeAspect="1" noChangeArrowheads="1"/>
+          </p:cNvPicPr>
+          <p:nvPr/>
+        </p:nvPicPr>
+        <p:blipFill>
+          <a:blip r:embed="rId2">
+            <a:extLst>
+              <a:ext uri="{28A0092B-C50C-407E-A947-70E740481C1C}">
+                <a14:useLocalDpi xmlns:a14="http://schemas.microsoft.com/office/drawing/2010/main" val="0"/>
+              </a:ext>
+            </a:extLst>
+          </a:blip>
+          <a:srcRect/>
+          <a:stretch>
+            <a:fillRect/>
+          </a:stretch>
+        </p:blipFill>
+        <p:spPr bwMode="auto">
+          <a:xfrm>
+            <a:off x="1090339" y="2915698"/>
+            <a:ext cx="8702675" cy="3608388"/>
+          </a:xfrm>
+          <a:prstGeom prst="rect">
+            <a:avLst/>
+          </a:prstGeom>
+          <a:noFill/>
+          <a:ln>
+            <a:noFill/>
+          </a:ln>
+          <a:effectLst/>
+          <a:extLst>
+            <a:ext uri="{909E8E84-426E-40DD-AFC4-6F175D3DCCD1}">
+              <a14:hiddenFill xmlns:a14="http://schemas.microsoft.com/office/drawing/2010/main">
+                <a:solidFill>
+                  <a:schemeClr val="accent1"/>
+                </a:solidFill>
+              </a14:hiddenFill>
+            </a:ext>
+            <a:ext uri="{91240B29-F687-4F45-9708-019B960494DF}">
+              <a14:hiddenLine xmlns:a14="http://schemas.microsoft.com/office/drawing/2010/main" w="9525">
+                <a:solidFill>
+                  <a:schemeClr val="tx1"/>
+                </a:solidFill>
+                <a:miter lim="800000"/>
+                <a:headEnd/>
+                <a:tailEnd/>
+              </a14:hiddenLine>
+            </a:ext>
+            <a:ext uri="{AF507438-7753-43E0-B8FC-AC1667EBCBE1}">
+              <a14:hiddenEffects xmlns:a14="http://schemas.microsoft.com/office/drawing/2010/main">
+                <a:effectLst>
+                  <a:outerShdw dist="35921" dir="2700000" algn="ctr" rotWithShape="0">
+                    <a:schemeClr val="bg2"/>
+                  </a:outerShdw>
+                </a:effectLst>
+              </a14:hiddenEffects>
+            </a:ext>
+          </a:extLst>
+        </p:spPr>
+      </p:pic>
+      <p:sp>
+        <p:nvSpPr>
+          <p:cNvPr id="6" name="TextBox 5">
+            <a:extLst>
+              <a:ext uri="{FF2B5EF4-FFF2-40B4-BE49-F238E27FC236}">
+                <a16:creationId xmlns:a16="http://schemas.microsoft.com/office/drawing/2014/main" id="{1A2B55FD-F30F-4A51-95D1-0EC8E81BAA87}"/>
               </a:ext>
             </a:extLst>
           </p:cNvPr>
@@ -10992,8 +11080,8 @@
         </p:nvSpPr>
         <p:spPr>
           <a:xfrm>
-            <a:off x="1209884" y="2827721"/>
-            <a:ext cx="9897035" cy="3970318"/>
+            <a:off x="4697845" y="1987696"/>
+            <a:ext cx="6800537" cy="1975926"/>
           </a:xfrm>
           <a:prstGeom prst="rect">
             <a:avLst/>
@@ -11006,7 +11094,7 @@
           </a:bodyPr>
           <a:lstStyle/>
           <a:p>
-            <a:pPr marL="457200" indent="-457200">
+            <a:pPr marL="342900" indent="-342900">
               <a:lnSpc>
                 <a:spcPct val="90000"/>
               </a:lnSpc>
@@ -11014,40 +11102,20 @@
               <a:buChar char="q"/>
             </a:pPr>
             <a:r>
-              <a:rPr lang="en-US" altLang="zh-TW" sz="2800" dirty="0"/>
-              <a:t>Standardized by </a:t>
-            </a:r>
-            <a:r>
-              <a:rPr lang="en-US" altLang="zh-TW" sz="2800" dirty="0">
+              <a:rPr lang="en-US" altLang="zh-TW" sz="2400" dirty="0"/>
+              <a:t>A </a:t>
+            </a:r>
+            <a:r>
+              <a:rPr lang="en-US" altLang="zh-TW" sz="2400" dirty="0">
                 <a:solidFill>
                   <a:srgbClr val="006600"/>
                 </a:solidFill>
               </a:rPr>
-              <a:t>ANSI</a:t>
-            </a:r>
-            <a:r>
-              <a:rPr lang="en-US" altLang="zh-TW" sz="2800" dirty="0"/>
-              <a:t> and </a:t>
-            </a:r>
-            <a:r>
-              <a:rPr lang="en-US" altLang="zh-TW" sz="2800" dirty="0">
-                <a:solidFill>
-                  <a:srgbClr val="006600"/>
-                </a:solidFill>
-              </a:rPr>
-              <a:t>ISO</a:t>
-            </a:r>
-            <a:r>
-              <a:rPr lang="en-US" altLang="zh-TW" sz="2800" dirty="0"/>
-              <a:t> for use on </a:t>
-            </a:r>
-            <a:r>
-              <a:rPr lang="en-US" altLang="zh-TW" sz="2800" u="sng" dirty="0"/>
-              <a:t>relational databases</a:t>
-            </a:r>
-            <a:r>
-              <a:rPr lang="en-US" altLang="zh-TW" sz="2800" dirty="0"/>
-              <a:t>.</a:t>
+              <a:t>binary</a:t>
+            </a:r>
+            <a:r>
+              <a:rPr lang="en-US" altLang="zh-TW" sz="2400" dirty="0"/>
+              <a:t> operation.</a:t>
             </a:r>
           </a:p>
           <a:p>
@@ -11056,10 +11124,10 @@
                 <a:spcPct val="90000"/>
               </a:lnSpc>
             </a:pPr>
-            <a:endParaRPr lang="en-US" altLang="zh-TW" sz="2800" dirty="0"/>
-          </a:p>
-          <a:p>
-            <a:pPr marL="457200" indent="-457200">
+            <a:endParaRPr lang="en-US" altLang="zh-TW" sz="2000" dirty="0"/>
+          </a:p>
+          <a:p>
+            <a:pPr marL="342900" indent="-342900">
               <a:lnSpc>
                 <a:spcPct val="90000"/>
               </a:lnSpc>
@@ -11067,63 +11135,35 @@
               <a:buChar char="q"/>
             </a:pPr>
             <a:r>
-              <a:rPr lang="en-US" altLang="zh-TW" sz="2800" dirty="0"/>
-              <a:t>It is </a:t>
-            </a:r>
-            <a:r>
-              <a:rPr lang="en-US" altLang="zh-TW" sz="2800" u="sng" dirty="0"/>
-              <a:t>a </a:t>
-            </a:r>
-            <a:r>
-              <a:rPr lang="en-US" altLang="zh-TW" sz="2800" u="sng" dirty="0">
-                <a:solidFill>
-                  <a:srgbClr val="006600"/>
-                </a:solidFill>
-              </a:rPr>
-              <a:t>declarative</a:t>
-            </a:r>
-            <a:r>
-              <a:rPr lang="en-US" altLang="zh-TW" sz="2800" u="sng" dirty="0"/>
-              <a:t> (</a:t>
-            </a:r>
-            <a:r>
-              <a:rPr lang="en-US" altLang="zh-TW" sz="2800" u="sng" dirty="0">
-                <a:solidFill>
-                  <a:srgbClr val="006600"/>
-                </a:solidFill>
-              </a:rPr>
-              <a:t>not procedural</a:t>
-            </a:r>
-            <a:r>
-              <a:rPr lang="en-US" altLang="zh-TW" sz="2800" u="sng" dirty="0"/>
-              <a:t>) language</a:t>
-            </a:r>
-            <a:r>
-              <a:rPr lang="en-US" altLang="zh-TW" sz="2800" dirty="0"/>
-              <a:t>, which means that the users declare </a:t>
-            </a:r>
-            <a:r>
-              <a:rPr lang="en-US" altLang="zh-TW" sz="2800" u="sng" dirty="0">
-                <a:solidFill>
-                  <a:srgbClr val="006600"/>
-                </a:solidFill>
-              </a:rPr>
-              <a:t>what they want</a:t>
-            </a:r>
-            <a:r>
-              <a:rPr lang="en-US" altLang="zh-TW" sz="2800" dirty="0"/>
-              <a:t> </a:t>
-            </a:r>
-            <a:r>
-              <a:rPr lang="en-US" altLang="zh-TW" sz="2800" u="sng" dirty="0">
-                <a:solidFill>
-                  <a:srgbClr val="006600"/>
-                </a:solidFill>
-              </a:rPr>
-              <a:t>without having to write a step-by-step procedure</a:t>
-            </a:r>
-            <a:r>
-              <a:rPr lang="en-US" altLang="zh-TW" sz="2800" dirty="0"/>
+              <a:rPr lang="en-US" altLang="zh-TW" sz="2400" u="sng" dirty="0"/>
+              <a:t>Creates a new relation</a:t>
+            </a:r>
+            <a:r>
+              <a:rPr lang="en-US" altLang="zh-TW" sz="2400" dirty="0"/>
+              <a:t> in which each tuple is either </a:t>
+            </a:r>
+            <a:r>
+              <a:rPr lang="en-US" altLang="zh-TW" sz="2400" u="sng" dirty="0"/>
+              <a:t>in the first relation</a:t>
+            </a:r>
+            <a:r>
+              <a:rPr lang="en-US" altLang="zh-TW" sz="2400" dirty="0"/>
+              <a:t>, </a:t>
+            </a:r>
+            <a:r>
+              <a:rPr lang="en-US" altLang="zh-TW" sz="2400" u="sng" dirty="0"/>
+              <a:t>in the second</a:t>
+            </a:r>
+            <a:r>
+              <a:rPr lang="en-US" altLang="zh-TW" sz="2400" dirty="0"/>
+              <a:t>, or </a:t>
+            </a:r>
+            <a:r>
+              <a:rPr lang="en-US" altLang="zh-TW" sz="2400" u="sng" dirty="0"/>
+              <a:t>in both</a:t>
+            </a:r>
+            <a:r>
+              <a:rPr lang="en-US" altLang="zh-TW" sz="2400" dirty="0"/>
               <a:t>.</a:t>
             </a:r>
           </a:p>
@@ -11133,10 +11173,10 @@
                 <a:spcPct val="90000"/>
               </a:lnSpc>
             </a:pPr>
-            <a:endParaRPr lang="en-US" altLang="zh-TW" sz="2800" dirty="0"/>
-          </a:p>
-          <a:p>
-            <a:pPr marL="457200" indent="-457200">
+            <a:endParaRPr lang="en-US" altLang="zh-TW" sz="2000" dirty="0"/>
+          </a:p>
+          <a:p>
+            <a:pPr marL="342900" indent="-342900">
               <a:lnSpc>
                 <a:spcPct val="90000"/>
               </a:lnSpc>
@@ -11144,113 +11184,24 @@
               <a:buChar char="q"/>
             </a:pPr>
             <a:r>
-              <a:rPr lang="en-US" altLang="zh-TW" sz="2800" dirty="0"/>
-              <a:t>First implemented by </a:t>
-            </a:r>
-            <a:r>
-              <a:rPr lang="en-US" altLang="zh-TW" sz="2800" dirty="0">
+              <a:rPr lang="en-US" altLang="zh-TW" sz="2400" dirty="0"/>
+              <a:t>The two relations must have the </a:t>
+            </a:r>
+            <a:r>
+              <a:rPr lang="en-US" altLang="zh-TW" sz="2400" u="sng" dirty="0"/>
+              <a:t>same </a:t>
+            </a:r>
+            <a:r>
+              <a:rPr lang="en-US" altLang="zh-TW" sz="2400" u="sng" dirty="0">
                 <a:solidFill>
                   <a:srgbClr val="006600"/>
                 </a:solidFill>
               </a:rPr>
-              <a:t>Oracle</a:t>
-            </a:r>
-            <a:r>
-              <a:rPr lang="en-US" altLang="zh-TW" sz="2800" dirty="0"/>
-              <a:t> in </a:t>
-            </a:r>
-            <a:r>
-              <a:rPr lang="en-US" altLang="zh-TW" sz="2800" dirty="0">
-                <a:solidFill>
-                  <a:srgbClr val="006600"/>
-                </a:solidFill>
-              </a:rPr>
-              <a:t>1979</a:t>
-            </a:r>
-            <a:r>
-              <a:rPr lang="en-US" altLang="zh-TW" sz="2800" dirty="0"/>
+              <a:t>attributes</a:t>
+            </a:r>
+            <a:r>
+              <a:rPr lang="en-US" altLang="zh-TW" sz="2400" dirty="0"/>
               <a:t>.</a:t>
-            </a:r>
-          </a:p>
-          <a:p>
-            <a:pPr>
-              <a:lnSpc>
-                <a:spcPct val="90000"/>
-              </a:lnSpc>
-            </a:pPr>
-            <a:endParaRPr lang="en-US" altLang="zh-TW" sz="2800" dirty="0"/>
-          </a:p>
-          <a:p>
-            <a:pPr marL="457200" indent="-457200">
-              <a:lnSpc>
-                <a:spcPct val="90000"/>
-              </a:lnSpc>
-              <a:buFont typeface="Wingdings" panose="05000000000000000000" pitchFamily="2" charset="2"/>
-              <a:buChar char="q"/>
-            </a:pPr>
-            <a:r>
-              <a:rPr lang="en-US" altLang="zh-TW" sz="2800" dirty="0"/>
-              <a:t>SQL allows you to </a:t>
-            </a:r>
-            <a:r>
-              <a:rPr lang="en-US" altLang="zh-TW" sz="2800" dirty="0">
-                <a:solidFill>
-                  <a:srgbClr val="006600"/>
-                </a:solidFill>
-              </a:rPr>
-              <a:t>combine</a:t>
-            </a:r>
-            <a:r>
-              <a:rPr lang="en-US" altLang="zh-TW" sz="2800" dirty="0"/>
-              <a:t> the following statements to </a:t>
-            </a:r>
-            <a:r>
-              <a:rPr lang="en-US" altLang="zh-TW" sz="2800" u="sng" dirty="0"/>
-              <a:t>extract more complex information</a:t>
-            </a:r>
-            <a:r>
-              <a:rPr lang="en-US" altLang="zh-TW" sz="2800" dirty="0"/>
-              <a:t> from database.</a:t>
-            </a:r>
-          </a:p>
-        </p:txBody>
-      </p:sp>
-      <p:sp>
-        <p:nvSpPr>
-          <p:cNvPr id="7" name="TextBox 6">
-            <a:extLst>
-              <a:ext uri="{FF2B5EF4-FFF2-40B4-BE49-F238E27FC236}">
-                <a16:creationId xmlns:a16="http://schemas.microsoft.com/office/drawing/2014/main" id="{42C933A7-2EC9-4F5F-AF35-2647004CD071}"/>
-              </a:ext>
-            </a:extLst>
-          </p:cNvPr>
-          <p:cNvSpPr txBox="1"/>
-          <p:nvPr/>
-        </p:nvSpPr>
-        <p:spPr>
-          <a:xfrm>
-            <a:off x="1209884" y="2003530"/>
-            <a:ext cx="9487416" cy="461665"/>
-          </a:xfrm>
-          <a:prstGeom prst="rect">
-            <a:avLst/>
-          </a:prstGeom>
-          <a:noFill/>
-        </p:spPr>
-        <p:txBody>
-          <a:bodyPr wrap="square">
-            <a:spAutoFit/>
-          </a:bodyPr>
-          <a:lstStyle/>
-          <a:p>
-            <a:pPr algn="ctr"/>
-            <a:r>
-              <a:rPr lang="en-US" sz="2400" b="1" dirty="0">
-                <a:solidFill>
-                  <a:srgbClr val="C00000"/>
-                </a:solidFill>
-              </a:rPr>
-              <a:t>All operations among relational tables can be performed in SQL </a:t>
             </a:r>
           </a:p>
         </p:txBody>
@@ -11258,7 +11209,7 @@
     </p:spTree>
     <p:extLst>
       <p:ext uri="{BB962C8B-B14F-4D97-AF65-F5344CB8AC3E}">
-        <p14:creationId xmlns:p14="http://schemas.microsoft.com/office/powerpoint/2010/main" val="411667446"/>
+        <p14:creationId xmlns:p14="http://schemas.microsoft.com/office/powerpoint/2010/main" val="2950460556"/>
       </p:ext>
     </p:extLst>
   </p:cSld>
@@ -11290,7 +11241,7 @@
           <p:cNvPr id="2" name="Title 1">
             <a:extLst>
               <a:ext uri="{FF2B5EF4-FFF2-40B4-BE49-F238E27FC236}">
-                <a16:creationId xmlns:a16="http://schemas.microsoft.com/office/drawing/2014/main" id="{EF313522-8630-4151-AB9E-C1E334391886}"/>
+                <a16:creationId xmlns:a16="http://schemas.microsoft.com/office/drawing/2014/main" id="{6DC7D709-B9CC-4DF8-9C34-2EFC2F252C90}"/>
               </a:ext>
             </a:extLst>
           </p:cNvPr>
@@ -11308,22 +11259,102 @@
           <a:p>
             <a:pPr algn="ctr"/>
             <a:r>
-              <a:rPr lang="en-US" b="1" dirty="0"/>
-              <a:t>Tools for Querying and managing data</a:t>
+              <a:rPr kumimoji="0" lang="en-US" altLang="zh-TW" sz="2800" b="1" dirty="0">
+                <a:solidFill>
+                  <a:srgbClr val="FFC000"/>
+                </a:solidFill>
+              </a:rPr>
+              <a:t>Intersection</a:t>
+            </a:r>
+            <a:r>
+              <a:rPr kumimoji="0" lang="en-US" altLang="zh-TW" sz="2800" b="1" dirty="0"/>
+              <a:t> operation</a:t>
             </a:r>
             <a:br>
-              <a:rPr lang="en-US" dirty="0"/>
+              <a:rPr kumimoji="0" lang="en-US" altLang="zh-TW" sz="2800" b="1" dirty="0">
+                <a:latin typeface="Times New Roman" panose="02020603050405020304" pitchFamily="18" charset="0"/>
+              </a:rPr>
             </a:br>
             <a:endParaRPr lang="en-US" dirty="0"/>
           </a:p>
         </p:txBody>
       </p:sp>
-      <p:sp>
-        <p:nvSpPr>
-          <p:cNvPr id="5" name="TextBox 4">
+      <p:pic>
+        <p:nvPicPr>
+          <p:cNvPr id="4" name="Picture 6">
             <a:extLst>
               <a:ext uri="{FF2B5EF4-FFF2-40B4-BE49-F238E27FC236}">
-                <a16:creationId xmlns:a16="http://schemas.microsoft.com/office/drawing/2014/main" id="{E3461AEC-5842-4C17-9A47-818E53591280}"/>
+                <a16:creationId xmlns:a16="http://schemas.microsoft.com/office/drawing/2014/main" id="{6F9CE6C8-9DB4-4273-AA2C-A7672181786E}"/>
+              </a:ext>
+            </a:extLst>
+          </p:cNvPr>
+          <p:cNvPicPr>
+            <a:picLocks noChangeAspect="1" noChangeArrowheads="1"/>
+          </p:cNvPicPr>
+          <p:nvPr/>
+        </p:nvPicPr>
+        <p:blipFill>
+          <a:blip r:embed="rId2">
+            <a:extLst>
+              <a:ext uri="{28A0092B-C50C-407E-A947-70E740481C1C}">
+                <a14:useLocalDpi xmlns:a14="http://schemas.microsoft.com/office/drawing/2010/main" val="0"/>
+              </a:ext>
+            </a:extLst>
+          </a:blip>
+          <a:srcRect/>
+          <a:stretch>
+            <a:fillRect/>
+          </a:stretch>
+        </p:blipFill>
+        <p:spPr bwMode="auto">
+          <a:xfrm>
+            <a:off x="961746" y="3249612"/>
+            <a:ext cx="8702675" cy="3608388"/>
+          </a:xfrm>
+          <a:prstGeom prst="rect">
+            <a:avLst/>
+          </a:prstGeom>
+          <a:noFill/>
+          <a:ln>
+            <a:noFill/>
+          </a:ln>
+          <a:effectLst/>
+          <a:extLst>
+            <a:ext uri="{909E8E84-426E-40DD-AFC4-6F175D3DCCD1}">
+              <a14:hiddenFill xmlns:a14="http://schemas.microsoft.com/office/drawing/2010/main">
+                <a:solidFill>
+                  <a:schemeClr val="accent1"/>
+                </a:solidFill>
+              </a14:hiddenFill>
+            </a:ext>
+            <a:ext uri="{91240B29-F687-4F45-9708-019B960494DF}">
+              <a14:hiddenLine xmlns:a14="http://schemas.microsoft.com/office/drawing/2010/main" w="9525">
+                <a:solidFill>
+                  <a:schemeClr val="tx1"/>
+                </a:solidFill>
+                <a:miter lim="800000"/>
+                <a:headEnd/>
+                <a:tailEnd/>
+              </a14:hiddenLine>
+            </a:ext>
+            <a:ext uri="{AF507438-7753-43E0-B8FC-AC1667EBCBE1}">
+              <a14:hiddenEffects xmlns:a14="http://schemas.microsoft.com/office/drawing/2010/main">
+                <a:effectLst>
+                  <a:outerShdw dist="35921" dir="2700000" algn="ctr" rotWithShape="0">
+                    <a:schemeClr val="bg2"/>
+                  </a:outerShdw>
+                </a:effectLst>
+              </a14:hiddenEffects>
+            </a:ext>
+          </a:extLst>
+        </p:spPr>
+      </p:pic>
+      <p:sp>
+        <p:nvSpPr>
+          <p:cNvPr id="6" name="TextBox 5">
+            <a:extLst>
+              <a:ext uri="{FF2B5EF4-FFF2-40B4-BE49-F238E27FC236}">
+                <a16:creationId xmlns:a16="http://schemas.microsoft.com/office/drawing/2014/main" id="{6A565E8F-032D-426B-846F-CBA660304836}"/>
               </a:ext>
             </a:extLst>
           </p:cNvPr>
@@ -11332,8 +11363,8 @@
         </p:nvSpPr>
         <p:spPr>
           <a:xfrm>
-            <a:off x="1012369" y="1993010"/>
-            <a:ext cx="10529281" cy="2246769"/>
+            <a:off x="4394198" y="1965434"/>
+            <a:ext cx="7797802" cy="2197525"/>
           </a:xfrm>
           <a:prstGeom prst="rect">
             <a:avLst/>
@@ -11346,91 +11377,90 @@
           </a:bodyPr>
           <a:lstStyle/>
           <a:p>
-            <a:r>
-              <a:rPr lang="en-US" sz="2800" dirty="0">
-                <a:solidFill>
-                  <a:srgbClr val="002060"/>
+            <a:pPr marL="457200" indent="-457200">
+              <a:lnSpc>
+                <a:spcPct val="90000"/>
+              </a:lnSpc>
+              <a:buFont typeface="Wingdings" panose="05000000000000000000" pitchFamily="2" charset="2"/>
+              <a:buChar char="q"/>
+            </a:pPr>
+            <a:r>
+              <a:rPr lang="en-US" altLang="zh-TW" sz="2800" dirty="0"/>
+              <a:t>A </a:t>
+            </a:r>
+            <a:r>
+              <a:rPr lang="en-US" altLang="zh-TW" sz="2800" dirty="0">
+                <a:solidFill>
+                  <a:srgbClr val="006600"/>
                 </a:solidFill>
               </a:rPr>
-              <a:t>Some common relational database management systems that use SQL are: Oracle, Sybase, Microsoft SQL Server, Access, Ingres, etc. Although most database systems use SQL, most of them also have their own additional proprietary extensions that are usually only used on their system.</a:t>
-            </a:r>
-          </a:p>
-        </p:txBody>
-      </p:sp>
-      <p:sp>
-        <p:nvSpPr>
-          <p:cNvPr id="6" name="TextBox 5">
-            <a:extLst>
-              <a:ext uri="{FF2B5EF4-FFF2-40B4-BE49-F238E27FC236}">
-                <a16:creationId xmlns:a16="http://schemas.microsoft.com/office/drawing/2014/main" id="{670D6EBB-B892-45D1-B85D-80D5519802A3}"/>
-              </a:ext>
-            </a:extLst>
-          </p:cNvPr>
-          <p:cNvSpPr txBox="1"/>
-          <p:nvPr/>
-        </p:nvSpPr>
-        <p:spPr>
-          <a:xfrm>
-            <a:off x="1012369" y="4449547"/>
-            <a:ext cx="10836411" cy="1384995"/>
-          </a:xfrm>
-          <a:prstGeom prst="rect">
-            <a:avLst/>
-          </a:prstGeom>
-          <a:noFill/>
-        </p:spPr>
-        <p:txBody>
-          <a:bodyPr wrap="square" rtlCol="0">
-            <a:spAutoFit/>
-          </a:bodyPr>
-          <a:lstStyle/>
-          <a:p>
-            <a:r>
-              <a:rPr lang="en-US" sz="2800" dirty="0">
-                <a:solidFill>
-                  <a:srgbClr val="002060"/>
-                </a:solidFill>
-              </a:rPr>
-              <a:t>Commonly data science programming languages such as Python and R have facilities to run SQL (at least use the common SQL clauses) to query and manage data. </a:t>
-            </a:r>
-          </a:p>
-        </p:txBody>
-      </p:sp>
-      <p:sp>
-        <p:nvSpPr>
-          <p:cNvPr id="7" name="TextBox 6">
-            <a:extLst>
-              <a:ext uri="{FF2B5EF4-FFF2-40B4-BE49-F238E27FC236}">
-                <a16:creationId xmlns:a16="http://schemas.microsoft.com/office/drawing/2014/main" id="{4EA1555C-C216-481D-88E6-199278959F53}"/>
-              </a:ext>
-            </a:extLst>
-          </p:cNvPr>
-          <p:cNvSpPr txBox="1"/>
-          <p:nvPr/>
-        </p:nvSpPr>
-        <p:spPr>
-          <a:xfrm>
-            <a:off x="952820" y="6133725"/>
-            <a:ext cx="10657987" cy="461665"/>
-          </a:xfrm>
-          <a:prstGeom prst="rect">
-            <a:avLst/>
-          </a:prstGeom>
-          <a:noFill/>
-        </p:spPr>
-        <p:txBody>
-          <a:bodyPr wrap="square" rtlCol="0">
-            <a:spAutoFit/>
-          </a:bodyPr>
-          <a:lstStyle/>
-          <a:p>
-            <a:r>
-              <a:rPr lang="en-US" sz="2400" dirty="0">
-                <a:solidFill>
-                  <a:srgbClr val="C00000"/>
-                </a:solidFill>
-              </a:rPr>
-              <a:t>We will use SAS PROC SQL to query relational tables and define analytic data sets.</a:t>
+              <a:t>binary</a:t>
+            </a:r>
+            <a:r>
+              <a:rPr lang="en-US" altLang="zh-TW" sz="2800" dirty="0"/>
+              <a:t> operation.</a:t>
+            </a:r>
+          </a:p>
+          <a:p>
+            <a:pPr>
+              <a:lnSpc>
+                <a:spcPct val="90000"/>
+              </a:lnSpc>
+            </a:pPr>
+            <a:endParaRPr lang="en-US" altLang="zh-TW" sz="2000" dirty="0"/>
+          </a:p>
+          <a:p>
+            <a:pPr marL="457200" indent="-457200">
+              <a:lnSpc>
+                <a:spcPct val="90000"/>
+              </a:lnSpc>
+              <a:buFont typeface="Wingdings" panose="05000000000000000000" pitchFamily="2" charset="2"/>
+              <a:buChar char="q"/>
+            </a:pPr>
+            <a:r>
+              <a:rPr lang="en-US" altLang="zh-TW" sz="2800" u="sng" dirty="0"/>
+              <a:t>Creates a new relation</a:t>
+            </a:r>
+            <a:r>
+              <a:rPr lang="en-US" altLang="zh-TW" sz="2800" dirty="0"/>
+              <a:t> in which each tuple is </a:t>
+            </a:r>
+            <a:r>
+              <a:rPr lang="en-US" altLang="zh-TW" sz="2800" u="sng" dirty="0"/>
+              <a:t>a member in both relations</a:t>
+            </a:r>
+            <a:r>
+              <a:rPr lang="en-US" altLang="zh-TW" sz="2800" dirty="0"/>
+              <a:t>.</a:t>
+            </a:r>
+          </a:p>
+          <a:p>
+            <a:pPr>
+              <a:lnSpc>
+                <a:spcPct val="90000"/>
+              </a:lnSpc>
+            </a:pPr>
+            <a:endParaRPr lang="en-US" altLang="zh-TW" sz="2000" dirty="0"/>
+          </a:p>
+          <a:p>
+            <a:pPr marL="457200" indent="-457200">
+              <a:lnSpc>
+                <a:spcPct val="90000"/>
+              </a:lnSpc>
+              <a:buFont typeface="Wingdings" panose="05000000000000000000" pitchFamily="2" charset="2"/>
+              <a:buChar char="q"/>
+            </a:pPr>
+            <a:r>
+              <a:rPr lang="en-US" altLang="zh-TW" sz="2800" dirty="0"/>
+              <a:t>The two relations must have the </a:t>
+            </a:r>
+            <a:r>
+              <a:rPr lang="en-US" altLang="zh-TW" sz="2800" u="sng" dirty="0"/>
+              <a:t>same attributes</a:t>
+            </a:r>
+            <a:r>
+              <a:rPr lang="en-US" altLang="zh-TW" sz="2800" dirty="0"/>
+              <a:t>.</a:t>
             </a:r>
           </a:p>
         </p:txBody>
@@ -11438,7 +11468,7 @@
     </p:spTree>
     <p:extLst>
       <p:ext uri="{BB962C8B-B14F-4D97-AF65-F5344CB8AC3E}">
-        <p14:creationId xmlns:p14="http://schemas.microsoft.com/office/powerpoint/2010/main" val="3476107851"/>
+        <p14:creationId xmlns:p14="http://schemas.microsoft.com/office/powerpoint/2010/main" val="3512377287"/>
       </p:ext>
     </p:extLst>
   </p:cSld>
@@ -12296,6 +12326,833 @@
           <p:cNvPr id="2" name="Title 1">
             <a:extLst>
               <a:ext uri="{FF2B5EF4-FFF2-40B4-BE49-F238E27FC236}">
+                <a16:creationId xmlns:a16="http://schemas.microsoft.com/office/drawing/2014/main" id="{EDF38B62-4D77-44A4-AE7E-E42D6AC318FB}"/>
+              </a:ext>
+            </a:extLst>
+          </p:cNvPr>
+          <p:cNvSpPr>
+            <a:spLocks noGrp="1"/>
+          </p:cNvSpPr>
+          <p:nvPr>
+            <p:ph type="title"/>
+          </p:nvPr>
+        </p:nvSpPr>
+        <p:spPr/>
+        <p:txBody>
+          <a:bodyPr/>
+          <a:lstStyle/>
+          <a:p>
+            <a:pPr algn="ctr"/>
+            <a:r>
+              <a:rPr kumimoji="0" lang="en-US" altLang="zh-TW" sz="2800" b="1" dirty="0">
+                <a:solidFill>
+                  <a:srgbClr val="FFC000"/>
+                </a:solidFill>
+              </a:rPr>
+              <a:t>Difference</a:t>
+            </a:r>
+            <a:r>
+              <a:rPr kumimoji="0" lang="en-US" altLang="zh-TW" sz="2800" b="1" dirty="0"/>
+              <a:t> operation</a:t>
+            </a:r>
+            <a:br>
+              <a:rPr kumimoji="0" lang="en-US" altLang="zh-TW" sz="2800" b="1" dirty="0">
+                <a:latin typeface="Times New Roman" panose="02020603050405020304" pitchFamily="18" charset="0"/>
+              </a:rPr>
+            </a:br>
+            <a:endParaRPr lang="en-US" dirty="0"/>
+          </a:p>
+        </p:txBody>
+      </p:sp>
+      <p:pic>
+        <p:nvPicPr>
+          <p:cNvPr id="4" name="Picture 6">
+            <a:extLst>
+              <a:ext uri="{FF2B5EF4-FFF2-40B4-BE49-F238E27FC236}">
+                <a16:creationId xmlns:a16="http://schemas.microsoft.com/office/drawing/2014/main" id="{A52B3E4B-EE9A-4C1A-8A65-82C5D88AB7E2}"/>
+              </a:ext>
+            </a:extLst>
+          </p:cNvPr>
+          <p:cNvPicPr>
+            <a:picLocks noChangeAspect="1" noChangeArrowheads="1"/>
+          </p:cNvPicPr>
+          <p:nvPr/>
+        </p:nvPicPr>
+        <p:blipFill>
+          <a:blip r:embed="rId2">
+            <a:extLst>
+              <a:ext uri="{28A0092B-C50C-407E-A947-70E740481C1C}">
+                <a14:useLocalDpi xmlns:a14="http://schemas.microsoft.com/office/drawing/2010/main" val="0"/>
+              </a:ext>
+            </a:extLst>
+          </a:blip>
+          <a:srcRect/>
+          <a:stretch>
+            <a:fillRect/>
+          </a:stretch>
+        </p:blipFill>
+        <p:spPr bwMode="auto">
+          <a:xfrm>
+            <a:off x="748006" y="3248025"/>
+            <a:ext cx="8720137" cy="3609975"/>
+          </a:xfrm>
+          <a:prstGeom prst="rect">
+            <a:avLst/>
+          </a:prstGeom>
+          <a:noFill/>
+          <a:ln>
+            <a:noFill/>
+          </a:ln>
+          <a:effectLst/>
+          <a:extLst>
+            <a:ext uri="{909E8E84-426E-40DD-AFC4-6F175D3DCCD1}">
+              <a14:hiddenFill xmlns:a14="http://schemas.microsoft.com/office/drawing/2010/main">
+                <a:solidFill>
+                  <a:schemeClr val="accent1"/>
+                </a:solidFill>
+              </a14:hiddenFill>
+            </a:ext>
+            <a:ext uri="{91240B29-F687-4F45-9708-019B960494DF}">
+              <a14:hiddenLine xmlns:a14="http://schemas.microsoft.com/office/drawing/2010/main" w="9525">
+                <a:solidFill>
+                  <a:schemeClr val="tx1"/>
+                </a:solidFill>
+                <a:miter lim="800000"/>
+                <a:headEnd/>
+                <a:tailEnd/>
+              </a14:hiddenLine>
+            </a:ext>
+            <a:ext uri="{AF507438-7753-43E0-B8FC-AC1667EBCBE1}">
+              <a14:hiddenEffects xmlns:a14="http://schemas.microsoft.com/office/drawing/2010/main">
+                <a:effectLst>
+                  <a:outerShdw dist="35921" dir="2700000" algn="ctr" rotWithShape="0">
+                    <a:schemeClr val="bg2"/>
+                  </a:outerShdw>
+                </a:effectLst>
+              </a14:hiddenEffects>
+            </a:ext>
+          </a:extLst>
+        </p:spPr>
+      </p:pic>
+      <p:sp>
+        <p:nvSpPr>
+          <p:cNvPr id="6" name="TextBox 5">
+            <a:extLst>
+              <a:ext uri="{FF2B5EF4-FFF2-40B4-BE49-F238E27FC236}">
+                <a16:creationId xmlns:a16="http://schemas.microsoft.com/office/drawing/2014/main" id="{27FD5582-52AA-47ED-A599-409ECF989E65}"/>
+              </a:ext>
+            </a:extLst>
+          </p:cNvPr>
+          <p:cNvSpPr txBox="1"/>
+          <p:nvPr/>
+        </p:nvSpPr>
+        <p:spPr>
+          <a:xfrm>
+            <a:off x="4393324" y="1860770"/>
+            <a:ext cx="7375139" cy="2585323"/>
+          </a:xfrm>
+          <a:prstGeom prst="rect">
+            <a:avLst/>
+          </a:prstGeom>
+          <a:noFill/>
+        </p:spPr>
+        <p:txBody>
+          <a:bodyPr wrap="square">
+            <a:spAutoFit/>
+          </a:bodyPr>
+          <a:lstStyle/>
+          <a:p>
+            <a:pPr marL="457200" indent="-457200">
+              <a:lnSpc>
+                <a:spcPct val="90000"/>
+              </a:lnSpc>
+              <a:buFont typeface="Wingdings" panose="05000000000000000000" pitchFamily="2" charset="2"/>
+              <a:buChar char="q"/>
+            </a:pPr>
+            <a:r>
+              <a:rPr lang="en-US" altLang="zh-TW" sz="2800" dirty="0"/>
+              <a:t>A </a:t>
+            </a:r>
+            <a:r>
+              <a:rPr lang="en-US" altLang="zh-TW" sz="2800" dirty="0">
+                <a:solidFill>
+                  <a:srgbClr val="006600"/>
+                </a:solidFill>
+              </a:rPr>
+              <a:t>binary</a:t>
+            </a:r>
+            <a:r>
+              <a:rPr lang="en-US" altLang="zh-TW" sz="2800" dirty="0"/>
+              <a:t> operation.</a:t>
+            </a:r>
+          </a:p>
+          <a:p>
+            <a:pPr>
+              <a:lnSpc>
+                <a:spcPct val="90000"/>
+              </a:lnSpc>
+            </a:pPr>
+            <a:endParaRPr lang="en-US" altLang="zh-TW" sz="2000" dirty="0"/>
+          </a:p>
+          <a:p>
+            <a:pPr marL="457200" indent="-457200">
+              <a:lnSpc>
+                <a:spcPct val="90000"/>
+              </a:lnSpc>
+              <a:buFont typeface="Wingdings" panose="05000000000000000000" pitchFamily="2" charset="2"/>
+              <a:buChar char="q"/>
+            </a:pPr>
+            <a:r>
+              <a:rPr lang="en-US" altLang="zh-TW" sz="2800" dirty="0"/>
+              <a:t>Creates a new relation in which each tuple is </a:t>
+            </a:r>
+            <a:r>
+              <a:rPr lang="en-US" altLang="zh-TW" sz="2800" u="sng" dirty="0"/>
+              <a:t>in the </a:t>
+            </a:r>
+            <a:r>
+              <a:rPr lang="en-US" altLang="zh-TW" sz="2800" u="sng" dirty="0">
+                <a:solidFill>
+                  <a:srgbClr val="006600"/>
+                </a:solidFill>
+              </a:rPr>
+              <a:t>first</a:t>
+            </a:r>
+            <a:r>
+              <a:rPr lang="en-US" altLang="zh-TW" sz="2800" u="sng" dirty="0"/>
+              <a:t> relation</a:t>
+            </a:r>
+            <a:r>
+              <a:rPr lang="en-US" altLang="zh-TW" sz="2800" dirty="0"/>
+              <a:t> </a:t>
+            </a:r>
+            <a:r>
+              <a:rPr lang="en-US" altLang="zh-TW" sz="2800" u="sng" dirty="0"/>
+              <a:t>but </a:t>
+            </a:r>
+            <a:r>
+              <a:rPr lang="en-US" altLang="zh-TW" sz="2800" u="sng" dirty="0">
+                <a:solidFill>
+                  <a:srgbClr val="006600"/>
+                </a:solidFill>
+              </a:rPr>
+              <a:t>not</a:t>
+            </a:r>
+            <a:r>
+              <a:rPr lang="en-US" altLang="zh-TW" sz="2800" u="sng" dirty="0"/>
+              <a:t> the </a:t>
+            </a:r>
+            <a:r>
+              <a:rPr lang="en-US" altLang="zh-TW" sz="2800" u="sng" dirty="0">
+                <a:solidFill>
+                  <a:srgbClr val="006600"/>
+                </a:solidFill>
+              </a:rPr>
+              <a:t>second</a:t>
+            </a:r>
+            <a:r>
+              <a:rPr lang="en-US" altLang="zh-TW" sz="2800" dirty="0"/>
+              <a:t>.</a:t>
+            </a:r>
+          </a:p>
+          <a:p>
+            <a:pPr>
+              <a:lnSpc>
+                <a:spcPct val="90000"/>
+              </a:lnSpc>
+            </a:pPr>
+            <a:endParaRPr lang="en-US" altLang="zh-TW" sz="2000" dirty="0"/>
+          </a:p>
+          <a:p>
+            <a:pPr marL="457200" indent="-457200">
+              <a:lnSpc>
+                <a:spcPct val="90000"/>
+              </a:lnSpc>
+              <a:buFont typeface="Wingdings" panose="05000000000000000000" pitchFamily="2" charset="2"/>
+              <a:buChar char="q"/>
+            </a:pPr>
+            <a:r>
+              <a:rPr lang="en-US" altLang="zh-TW" sz="2800" dirty="0"/>
+              <a:t>The two relations must have the </a:t>
+            </a:r>
+            <a:r>
+              <a:rPr lang="en-US" altLang="zh-TW" sz="2800" u="sng" dirty="0"/>
+              <a:t>same </a:t>
+            </a:r>
+            <a:r>
+              <a:rPr lang="en-US" altLang="zh-TW" sz="2800" u="sng" dirty="0">
+                <a:solidFill>
+                  <a:srgbClr val="006600"/>
+                </a:solidFill>
+              </a:rPr>
+              <a:t>attributes</a:t>
+            </a:r>
+            <a:r>
+              <a:rPr lang="en-US" altLang="zh-TW" sz="2800" dirty="0"/>
+              <a:t>.</a:t>
+            </a:r>
+          </a:p>
+        </p:txBody>
+      </p:sp>
+    </p:spTree>
+    <p:extLst>
+      <p:ext uri="{BB962C8B-B14F-4D97-AF65-F5344CB8AC3E}">
+        <p14:creationId xmlns:p14="http://schemas.microsoft.com/office/powerpoint/2010/main" val="2676636781"/>
+      </p:ext>
+    </p:extLst>
+  </p:cSld>
+  <p:clrMapOvr>
+    <a:masterClrMapping/>
+  </p:clrMapOvr>
+</p:sld>
+</file>
+
+<file path=ppt/slides/slide21.xml><?xml version="1.0" encoding="utf-8"?>
+<p:sld xmlns:a="http://schemas.openxmlformats.org/drawingml/2006/main" xmlns:r="http://schemas.openxmlformats.org/officeDocument/2006/relationships" xmlns:p="http://schemas.openxmlformats.org/presentationml/2006/main">
+  <p:cSld>
+    <p:spTree>
+      <p:nvGrpSpPr>
+        <p:cNvPr id="1" name=""/>
+        <p:cNvGrpSpPr/>
+        <p:nvPr/>
+      </p:nvGrpSpPr>
+      <p:grpSpPr>
+        <a:xfrm>
+          <a:off x="0" y="0"/>
+          <a:ext cx="0" cy="0"/>
+          <a:chOff x="0" y="0"/>
+          <a:chExt cx="0" cy="0"/>
+        </a:xfrm>
+      </p:grpSpPr>
+      <p:sp>
+        <p:nvSpPr>
+          <p:cNvPr id="2" name="Title 1">
+            <a:extLst>
+              <a:ext uri="{FF2B5EF4-FFF2-40B4-BE49-F238E27FC236}">
+                <a16:creationId xmlns:a16="http://schemas.microsoft.com/office/drawing/2014/main" id="{BA251F0C-6B81-4F3A-BFB9-7A86A5E23BF5}"/>
+              </a:ext>
+            </a:extLst>
+          </p:cNvPr>
+          <p:cNvSpPr>
+            <a:spLocks noGrp="1"/>
+          </p:cNvSpPr>
+          <p:nvPr>
+            <p:ph type="title"/>
+          </p:nvPr>
+        </p:nvSpPr>
+        <p:spPr/>
+        <p:txBody>
+          <a:bodyPr/>
+          <a:lstStyle/>
+          <a:p>
+            <a:pPr algn="ctr"/>
+            <a:r>
+              <a:rPr lang="en-US" altLang="zh-TW" sz="2800" b="1" dirty="0"/>
+              <a:t>SQL (Structured Query Language)</a:t>
+            </a:r>
+            <a:br>
+              <a:rPr lang="en-US" altLang="zh-TW" sz="2800" dirty="0">
+                <a:solidFill>
+                  <a:srgbClr val="990000"/>
+                </a:solidFill>
+              </a:rPr>
+            </a:br>
+            <a:endParaRPr lang="en-US" dirty="0"/>
+          </a:p>
+        </p:txBody>
+      </p:sp>
+      <p:sp>
+        <p:nvSpPr>
+          <p:cNvPr id="5" name="TextBox 4">
+            <a:extLst>
+              <a:ext uri="{FF2B5EF4-FFF2-40B4-BE49-F238E27FC236}">
+                <a16:creationId xmlns:a16="http://schemas.microsoft.com/office/drawing/2014/main" id="{E44332EA-7713-497C-AD22-1AD677476A5D}"/>
+              </a:ext>
+            </a:extLst>
+          </p:cNvPr>
+          <p:cNvSpPr txBox="1"/>
+          <p:nvPr/>
+        </p:nvSpPr>
+        <p:spPr>
+          <a:xfrm>
+            <a:off x="1209884" y="2827721"/>
+            <a:ext cx="9897035" cy="3970318"/>
+          </a:xfrm>
+          <a:prstGeom prst="rect">
+            <a:avLst/>
+          </a:prstGeom>
+          <a:noFill/>
+        </p:spPr>
+        <p:txBody>
+          <a:bodyPr wrap="square">
+            <a:spAutoFit/>
+          </a:bodyPr>
+          <a:lstStyle/>
+          <a:p>
+            <a:pPr marL="457200" indent="-457200">
+              <a:lnSpc>
+                <a:spcPct val="90000"/>
+              </a:lnSpc>
+              <a:buFont typeface="Wingdings" panose="05000000000000000000" pitchFamily="2" charset="2"/>
+              <a:buChar char="q"/>
+            </a:pPr>
+            <a:r>
+              <a:rPr lang="en-US" altLang="zh-TW" sz="2800" dirty="0"/>
+              <a:t>Standardized by </a:t>
+            </a:r>
+            <a:r>
+              <a:rPr lang="en-US" altLang="zh-TW" sz="2800" dirty="0">
+                <a:solidFill>
+                  <a:srgbClr val="006600"/>
+                </a:solidFill>
+              </a:rPr>
+              <a:t>ANSI</a:t>
+            </a:r>
+            <a:r>
+              <a:rPr lang="en-US" altLang="zh-TW" sz="2800" dirty="0"/>
+              <a:t> and </a:t>
+            </a:r>
+            <a:r>
+              <a:rPr lang="en-US" altLang="zh-TW" sz="2800" dirty="0">
+                <a:solidFill>
+                  <a:srgbClr val="006600"/>
+                </a:solidFill>
+              </a:rPr>
+              <a:t>ISO</a:t>
+            </a:r>
+            <a:r>
+              <a:rPr lang="en-US" altLang="zh-TW" sz="2800" dirty="0"/>
+              <a:t> for use on </a:t>
+            </a:r>
+            <a:r>
+              <a:rPr lang="en-US" altLang="zh-TW" sz="2800" u="sng" dirty="0"/>
+              <a:t>relational databases</a:t>
+            </a:r>
+            <a:r>
+              <a:rPr lang="en-US" altLang="zh-TW" sz="2800" dirty="0"/>
+              <a:t>.</a:t>
+            </a:r>
+          </a:p>
+          <a:p>
+            <a:pPr>
+              <a:lnSpc>
+                <a:spcPct val="90000"/>
+              </a:lnSpc>
+            </a:pPr>
+            <a:endParaRPr lang="en-US" altLang="zh-TW" sz="2800" dirty="0"/>
+          </a:p>
+          <a:p>
+            <a:pPr marL="457200" indent="-457200">
+              <a:lnSpc>
+                <a:spcPct val="90000"/>
+              </a:lnSpc>
+              <a:buFont typeface="Wingdings" panose="05000000000000000000" pitchFamily="2" charset="2"/>
+              <a:buChar char="q"/>
+            </a:pPr>
+            <a:r>
+              <a:rPr lang="en-US" altLang="zh-TW" sz="2800" dirty="0"/>
+              <a:t>It is </a:t>
+            </a:r>
+            <a:r>
+              <a:rPr lang="en-US" altLang="zh-TW" sz="2800" u="sng" dirty="0"/>
+              <a:t>a </a:t>
+            </a:r>
+            <a:r>
+              <a:rPr lang="en-US" altLang="zh-TW" sz="2800" u="sng" dirty="0">
+                <a:solidFill>
+                  <a:srgbClr val="006600"/>
+                </a:solidFill>
+              </a:rPr>
+              <a:t>declarative</a:t>
+            </a:r>
+            <a:r>
+              <a:rPr lang="en-US" altLang="zh-TW" sz="2800" u="sng" dirty="0"/>
+              <a:t> (</a:t>
+            </a:r>
+            <a:r>
+              <a:rPr lang="en-US" altLang="zh-TW" sz="2800" u="sng" dirty="0">
+                <a:solidFill>
+                  <a:srgbClr val="006600"/>
+                </a:solidFill>
+              </a:rPr>
+              <a:t>not procedural</a:t>
+            </a:r>
+            <a:r>
+              <a:rPr lang="en-US" altLang="zh-TW" sz="2800" u="sng" dirty="0"/>
+              <a:t>) language</a:t>
+            </a:r>
+            <a:r>
+              <a:rPr lang="en-US" altLang="zh-TW" sz="2800" dirty="0"/>
+              <a:t>, which means that the users declare </a:t>
+            </a:r>
+            <a:r>
+              <a:rPr lang="en-US" altLang="zh-TW" sz="2800" u="sng" dirty="0">
+                <a:solidFill>
+                  <a:srgbClr val="006600"/>
+                </a:solidFill>
+              </a:rPr>
+              <a:t>what they want</a:t>
+            </a:r>
+            <a:r>
+              <a:rPr lang="en-US" altLang="zh-TW" sz="2800" dirty="0"/>
+              <a:t> </a:t>
+            </a:r>
+            <a:r>
+              <a:rPr lang="en-US" altLang="zh-TW" sz="2800" u="sng" dirty="0">
+                <a:solidFill>
+                  <a:srgbClr val="006600"/>
+                </a:solidFill>
+              </a:rPr>
+              <a:t>without having to write a step-by-step procedure</a:t>
+            </a:r>
+            <a:r>
+              <a:rPr lang="en-US" altLang="zh-TW" sz="2800" dirty="0"/>
+              <a:t>.</a:t>
+            </a:r>
+          </a:p>
+          <a:p>
+            <a:pPr>
+              <a:lnSpc>
+                <a:spcPct val="90000"/>
+              </a:lnSpc>
+            </a:pPr>
+            <a:endParaRPr lang="en-US" altLang="zh-TW" sz="2800" dirty="0"/>
+          </a:p>
+          <a:p>
+            <a:pPr marL="457200" indent="-457200">
+              <a:lnSpc>
+                <a:spcPct val="90000"/>
+              </a:lnSpc>
+              <a:buFont typeface="Wingdings" panose="05000000000000000000" pitchFamily="2" charset="2"/>
+              <a:buChar char="q"/>
+            </a:pPr>
+            <a:r>
+              <a:rPr lang="en-US" altLang="zh-TW" sz="2800" dirty="0"/>
+              <a:t>First implemented by </a:t>
+            </a:r>
+            <a:r>
+              <a:rPr lang="en-US" altLang="zh-TW" sz="2800" dirty="0">
+                <a:solidFill>
+                  <a:srgbClr val="006600"/>
+                </a:solidFill>
+              </a:rPr>
+              <a:t>Oracle</a:t>
+            </a:r>
+            <a:r>
+              <a:rPr lang="en-US" altLang="zh-TW" sz="2800" dirty="0"/>
+              <a:t> in </a:t>
+            </a:r>
+            <a:r>
+              <a:rPr lang="en-US" altLang="zh-TW" sz="2800" dirty="0">
+                <a:solidFill>
+                  <a:srgbClr val="006600"/>
+                </a:solidFill>
+              </a:rPr>
+              <a:t>1979</a:t>
+            </a:r>
+            <a:r>
+              <a:rPr lang="en-US" altLang="zh-TW" sz="2800" dirty="0"/>
+              <a:t>.</a:t>
+            </a:r>
+          </a:p>
+          <a:p>
+            <a:pPr>
+              <a:lnSpc>
+                <a:spcPct val="90000"/>
+              </a:lnSpc>
+            </a:pPr>
+            <a:endParaRPr lang="en-US" altLang="zh-TW" sz="2800" dirty="0"/>
+          </a:p>
+          <a:p>
+            <a:pPr marL="457200" indent="-457200">
+              <a:lnSpc>
+                <a:spcPct val="90000"/>
+              </a:lnSpc>
+              <a:buFont typeface="Wingdings" panose="05000000000000000000" pitchFamily="2" charset="2"/>
+              <a:buChar char="q"/>
+            </a:pPr>
+            <a:r>
+              <a:rPr lang="en-US" altLang="zh-TW" sz="2800" dirty="0"/>
+              <a:t>SQL allows you to </a:t>
+            </a:r>
+            <a:r>
+              <a:rPr lang="en-US" altLang="zh-TW" sz="2800" dirty="0">
+                <a:solidFill>
+                  <a:srgbClr val="006600"/>
+                </a:solidFill>
+              </a:rPr>
+              <a:t>combine</a:t>
+            </a:r>
+            <a:r>
+              <a:rPr lang="en-US" altLang="zh-TW" sz="2800" dirty="0"/>
+              <a:t> the following statements to </a:t>
+            </a:r>
+            <a:r>
+              <a:rPr lang="en-US" altLang="zh-TW" sz="2800" u="sng" dirty="0"/>
+              <a:t>extract more complex information</a:t>
+            </a:r>
+            <a:r>
+              <a:rPr lang="en-US" altLang="zh-TW" sz="2800" dirty="0"/>
+              <a:t> from database.</a:t>
+            </a:r>
+          </a:p>
+        </p:txBody>
+      </p:sp>
+      <p:sp>
+        <p:nvSpPr>
+          <p:cNvPr id="7" name="TextBox 6">
+            <a:extLst>
+              <a:ext uri="{FF2B5EF4-FFF2-40B4-BE49-F238E27FC236}">
+                <a16:creationId xmlns:a16="http://schemas.microsoft.com/office/drawing/2014/main" id="{42C933A7-2EC9-4F5F-AF35-2647004CD071}"/>
+              </a:ext>
+            </a:extLst>
+          </p:cNvPr>
+          <p:cNvSpPr txBox="1"/>
+          <p:nvPr/>
+        </p:nvSpPr>
+        <p:spPr>
+          <a:xfrm>
+            <a:off x="1209884" y="2003530"/>
+            <a:ext cx="9487416" cy="461665"/>
+          </a:xfrm>
+          <a:prstGeom prst="rect">
+            <a:avLst/>
+          </a:prstGeom>
+          <a:noFill/>
+        </p:spPr>
+        <p:txBody>
+          <a:bodyPr wrap="square">
+            <a:spAutoFit/>
+          </a:bodyPr>
+          <a:lstStyle/>
+          <a:p>
+            <a:pPr algn="ctr"/>
+            <a:r>
+              <a:rPr lang="en-US" sz="2400" b="1" dirty="0">
+                <a:solidFill>
+                  <a:srgbClr val="C00000"/>
+                </a:solidFill>
+              </a:rPr>
+              <a:t>All operations among relational tables can be performed in SQL </a:t>
+            </a:r>
+          </a:p>
+        </p:txBody>
+      </p:sp>
+    </p:spTree>
+    <p:extLst>
+      <p:ext uri="{BB962C8B-B14F-4D97-AF65-F5344CB8AC3E}">
+        <p14:creationId xmlns:p14="http://schemas.microsoft.com/office/powerpoint/2010/main" val="411667446"/>
+      </p:ext>
+    </p:extLst>
+  </p:cSld>
+  <p:clrMapOvr>
+    <a:masterClrMapping/>
+  </p:clrMapOvr>
+</p:sld>
+</file>
+
+<file path=ppt/slides/slide22.xml><?xml version="1.0" encoding="utf-8"?>
+<p:sld xmlns:a="http://schemas.openxmlformats.org/drawingml/2006/main" xmlns:r="http://schemas.openxmlformats.org/officeDocument/2006/relationships" xmlns:p="http://schemas.openxmlformats.org/presentationml/2006/main">
+  <p:cSld>
+    <p:spTree>
+      <p:nvGrpSpPr>
+        <p:cNvPr id="1" name=""/>
+        <p:cNvGrpSpPr/>
+        <p:nvPr/>
+      </p:nvGrpSpPr>
+      <p:grpSpPr>
+        <a:xfrm>
+          <a:off x="0" y="0"/>
+          <a:ext cx="0" cy="0"/>
+          <a:chOff x="0" y="0"/>
+          <a:chExt cx="0" cy="0"/>
+        </a:xfrm>
+      </p:grpSpPr>
+      <p:sp>
+        <p:nvSpPr>
+          <p:cNvPr id="2" name="Title 1">
+            <a:extLst>
+              <a:ext uri="{FF2B5EF4-FFF2-40B4-BE49-F238E27FC236}">
+                <a16:creationId xmlns:a16="http://schemas.microsoft.com/office/drawing/2014/main" id="{EF313522-8630-4151-AB9E-C1E334391886}"/>
+              </a:ext>
+            </a:extLst>
+          </p:cNvPr>
+          <p:cNvSpPr>
+            <a:spLocks noGrp="1"/>
+          </p:cNvSpPr>
+          <p:nvPr>
+            <p:ph type="title"/>
+          </p:nvPr>
+        </p:nvSpPr>
+        <p:spPr/>
+        <p:txBody>
+          <a:bodyPr/>
+          <a:lstStyle/>
+          <a:p>
+            <a:pPr algn="ctr"/>
+            <a:r>
+              <a:rPr lang="en-US" b="1" dirty="0"/>
+              <a:t>Tools for Querying and managing data</a:t>
+            </a:r>
+            <a:br>
+              <a:rPr lang="en-US" dirty="0"/>
+            </a:br>
+            <a:endParaRPr lang="en-US" dirty="0"/>
+          </a:p>
+        </p:txBody>
+      </p:sp>
+      <p:sp>
+        <p:nvSpPr>
+          <p:cNvPr id="5" name="TextBox 4">
+            <a:extLst>
+              <a:ext uri="{FF2B5EF4-FFF2-40B4-BE49-F238E27FC236}">
+                <a16:creationId xmlns:a16="http://schemas.microsoft.com/office/drawing/2014/main" id="{E3461AEC-5842-4C17-9A47-818E53591280}"/>
+              </a:ext>
+            </a:extLst>
+          </p:cNvPr>
+          <p:cNvSpPr txBox="1"/>
+          <p:nvPr/>
+        </p:nvSpPr>
+        <p:spPr>
+          <a:xfrm>
+            <a:off x="1012369" y="1993010"/>
+            <a:ext cx="10529281" cy="2246769"/>
+          </a:xfrm>
+          <a:prstGeom prst="rect">
+            <a:avLst/>
+          </a:prstGeom>
+          <a:noFill/>
+        </p:spPr>
+        <p:txBody>
+          <a:bodyPr wrap="square">
+            <a:spAutoFit/>
+          </a:bodyPr>
+          <a:lstStyle/>
+          <a:p>
+            <a:r>
+              <a:rPr lang="en-US" sz="2800" dirty="0">
+                <a:solidFill>
+                  <a:srgbClr val="002060"/>
+                </a:solidFill>
+              </a:rPr>
+              <a:t>Some common relational database management systems that use SQL are: Oracle, Sybase, Microsoft SQL Server, Access, Ingres, etc. Although most database systems use SQL, most of them also have their own additional proprietary extensions that are usually only used on their system.</a:t>
+            </a:r>
+          </a:p>
+        </p:txBody>
+      </p:sp>
+      <p:sp>
+        <p:nvSpPr>
+          <p:cNvPr id="6" name="TextBox 5">
+            <a:extLst>
+              <a:ext uri="{FF2B5EF4-FFF2-40B4-BE49-F238E27FC236}">
+                <a16:creationId xmlns:a16="http://schemas.microsoft.com/office/drawing/2014/main" id="{670D6EBB-B892-45D1-B85D-80D5519802A3}"/>
+              </a:ext>
+            </a:extLst>
+          </p:cNvPr>
+          <p:cNvSpPr txBox="1"/>
+          <p:nvPr/>
+        </p:nvSpPr>
+        <p:spPr>
+          <a:xfrm>
+            <a:off x="1012369" y="4449547"/>
+            <a:ext cx="10836411" cy="1384995"/>
+          </a:xfrm>
+          <a:prstGeom prst="rect">
+            <a:avLst/>
+          </a:prstGeom>
+          <a:noFill/>
+        </p:spPr>
+        <p:txBody>
+          <a:bodyPr wrap="square" rtlCol="0">
+            <a:spAutoFit/>
+          </a:bodyPr>
+          <a:lstStyle/>
+          <a:p>
+            <a:r>
+              <a:rPr lang="en-US" sz="2800" dirty="0">
+                <a:solidFill>
+                  <a:srgbClr val="002060"/>
+                </a:solidFill>
+              </a:rPr>
+              <a:t>Commonly data science programming languages such as Python and R have facilities to run SQL (at least use the common SQL clauses) to query and manage data. </a:t>
+            </a:r>
+          </a:p>
+        </p:txBody>
+      </p:sp>
+      <p:sp>
+        <p:nvSpPr>
+          <p:cNvPr id="7" name="TextBox 6">
+            <a:extLst>
+              <a:ext uri="{FF2B5EF4-FFF2-40B4-BE49-F238E27FC236}">
+                <a16:creationId xmlns:a16="http://schemas.microsoft.com/office/drawing/2014/main" id="{4EA1555C-C216-481D-88E6-199278959F53}"/>
+              </a:ext>
+            </a:extLst>
+          </p:cNvPr>
+          <p:cNvSpPr txBox="1"/>
+          <p:nvPr/>
+        </p:nvSpPr>
+        <p:spPr>
+          <a:xfrm>
+            <a:off x="952820" y="6133725"/>
+            <a:ext cx="10657987" cy="461665"/>
+          </a:xfrm>
+          <a:prstGeom prst="rect">
+            <a:avLst/>
+          </a:prstGeom>
+          <a:noFill/>
+        </p:spPr>
+        <p:txBody>
+          <a:bodyPr wrap="square" rtlCol="0">
+            <a:spAutoFit/>
+          </a:bodyPr>
+          <a:lstStyle/>
+          <a:p>
+            <a:r>
+              <a:rPr lang="en-US" sz="2400" dirty="0">
+                <a:solidFill>
+                  <a:srgbClr val="C00000"/>
+                </a:solidFill>
+              </a:rPr>
+              <a:t>We will use SAS PROC SQL to query relational tables and define analytic data sets.</a:t>
+            </a:r>
+          </a:p>
+        </p:txBody>
+      </p:sp>
+    </p:spTree>
+    <p:extLst>
+      <p:ext uri="{BB962C8B-B14F-4D97-AF65-F5344CB8AC3E}">
+        <p14:creationId xmlns:p14="http://schemas.microsoft.com/office/powerpoint/2010/main" val="3476107851"/>
+      </p:ext>
+    </p:extLst>
+  </p:cSld>
+  <p:clrMapOvr>
+    <a:masterClrMapping/>
+  </p:clrMapOvr>
+</p:sld>
+</file>
+
+<file path=ppt/slides/slide23.xml><?xml version="1.0" encoding="utf-8"?>
+<p:sld xmlns:a="http://schemas.openxmlformats.org/drawingml/2006/main" xmlns:r="http://schemas.openxmlformats.org/officeDocument/2006/relationships" xmlns:p="http://schemas.openxmlformats.org/presentationml/2006/main">
+  <p:cSld>
+    <p:spTree>
+      <p:nvGrpSpPr>
+        <p:cNvPr id="1" name=""/>
+        <p:cNvGrpSpPr/>
+        <p:nvPr/>
+      </p:nvGrpSpPr>
+      <p:grpSpPr>
+        <a:xfrm>
+          <a:off x="0" y="0"/>
+          <a:ext cx="0" cy="0"/>
+          <a:chOff x="0" y="0"/>
+          <a:chExt cx="0" cy="0"/>
+        </a:xfrm>
+      </p:grpSpPr>
+      <p:sp>
+        <p:nvSpPr>
+          <p:cNvPr id="2" name="Title 1">
+            <a:extLst>
+              <a:ext uri="{FF2B5EF4-FFF2-40B4-BE49-F238E27FC236}">
                 <a16:creationId xmlns:a16="http://schemas.microsoft.com/office/drawing/2014/main" id="{9BC3EC60-280D-40BE-9F38-B7A0EAE81A57}"/>
               </a:ext>
             </a:extLst>
@@ -12652,6 +13509,485 @@
                   </a:outerShdw>
                 </a:effectLst>
               </a:rPr>
+              <a:t>On Premises vs / Cloud base DW</a:t>
+            </a:r>
+            <a:endParaRPr lang="en-US" dirty="0"/>
+          </a:p>
+        </p:txBody>
+      </p:sp>
+      <p:sp>
+        <p:nvSpPr>
+          <p:cNvPr id="3" name="Content Placeholder 2">
+            <a:extLst>
+              <a:ext uri="{FF2B5EF4-FFF2-40B4-BE49-F238E27FC236}">
+                <a16:creationId xmlns:a16="http://schemas.microsoft.com/office/drawing/2014/main" id="{C9F5AB8F-780A-4BC3-ABA4-B7384FF32B95}"/>
+              </a:ext>
+            </a:extLst>
+          </p:cNvPr>
+          <p:cNvSpPr>
+            <a:spLocks noGrp="1"/>
+          </p:cNvSpPr>
+          <p:nvPr>
+            <p:ph idx="1"/>
+          </p:nvPr>
+        </p:nvSpPr>
+        <p:spPr>
+          <a:xfrm>
+            <a:off x="1500285" y="1872563"/>
+            <a:ext cx="9572407" cy="4711147"/>
+          </a:xfrm>
+        </p:spPr>
+        <p:txBody>
+          <a:bodyPr>
+            <a:normAutofit/>
+          </a:bodyPr>
+          <a:lstStyle/>
+          <a:p>
+            <a:pPr marL="324000" lvl="1" indent="0">
+              <a:lnSpc>
+                <a:spcPct val="90000"/>
+              </a:lnSpc>
+              <a:buNone/>
+            </a:pPr>
+            <a:endParaRPr lang="en-US" altLang="zh-TW" sz="2400" dirty="0"/>
+          </a:p>
+          <a:p>
+            <a:pPr marL="324000" lvl="1" indent="0">
+              <a:lnSpc>
+                <a:spcPct val="90000"/>
+              </a:lnSpc>
+              <a:buNone/>
+            </a:pPr>
+            <a:endParaRPr lang="en-US" altLang="zh-TW" sz="2400" dirty="0"/>
+          </a:p>
+          <a:p>
+            <a:pPr marL="324000" lvl="1" indent="0">
+              <a:lnSpc>
+                <a:spcPct val="90000"/>
+              </a:lnSpc>
+              <a:buNone/>
+            </a:pPr>
+            <a:endParaRPr lang="en-US" altLang="zh-TW" sz="2400" dirty="0"/>
+          </a:p>
+        </p:txBody>
+      </p:sp>
+      <p:pic>
+        <p:nvPicPr>
+          <p:cNvPr id="5" name="Picture 4">
+            <a:extLst>
+              <a:ext uri="{FF2B5EF4-FFF2-40B4-BE49-F238E27FC236}">
+                <a16:creationId xmlns:a16="http://schemas.microsoft.com/office/drawing/2014/main" id="{AD85F852-8683-DD29-E0F9-B8F2E114677D}"/>
+              </a:ext>
+            </a:extLst>
+          </p:cNvPr>
+          <p:cNvPicPr>
+            <a:picLocks noChangeAspect="1"/>
+          </p:cNvPicPr>
+          <p:nvPr/>
+        </p:nvPicPr>
+        <p:blipFill>
+          <a:blip r:embed="rId2">
+            <a:duotone>
+              <a:schemeClr val="accent2">
+                <a:shade val="45000"/>
+                <a:satMod val="135000"/>
+              </a:schemeClr>
+              <a:prstClr val="white"/>
+            </a:duotone>
+          </a:blip>
+          <a:stretch>
+            <a:fillRect/>
+          </a:stretch>
+        </p:blipFill>
+        <p:spPr>
+          <a:xfrm>
+            <a:off x="1979042" y="2009154"/>
+            <a:ext cx="8937211" cy="4574556"/>
+          </a:xfrm>
+          <a:prstGeom prst="rect">
+            <a:avLst/>
+          </a:prstGeom>
+        </p:spPr>
+      </p:pic>
+    </p:spTree>
+    <p:extLst>
+      <p:ext uri="{BB962C8B-B14F-4D97-AF65-F5344CB8AC3E}">
+        <p14:creationId xmlns:p14="http://schemas.microsoft.com/office/powerpoint/2010/main" val="3415193783"/>
+      </p:ext>
+    </p:extLst>
+  </p:cSld>
+  <p:clrMapOvr>
+    <a:masterClrMapping/>
+  </p:clrMapOvr>
+</p:sld>
+</file>
+
+<file path=ppt/slides/slide5.xml><?xml version="1.0" encoding="utf-8"?>
+<p:sld xmlns:a="http://schemas.openxmlformats.org/drawingml/2006/main" xmlns:r="http://schemas.openxmlformats.org/officeDocument/2006/relationships" xmlns:p="http://schemas.openxmlformats.org/presentationml/2006/main">
+  <p:cSld>
+    <p:spTree>
+      <p:nvGrpSpPr>
+        <p:cNvPr id="1" name=""/>
+        <p:cNvGrpSpPr/>
+        <p:nvPr/>
+      </p:nvGrpSpPr>
+      <p:grpSpPr>
+        <a:xfrm>
+          <a:off x="0" y="0"/>
+          <a:ext cx="0" cy="0"/>
+          <a:chOff x="0" y="0"/>
+          <a:chExt cx="0" cy="0"/>
+        </a:xfrm>
+      </p:grpSpPr>
+      <p:sp>
+        <p:nvSpPr>
+          <p:cNvPr id="2" name="Title 1">
+            <a:extLst>
+              <a:ext uri="{FF2B5EF4-FFF2-40B4-BE49-F238E27FC236}">
+                <a16:creationId xmlns:a16="http://schemas.microsoft.com/office/drawing/2014/main" id="{4CA46139-CBBC-46E9-8585-7F5A474695EA}"/>
+              </a:ext>
+            </a:extLst>
+          </p:cNvPr>
+          <p:cNvSpPr>
+            <a:spLocks noGrp="1"/>
+          </p:cNvSpPr>
+          <p:nvPr>
+            <p:ph type="title"/>
+          </p:nvPr>
+        </p:nvSpPr>
+        <p:spPr>
+          <a:xfrm>
+            <a:off x="581192" y="702156"/>
+            <a:ext cx="11029616" cy="713950"/>
+          </a:xfrm>
+        </p:spPr>
+        <p:txBody>
+          <a:bodyPr/>
+          <a:lstStyle/>
+          <a:p>
+            <a:pPr algn="ctr"/>
+            <a:r>
+              <a:rPr kumimoji="0" lang="en-US" altLang="zh-TW" sz="2800" dirty="0">
+                <a:effectLst>
+                  <a:outerShdw blurRad="38100" dist="38100" dir="2700000" algn="tl">
+                    <a:srgbClr val="C0C0C0"/>
+                  </a:outerShdw>
+                </a:effectLst>
+              </a:rPr>
+              <a:t>A Simple Structure of DBMS</a:t>
+            </a:r>
+            <a:endParaRPr lang="en-US" dirty="0"/>
+          </a:p>
+        </p:txBody>
+      </p:sp>
+      <p:sp>
+        <p:nvSpPr>
+          <p:cNvPr id="3" name="Content Placeholder 2">
+            <a:extLst>
+              <a:ext uri="{FF2B5EF4-FFF2-40B4-BE49-F238E27FC236}">
+                <a16:creationId xmlns:a16="http://schemas.microsoft.com/office/drawing/2014/main" id="{C9F5AB8F-780A-4BC3-ABA4-B7384FF32B95}"/>
+              </a:ext>
+            </a:extLst>
+          </p:cNvPr>
+          <p:cNvSpPr>
+            <a:spLocks noGrp="1"/>
+          </p:cNvSpPr>
+          <p:nvPr>
+            <p:ph idx="1"/>
+          </p:nvPr>
+        </p:nvSpPr>
+        <p:spPr>
+          <a:xfrm>
+            <a:off x="1500285" y="1872563"/>
+            <a:ext cx="9572407" cy="4711147"/>
+          </a:xfrm>
+        </p:spPr>
+        <p:txBody>
+          <a:bodyPr>
+            <a:normAutofit/>
+          </a:bodyPr>
+          <a:lstStyle/>
+          <a:p>
+            <a:pPr marL="324000" lvl="1" indent="0">
+              <a:lnSpc>
+                <a:spcPct val="90000"/>
+              </a:lnSpc>
+              <a:buNone/>
+            </a:pPr>
+            <a:endParaRPr lang="en-US" altLang="zh-TW" sz="2400" dirty="0"/>
+          </a:p>
+          <a:p>
+            <a:pPr marL="324000" lvl="1" indent="0">
+              <a:lnSpc>
+                <a:spcPct val="90000"/>
+              </a:lnSpc>
+              <a:buNone/>
+            </a:pPr>
+            <a:endParaRPr lang="en-US" altLang="zh-TW" sz="2400" dirty="0"/>
+          </a:p>
+          <a:p>
+            <a:pPr marL="324000" lvl="1" indent="0">
+              <a:lnSpc>
+                <a:spcPct val="90000"/>
+              </a:lnSpc>
+              <a:buNone/>
+            </a:pPr>
+            <a:endParaRPr lang="en-US" altLang="zh-TW" sz="2400" dirty="0"/>
+          </a:p>
+        </p:txBody>
+      </p:sp>
+      <p:pic>
+        <p:nvPicPr>
+          <p:cNvPr id="6" name="Picture 5">
+            <a:extLst>
+              <a:ext uri="{FF2B5EF4-FFF2-40B4-BE49-F238E27FC236}">
+                <a16:creationId xmlns:a16="http://schemas.microsoft.com/office/drawing/2014/main" id="{D1397EE2-56C6-1CA8-5896-974F8562D412}"/>
+              </a:ext>
+            </a:extLst>
+          </p:cNvPr>
+          <p:cNvPicPr>
+            <a:picLocks noChangeAspect="1"/>
+          </p:cNvPicPr>
+          <p:nvPr/>
+        </p:nvPicPr>
+        <p:blipFill>
+          <a:blip r:embed="rId2"/>
+          <a:stretch>
+            <a:fillRect/>
+          </a:stretch>
+        </p:blipFill>
+        <p:spPr>
+          <a:xfrm>
+            <a:off x="1683168" y="2608719"/>
+            <a:ext cx="8825663" cy="2986585"/>
+          </a:xfrm>
+          <a:prstGeom prst="rect">
+            <a:avLst/>
+          </a:prstGeom>
+        </p:spPr>
+      </p:pic>
+    </p:spTree>
+    <p:extLst>
+      <p:ext uri="{BB962C8B-B14F-4D97-AF65-F5344CB8AC3E}">
+        <p14:creationId xmlns:p14="http://schemas.microsoft.com/office/powerpoint/2010/main" val="3091279716"/>
+      </p:ext>
+    </p:extLst>
+  </p:cSld>
+  <p:clrMapOvr>
+    <a:masterClrMapping/>
+  </p:clrMapOvr>
+</p:sld>
+</file>
+
+<file path=ppt/slides/slide6.xml><?xml version="1.0" encoding="utf-8"?>
+<p:sld xmlns:a="http://schemas.openxmlformats.org/drawingml/2006/main" xmlns:r="http://schemas.openxmlformats.org/officeDocument/2006/relationships" xmlns:p="http://schemas.openxmlformats.org/presentationml/2006/main">
+  <p:cSld>
+    <p:spTree>
+      <p:nvGrpSpPr>
+        <p:cNvPr id="1" name=""/>
+        <p:cNvGrpSpPr/>
+        <p:nvPr/>
+      </p:nvGrpSpPr>
+      <p:grpSpPr>
+        <a:xfrm>
+          <a:off x="0" y="0"/>
+          <a:ext cx="0" cy="0"/>
+          <a:chOff x="0" y="0"/>
+          <a:chExt cx="0" cy="0"/>
+        </a:xfrm>
+      </p:grpSpPr>
+      <p:sp>
+        <p:nvSpPr>
+          <p:cNvPr id="2" name="Title 1">
+            <a:extLst>
+              <a:ext uri="{FF2B5EF4-FFF2-40B4-BE49-F238E27FC236}">
+                <a16:creationId xmlns:a16="http://schemas.microsoft.com/office/drawing/2014/main" id="{4CA46139-CBBC-46E9-8585-7F5A474695EA}"/>
+              </a:ext>
+            </a:extLst>
+          </p:cNvPr>
+          <p:cNvSpPr>
+            <a:spLocks noGrp="1"/>
+          </p:cNvSpPr>
+          <p:nvPr>
+            <p:ph type="title"/>
+          </p:nvPr>
+        </p:nvSpPr>
+        <p:spPr>
+          <a:xfrm>
+            <a:off x="581192" y="565522"/>
+            <a:ext cx="11029616" cy="713950"/>
+          </a:xfrm>
+        </p:spPr>
+        <p:txBody>
+          <a:bodyPr/>
+          <a:lstStyle/>
+          <a:p>
+            <a:pPr algn="ctr"/>
+            <a:r>
+              <a:rPr lang="en-US" dirty="0">
+                <a:effectLst>
+                  <a:outerShdw blurRad="38100" dist="38100" dir="2700000" algn="tl">
+                    <a:srgbClr val="C0C0C0"/>
+                  </a:outerShdw>
+                </a:effectLst>
+              </a:rPr>
+              <a:t>An Illustrative structure of relational database</a:t>
+            </a:r>
+            <a:endParaRPr lang="en-US" dirty="0"/>
+          </a:p>
+        </p:txBody>
+      </p:sp>
+      <p:sp>
+        <p:nvSpPr>
+          <p:cNvPr id="3" name="Content Placeholder 2">
+            <a:extLst>
+              <a:ext uri="{FF2B5EF4-FFF2-40B4-BE49-F238E27FC236}">
+                <a16:creationId xmlns:a16="http://schemas.microsoft.com/office/drawing/2014/main" id="{C9F5AB8F-780A-4BC3-ABA4-B7384FF32B95}"/>
+              </a:ext>
+            </a:extLst>
+          </p:cNvPr>
+          <p:cNvSpPr>
+            <a:spLocks noGrp="1"/>
+          </p:cNvSpPr>
+          <p:nvPr>
+            <p:ph idx="1"/>
+          </p:nvPr>
+        </p:nvSpPr>
+        <p:spPr>
+          <a:xfrm>
+            <a:off x="1500285" y="1872563"/>
+            <a:ext cx="9572407" cy="4711147"/>
+          </a:xfrm>
+        </p:spPr>
+        <p:txBody>
+          <a:bodyPr>
+            <a:normAutofit/>
+          </a:bodyPr>
+          <a:lstStyle/>
+          <a:p>
+            <a:pPr marL="324000" lvl="1" indent="0">
+              <a:lnSpc>
+                <a:spcPct val="90000"/>
+              </a:lnSpc>
+              <a:buNone/>
+            </a:pPr>
+            <a:endParaRPr lang="en-US" altLang="zh-TW" sz="2400" dirty="0"/>
+          </a:p>
+          <a:p>
+            <a:pPr marL="324000" lvl="1" indent="0">
+              <a:lnSpc>
+                <a:spcPct val="90000"/>
+              </a:lnSpc>
+              <a:buNone/>
+            </a:pPr>
+            <a:endParaRPr lang="en-US" altLang="zh-TW" sz="2400" dirty="0"/>
+          </a:p>
+          <a:p>
+            <a:pPr marL="324000" lvl="1" indent="0">
+              <a:lnSpc>
+                <a:spcPct val="90000"/>
+              </a:lnSpc>
+              <a:buNone/>
+            </a:pPr>
+            <a:endParaRPr lang="en-US" altLang="zh-TW" sz="2400" dirty="0"/>
+          </a:p>
+        </p:txBody>
+      </p:sp>
+      <p:pic>
+        <p:nvPicPr>
+          <p:cNvPr id="5" name="Picture 4">
+            <a:extLst>
+              <a:ext uri="{FF2B5EF4-FFF2-40B4-BE49-F238E27FC236}">
+                <a16:creationId xmlns:a16="http://schemas.microsoft.com/office/drawing/2014/main" id="{AF952A50-AD02-CF45-96AD-055E83AB54E4}"/>
+              </a:ext>
+            </a:extLst>
+          </p:cNvPr>
+          <p:cNvPicPr>
+            <a:picLocks noChangeAspect="1"/>
+          </p:cNvPicPr>
+          <p:nvPr/>
+        </p:nvPicPr>
+        <p:blipFill>
+          <a:blip r:embed="rId2"/>
+          <a:stretch>
+            <a:fillRect/>
+          </a:stretch>
+        </p:blipFill>
+        <p:spPr>
+          <a:xfrm>
+            <a:off x="799481" y="1755228"/>
+            <a:ext cx="10403852" cy="5102772"/>
+          </a:xfrm>
+          <a:prstGeom prst="rect">
+            <a:avLst/>
+          </a:prstGeom>
+        </p:spPr>
+      </p:pic>
+    </p:spTree>
+    <p:extLst>
+      <p:ext uri="{BB962C8B-B14F-4D97-AF65-F5344CB8AC3E}">
+        <p14:creationId xmlns:p14="http://schemas.microsoft.com/office/powerpoint/2010/main" val="4187499985"/>
+      </p:ext>
+    </p:extLst>
+  </p:cSld>
+  <p:clrMapOvr>
+    <a:masterClrMapping/>
+  </p:clrMapOvr>
+</p:sld>
+</file>
+
+<file path=ppt/slides/slide7.xml><?xml version="1.0" encoding="utf-8"?>
+<p:sld xmlns:a="http://schemas.openxmlformats.org/drawingml/2006/main" xmlns:r="http://schemas.openxmlformats.org/officeDocument/2006/relationships" xmlns:p="http://schemas.openxmlformats.org/presentationml/2006/main">
+  <p:cSld>
+    <p:spTree>
+      <p:nvGrpSpPr>
+        <p:cNvPr id="1" name=""/>
+        <p:cNvGrpSpPr/>
+        <p:nvPr/>
+      </p:nvGrpSpPr>
+      <p:grpSpPr>
+        <a:xfrm>
+          <a:off x="0" y="0"/>
+          <a:ext cx="0" cy="0"/>
+          <a:chOff x="0" y="0"/>
+          <a:chExt cx="0" cy="0"/>
+        </a:xfrm>
+      </p:grpSpPr>
+      <p:sp>
+        <p:nvSpPr>
+          <p:cNvPr id="2" name="Title 1">
+            <a:extLst>
+              <a:ext uri="{FF2B5EF4-FFF2-40B4-BE49-F238E27FC236}">
+                <a16:creationId xmlns:a16="http://schemas.microsoft.com/office/drawing/2014/main" id="{4CA46139-CBBC-46E9-8585-7F5A474695EA}"/>
+              </a:ext>
+            </a:extLst>
+          </p:cNvPr>
+          <p:cNvSpPr>
+            <a:spLocks noGrp="1"/>
+          </p:cNvSpPr>
+          <p:nvPr>
+            <p:ph type="title"/>
+          </p:nvPr>
+        </p:nvSpPr>
+        <p:spPr>
+          <a:xfrm>
+            <a:off x="581192" y="702156"/>
+            <a:ext cx="11029616" cy="713950"/>
+          </a:xfrm>
+        </p:spPr>
+        <p:txBody>
+          <a:bodyPr/>
+          <a:lstStyle/>
+          <a:p>
+            <a:pPr algn="ctr"/>
+            <a:r>
+              <a:rPr kumimoji="0" lang="en-US" altLang="zh-TW" sz="2800" dirty="0">
+                <a:effectLst>
+                  <a:outerShdw blurRad="38100" dist="38100" dir="2700000" algn="tl">
+                    <a:srgbClr val="C0C0C0"/>
+                  </a:outerShdw>
+                </a:effectLst>
+              </a:rPr>
               <a:t>Understand a DBMS and define its components</a:t>
             </a:r>
             <a:endParaRPr lang="en-US" dirty="0"/>
@@ -12900,7 +14236,7 @@
 </p:sld>
 </file>
 
-<file path=ppt/slides/slide5.xml><?xml version="1.0" encoding="utf-8"?>
+<file path=ppt/slides/slide8.xml><?xml version="1.0" encoding="utf-8"?>
 <p:sld xmlns:a="http://schemas.openxmlformats.org/drawingml/2006/main" xmlns:r="http://schemas.openxmlformats.org/officeDocument/2006/relationships" xmlns:p="http://schemas.openxmlformats.org/presentationml/2006/main">
   <p:cSld>
     <p:spTree>
@@ -13150,710 +14486,6 @@
     <p:extLst>
       <p:ext uri="{BB962C8B-B14F-4D97-AF65-F5344CB8AC3E}">
         <p14:creationId xmlns:p14="http://schemas.microsoft.com/office/powerpoint/2010/main" val="2781487466"/>
-      </p:ext>
-    </p:extLst>
-  </p:cSld>
-  <p:clrMapOvr>
-    <a:masterClrMapping/>
-  </p:clrMapOvr>
-</p:sld>
-</file>
-
-<file path=ppt/slides/slide6.xml><?xml version="1.0" encoding="utf-8"?>
-<p:sld xmlns:a="http://schemas.openxmlformats.org/drawingml/2006/main" xmlns:r="http://schemas.openxmlformats.org/officeDocument/2006/relationships" xmlns:p="http://schemas.openxmlformats.org/presentationml/2006/main">
-  <p:cSld>
-    <p:spTree>
-      <p:nvGrpSpPr>
-        <p:cNvPr id="1" name=""/>
-        <p:cNvGrpSpPr/>
-        <p:nvPr/>
-      </p:nvGrpSpPr>
-      <p:grpSpPr>
-        <a:xfrm>
-          <a:off x="0" y="0"/>
-          <a:ext cx="0" cy="0"/>
-          <a:chOff x="0" y="0"/>
-          <a:chExt cx="0" cy="0"/>
-        </a:xfrm>
-      </p:grpSpPr>
-      <p:sp>
-        <p:nvSpPr>
-          <p:cNvPr id="2" name="Title 1">
-            <a:extLst>
-              <a:ext uri="{FF2B5EF4-FFF2-40B4-BE49-F238E27FC236}">
-                <a16:creationId xmlns:a16="http://schemas.microsoft.com/office/drawing/2014/main" id="{070AD918-D59A-4A15-B48B-540ABF639668}"/>
-              </a:ext>
-            </a:extLst>
-          </p:cNvPr>
-          <p:cNvSpPr>
-            <a:spLocks noGrp="1"/>
-          </p:cNvSpPr>
-          <p:nvPr>
-            <p:ph type="title"/>
-          </p:nvPr>
-        </p:nvSpPr>
-        <p:spPr>
-          <a:xfrm>
-            <a:off x="581192" y="702156"/>
-            <a:ext cx="11029616" cy="903807"/>
-          </a:xfrm>
-        </p:spPr>
-        <p:txBody>
-          <a:bodyPr>
-            <a:normAutofit fontScale="90000"/>
-          </a:bodyPr>
-          <a:lstStyle/>
-          <a:p>
-            <a:pPr algn="ctr"/>
-            <a:r>
-              <a:rPr lang="en-US" altLang="zh-TW" b="1" dirty="0"/>
-              <a:t>Relational model</a:t>
-            </a:r>
-            <a:br>
-              <a:rPr lang="en-US" altLang="zh-TW" dirty="0">
-                <a:solidFill>
-                  <a:srgbClr val="990000"/>
-                </a:solidFill>
-              </a:rPr>
-            </a:br>
-            <a:endParaRPr lang="en-US" dirty="0"/>
-          </a:p>
-        </p:txBody>
-      </p:sp>
-      <p:sp>
-        <p:nvSpPr>
-          <p:cNvPr id="3" name="Content Placeholder 2">
-            <a:extLst>
-              <a:ext uri="{FF2B5EF4-FFF2-40B4-BE49-F238E27FC236}">
-                <a16:creationId xmlns:a16="http://schemas.microsoft.com/office/drawing/2014/main" id="{ACD10C17-1C03-4826-8750-04642075FC69}"/>
-              </a:ext>
-            </a:extLst>
-          </p:cNvPr>
-          <p:cNvSpPr>
-            <a:spLocks noGrp="1"/>
-          </p:cNvSpPr>
-          <p:nvPr>
-            <p:ph idx="1"/>
-          </p:nvPr>
-        </p:nvSpPr>
-        <p:spPr>
-          <a:xfrm>
-            <a:off x="1705799" y="2169986"/>
-            <a:ext cx="9267001" cy="3678303"/>
-          </a:xfrm>
-        </p:spPr>
-        <p:txBody>
-          <a:bodyPr/>
-          <a:lstStyle/>
-          <a:p>
-            <a:r>
-              <a:rPr lang="en-US" altLang="zh-TW" sz="2800" dirty="0">
-                <a:solidFill>
-                  <a:srgbClr val="990000"/>
-                </a:solidFill>
-              </a:rPr>
-              <a:t>RDBMS (Relational Database Management System)</a:t>
-            </a:r>
-          </a:p>
-          <a:p>
-            <a:r>
-              <a:rPr lang="en-US" altLang="zh-TW" sz="2800" dirty="0"/>
-              <a:t>External view</a:t>
-            </a:r>
-          </a:p>
-          <a:p>
-            <a:pPr lvl="1"/>
-            <a:r>
-              <a:rPr lang="en-US" altLang="zh-TW" sz="2400" dirty="0"/>
-              <a:t>The data are represented as a </a:t>
-            </a:r>
-            <a:r>
-              <a:rPr lang="en-US" altLang="zh-TW" sz="2400" u="sng" dirty="0"/>
-              <a:t>set of relations</a:t>
-            </a:r>
-            <a:r>
-              <a:rPr lang="en-US" altLang="zh-TW" sz="2400" dirty="0"/>
-              <a:t>. </a:t>
-            </a:r>
-          </a:p>
-          <a:p>
-            <a:pPr lvl="1"/>
-            <a:r>
-              <a:rPr lang="en-US" altLang="zh-TW" sz="2400" dirty="0"/>
-              <a:t>A </a:t>
-            </a:r>
-            <a:r>
-              <a:rPr lang="en-US" altLang="zh-TW" sz="2400" dirty="0">
-                <a:solidFill>
-                  <a:srgbClr val="990000"/>
-                </a:solidFill>
-              </a:rPr>
-              <a:t>relation</a:t>
-            </a:r>
-            <a:r>
-              <a:rPr lang="en-US" altLang="zh-TW" sz="2400" dirty="0"/>
-              <a:t> is a </a:t>
-            </a:r>
-            <a:r>
-              <a:rPr lang="en-US" altLang="zh-TW" sz="2400" u="sng" dirty="0"/>
-              <a:t>two-dimensional table</a:t>
-            </a:r>
-            <a:r>
-              <a:rPr lang="en-US" altLang="zh-TW" sz="2400" dirty="0"/>
-              <a:t>.</a:t>
-            </a:r>
-          </a:p>
-          <a:p>
-            <a:r>
-              <a:rPr lang="en-US" altLang="zh-TW" sz="2800" dirty="0"/>
-              <a:t>This </a:t>
-            </a:r>
-            <a:r>
-              <a:rPr lang="en-US" altLang="zh-TW" sz="2800" dirty="0">
-                <a:solidFill>
-                  <a:srgbClr val="006600"/>
-                </a:solidFill>
-              </a:rPr>
-              <a:t>doesn’t</a:t>
-            </a:r>
-            <a:r>
-              <a:rPr lang="en-US" altLang="zh-TW" sz="2800" dirty="0"/>
-              <a:t> mean that </a:t>
-            </a:r>
-            <a:r>
-              <a:rPr lang="en-US" altLang="zh-TW" sz="2800" u="sng" dirty="0"/>
-              <a:t>data are stored as tables!</a:t>
-            </a:r>
-            <a:r>
-              <a:rPr lang="en-US" altLang="zh-TW" sz="2800" dirty="0"/>
-              <a:t>  The </a:t>
-            </a:r>
-            <a:r>
-              <a:rPr lang="en-US" altLang="zh-TW" sz="2800" u="sng" dirty="0"/>
-              <a:t>physical storage of the data</a:t>
-            </a:r>
-            <a:r>
-              <a:rPr lang="en-US" altLang="zh-TW" sz="2800" dirty="0"/>
-              <a:t> is </a:t>
-            </a:r>
-            <a:r>
-              <a:rPr lang="en-US" altLang="zh-TW" sz="2800" dirty="0">
-                <a:solidFill>
-                  <a:srgbClr val="006600"/>
-                </a:solidFill>
-              </a:rPr>
-              <a:t>independent</a:t>
-            </a:r>
-            <a:r>
-              <a:rPr lang="en-US" altLang="zh-TW" sz="2800" dirty="0"/>
-              <a:t> of </a:t>
-            </a:r>
-            <a:r>
-              <a:rPr lang="en-US" altLang="zh-TW" sz="2800" u="sng" dirty="0"/>
-              <a:t>the way the data are logically organized</a:t>
-            </a:r>
-            <a:r>
-              <a:rPr lang="en-US" altLang="zh-TW" sz="2800" dirty="0"/>
-              <a:t>.</a:t>
-            </a:r>
-          </a:p>
-        </p:txBody>
-      </p:sp>
-    </p:spTree>
-    <p:extLst>
-      <p:ext uri="{BB962C8B-B14F-4D97-AF65-F5344CB8AC3E}">
-        <p14:creationId xmlns:p14="http://schemas.microsoft.com/office/powerpoint/2010/main" val="1970553199"/>
-      </p:ext>
-    </p:extLst>
-  </p:cSld>
-  <p:clrMapOvr>
-    <a:masterClrMapping/>
-  </p:clrMapOvr>
-</p:sld>
-</file>
-
-<file path=ppt/slides/slide7.xml><?xml version="1.0" encoding="utf-8"?>
-<p:sld xmlns:a="http://schemas.openxmlformats.org/drawingml/2006/main" xmlns:r="http://schemas.openxmlformats.org/officeDocument/2006/relationships" xmlns:p="http://schemas.openxmlformats.org/presentationml/2006/main">
-  <p:cSld>
-    <p:spTree>
-      <p:nvGrpSpPr>
-        <p:cNvPr id="1" name=""/>
-        <p:cNvGrpSpPr/>
-        <p:nvPr/>
-      </p:nvGrpSpPr>
-      <p:grpSpPr>
-        <a:xfrm>
-          <a:off x="0" y="0"/>
-          <a:ext cx="0" cy="0"/>
-          <a:chOff x="0" y="0"/>
-          <a:chExt cx="0" cy="0"/>
-        </a:xfrm>
-      </p:grpSpPr>
-      <p:sp>
-        <p:nvSpPr>
-          <p:cNvPr id="2" name="Title 1">
-            <a:extLst>
-              <a:ext uri="{FF2B5EF4-FFF2-40B4-BE49-F238E27FC236}">
-                <a16:creationId xmlns:a16="http://schemas.microsoft.com/office/drawing/2014/main" id="{AD51662C-3855-4169-B577-AFB111CAA3CD}"/>
-              </a:ext>
-            </a:extLst>
-          </p:cNvPr>
-          <p:cNvSpPr>
-            <a:spLocks noGrp="1"/>
-          </p:cNvSpPr>
-          <p:nvPr>
-            <p:ph type="title"/>
-          </p:nvPr>
-        </p:nvSpPr>
-        <p:spPr/>
-        <p:txBody>
-          <a:bodyPr/>
-          <a:lstStyle/>
-          <a:p>
-            <a:pPr algn="ctr"/>
-            <a:r>
-              <a:rPr kumimoji="0" lang="en-US" altLang="zh-TW" sz="2800" b="1" dirty="0"/>
-              <a:t>Relation</a:t>
-            </a:r>
-            <a:br>
-              <a:rPr kumimoji="0" lang="en-US" altLang="zh-TW" sz="2800" b="1" dirty="0">
-                <a:solidFill>
-                  <a:srgbClr val="990000"/>
-                </a:solidFill>
-                <a:latin typeface="Times New Roman" panose="02020603050405020304" pitchFamily="18" charset="0"/>
-              </a:rPr>
-            </a:br>
-            <a:endParaRPr lang="en-US" dirty="0"/>
-          </a:p>
-        </p:txBody>
-      </p:sp>
-      <p:pic>
-        <p:nvPicPr>
-          <p:cNvPr id="4" name="Picture 8">
-            <a:extLst>
-              <a:ext uri="{FF2B5EF4-FFF2-40B4-BE49-F238E27FC236}">
-                <a16:creationId xmlns:a16="http://schemas.microsoft.com/office/drawing/2014/main" id="{6B0F66D8-63E8-4C1C-9349-F9453BF670F1}"/>
-              </a:ext>
-            </a:extLst>
-          </p:cNvPr>
-          <p:cNvPicPr>
-            <a:picLocks noChangeAspect="1" noChangeArrowheads="1"/>
-          </p:cNvPicPr>
-          <p:nvPr/>
-        </p:nvPicPr>
-        <p:blipFill>
-          <a:blip r:embed="rId2">
-            <a:extLst>
-              <a:ext uri="{28A0092B-C50C-407E-A947-70E740481C1C}">
-                <a14:useLocalDpi xmlns:a14="http://schemas.microsoft.com/office/drawing/2010/main" val="0"/>
-              </a:ext>
-            </a:extLst>
-          </a:blip>
-          <a:srcRect/>
-          <a:stretch>
-            <a:fillRect/>
-          </a:stretch>
-        </p:blipFill>
-        <p:spPr bwMode="auto">
-          <a:xfrm>
-            <a:off x="6975831" y="2359461"/>
-            <a:ext cx="4634977" cy="2687417"/>
-          </a:xfrm>
-          <a:prstGeom prst="rect">
-            <a:avLst/>
-          </a:prstGeom>
-          <a:noFill/>
-          <a:ln>
-            <a:noFill/>
-          </a:ln>
-          <a:effectLst/>
-          <a:extLst>
-            <a:ext uri="{909E8E84-426E-40DD-AFC4-6F175D3DCCD1}">
-              <a14:hiddenFill xmlns:a14="http://schemas.microsoft.com/office/drawing/2010/main">
-                <a:solidFill>
-                  <a:schemeClr val="accent1"/>
-                </a:solidFill>
-              </a14:hiddenFill>
-            </a:ext>
-            <a:ext uri="{91240B29-F687-4F45-9708-019B960494DF}">
-              <a14:hiddenLine xmlns:a14="http://schemas.microsoft.com/office/drawing/2010/main" w="9525">
-                <a:solidFill>
-                  <a:schemeClr val="tx1"/>
-                </a:solidFill>
-                <a:miter lim="800000"/>
-                <a:headEnd/>
-                <a:tailEnd/>
-              </a14:hiddenLine>
-            </a:ext>
-            <a:ext uri="{AF507438-7753-43E0-B8FC-AC1667EBCBE1}">
-              <a14:hiddenEffects xmlns:a14="http://schemas.microsoft.com/office/drawing/2010/main">
-                <a:effectLst>
-                  <a:outerShdw dist="35921" dir="2700000" algn="ctr" rotWithShape="0">
-                    <a:schemeClr val="bg2"/>
-                  </a:outerShdw>
-                </a:effectLst>
-              </a14:hiddenEffects>
-            </a:ext>
-          </a:extLst>
-        </p:spPr>
-      </p:pic>
-      <p:sp>
-        <p:nvSpPr>
-          <p:cNvPr id="6" name="TextBox 5">
-            <a:extLst>
-              <a:ext uri="{FF2B5EF4-FFF2-40B4-BE49-F238E27FC236}">
-                <a16:creationId xmlns:a16="http://schemas.microsoft.com/office/drawing/2014/main" id="{10E0056E-09C8-450D-9D18-5413DBD6D4AB}"/>
-              </a:ext>
-            </a:extLst>
-          </p:cNvPr>
-          <p:cNvSpPr txBox="1"/>
-          <p:nvPr/>
-        </p:nvSpPr>
-        <p:spPr>
-          <a:xfrm>
-            <a:off x="705927" y="2058073"/>
-            <a:ext cx="5642321" cy="3724096"/>
-          </a:xfrm>
-          <a:prstGeom prst="rect">
-            <a:avLst/>
-          </a:prstGeom>
-          <a:noFill/>
-        </p:spPr>
-        <p:txBody>
-          <a:bodyPr wrap="square">
-            <a:spAutoFit/>
-          </a:bodyPr>
-          <a:lstStyle/>
-          <a:p>
-            <a:r>
-              <a:rPr lang="en-US" altLang="zh-TW" sz="2400" dirty="0">
-                <a:solidFill>
-                  <a:srgbClr val="990000"/>
-                </a:solidFill>
-              </a:rPr>
-              <a:t>Name</a:t>
-            </a:r>
-            <a:r>
-              <a:rPr lang="en-US" altLang="zh-TW" sz="2400" dirty="0"/>
-              <a:t> – </a:t>
-            </a:r>
-            <a:r>
-              <a:rPr lang="en-US" altLang="zh-TW" sz="2000" dirty="0"/>
-              <a:t>each relation in a relational database      should have a name that is </a:t>
-            </a:r>
-            <a:r>
-              <a:rPr lang="en-US" altLang="zh-TW" sz="2000" dirty="0">
-                <a:solidFill>
-                  <a:srgbClr val="006600"/>
-                </a:solidFill>
-              </a:rPr>
-              <a:t>unique</a:t>
-            </a:r>
-            <a:r>
-              <a:rPr lang="en-US" altLang="zh-TW" sz="2000" dirty="0"/>
-              <a:t> among other relations.</a:t>
-            </a:r>
-          </a:p>
-          <a:p>
-            <a:endParaRPr lang="en-US" altLang="zh-TW" sz="2000" dirty="0"/>
-          </a:p>
-          <a:p>
-            <a:endParaRPr lang="en-US" altLang="zh-TW" sz="800" dirty="0"/>
-          </a:p>
-          <a:p>
-            <a:r>
-              <a:rPr lang="en-US" altLang="zh-TW" sz="2400" dirty="0">
-                <a:solidFill>
-                  <a:srgbClr val="990000"/>
-                </a:solidFill>
-              </a:rPr>
-              <a:t>Attribute</a:t>
-            </a:r>
-            <a:r>
-              <a:rPr lang="en-US" altLang="zh-TW" sz="2400" dirty="0"/>
-              <a:t> – each </a:t>
-            </a:r>
-            <a:r>
-              <a:rPr lang="en-US" altLang="zh-TW" sz="2400" dirty="0">
-                <a:solidFill>
-                  <a:srgbClr val="006600"/>
-                </a:solidFill>
-              </a:rPr>
-              <a:t>column</a:t>
-            </a:r>
-            <a:r>
-              <a:rPr lang="en-US" altLang="zh-TW" sz="2400" dirty="0"/>
-              <a:t> in a relation. </a:t>
-            </a:r>
-          </a:p>
-          <a:p>
-            <a:pPr lvl="1"/>
-            <a:r>
-              <a:rPr lang="en-US" altLang="zh-TW" sz="2000" dirty="0"/>
-              <a:t>The </a:t>
-            </a:r>
-            <a:r>
-              <a:rPr lang="en-US" altLang="zh-TW" sz="2000" u="sng" dirty="0">
-                <a:solidFill>
-                  <a:srgbClr val="990000"/>
-                </a:solidFill>
-              </a:rPr>
-              <a:t>degree</a:t>
-            </a:r>
-            <a:r>
-              <a:rPr lang="en-US" altLang="zh-TW" sz="2000" u="sng" dirty="0"/>
-              <a:t> of the relation</a:t>
-            </a:r>
-            <a:r>
-              <a:rPr lang="en-US" altLang="zh-TW" sz="2000" dirty="0"/>
-              <a:t> – the total </a:t>
-            </a:r>
-            <a:r>
-              <a:rPr lang="en-US" altLang="zh-TW" sz="2000" u="sng" dirty="0"/>
-              <a:t>number of attributes</a:t>
-            </a:r>
-            <a:r>
-              <a:rPr lang="en-US" altLang="zh-TW" sz="2000" dirty="0"/>
-              <a:t> for a relation.</a:t>
-            </a:r>
-          </a:p>
-          <a:p>
-            <a:pPr lvl="1"/>
-            <a:endParaRPr lang="en-US" altLang="zh-TW" sz="800" dirty="0"/>
-          </a:p>
-          <a:p>
-            <a:pPr lvl="1"/>
-            <a:endParaRPr lang="en-US" altLang="zh-TW" sz="800" dirty="0"/>
-          </a:p>
-          <a:p>
-            <a:r>
-              <a:rPr lang="en-US" altLang="zh-TW" sz="2400" dirty="0">
-                <a:solidFill>
-                  <a:srgbClr val="990000"/>
-                </a:solidFill>
-              </a:rPr>
-              <a:t>Tuple</a:t>
-            </a:r>
-            <a:r>
-              <a:rPr lang="en-US" altLang="zh-TW" sz="2400" dirty="0"/>
-              <a:t> – each </a:t>
-            </a:r>
-            <a:r>
-              <a:rPr lang="en-US" altLang="zh-TW" sz="2400" dirty="0">
-                <a:solidFill>
-                  <a:srgbClr val="006600"/>
-                </a:solidFill>
-              </a:rPr>
-              <a:t>row</a:t>
-            </a:r>
-            <a:r>
-              <a:rPr lang="en-US" altLang="zh-TW" sz="2400" dirty="0"/>
-              <a:t> in a relation.</a:t>
-            </a:r>
-          </a:p>
-          <a:p>
-            <a:pPr lvl="1"/>
-            <a:r>
-              <a:rPr lang="en-US" altLang="zh-TW" sz="2000" dirty="0"/>
-              <a:t>The </a:t>
-            </a:r>
-            <a:r>
-              <a:rPr lang="en-US" altLang="zh-TW" sz="2000" u="sng" dirty="0">
-                <a:solidFill>
-                  <a:srgbClr val="990000"/>
-                </a:solidFill>
-              </a:rPr>
-              <a:t>cardinality</a:t>
-            </a:r>
-            <a:r>
-              <a:rPr lang="en-US" altLang="zh-TW" sz="2000" u="sng" dirty="0"/>
-              <a:t> of the relation</a:t>
-            </a:r>
-            <a:r>
-              <a:rPr lang="en-US" altLang="zh-TW" sz="2000" dirty="0"/>
-              <a:t> – the total </a:t>
-            </a:r>
-            <a:r>
-              <a:rPr lang="en-US" altLang="zh-TW" sz="2000" u="sng" dirty="0"/>
-              <a:t>number of rows</a:t>
-            </a:r>
-            <a:r>
-              <a:rPr lang="en-US" altLang="zh-TW" sz="2000" dirty="0"/>
-              <a:t> in a relation. </a:t>
-            </a:r>
-          </a:p>
-        </p:txBody>
-      </p:sp>
-    </p:spTree>
-    <p:extLst>
-      <p:ext uri="{BB962C8B-B14F-4D97-AF65-F5344CB8AC3E}">
-        <p14:creationId xmlns:p14="http://schemas.microsoft.com/office/powerpoint/2010/main" val="1799473825"/>
-      </p:ext>
-    </p:extLst>
-  </p:cSld>
-  <p:clrMapOvr>
-    <a:masterClrMapping/>
-  </p:clrMapOvr>
-</p:sld>
-</file>
-
-<file path=ppt/slides/slide8.xml><?xml version="1.0" encoding="utf-8"?>
-<p:sld xmlns:a="http://schemas.openxmlformats.org/drawingml/2006/main" xmlns:r="http://schemas.openxmlformats.org/officeDocument/2006/relationships" xmlns:p="http://schemas.openxmlformats.org/presentationml/2006/main">
-  <p:cSld>
-    <p:spTree>
-      <p:nvGrpSpPr>
-        <p:cNvPr id="1" name=""/>
-        <p:cNvGrpSpPr/>
-        <p:nvPr/>
-      </p:nvGrpSpPr>
-      <p:grpSpPr>
-        <a:xfrm>
-          <a:off x="0" y="0"/>
-          <a:ext cx="0" cy="0"/>
-          <a:chOff x="0" y="0"/>
-          <a:chExt cx="0" cy="0"/>
-        </a:xfrm>
-      </p:grpSpPr>
-      <p:sp>
-        <p:nvSpPr>
-          <p:cNvPr id="2" name="Title 1">
-            <a:extLst>
-              <a:ext uri="{FF2B5EF4-FFF2-40B4-BE49-F238E27FC236}">
-                <a16:creationId xmlns:a16="http://schemas.microsoft.com/office/drawing/2014/main" id="{602F4CCE-22A6-4638-AA93-2D6F2FAC98D6}"/>
-              </a:ext>
-            </a:extLst>
-          </p:cNvPr>
-          <p:cNvSpPr>
-            <a:spLocks noGrp="1"/>
-          </p:cNvSpPr>
-          <p:nvPr>
-            <p:ph type="title"/>
-          </p:nvPr>
-        </p:nvSpPr>
-        <p:spPr>
-          <a:xfrm>
-            <a:off x="658032" y="630212"/>
-            <a:ext cx="11029616" cy="1013800"/>
-          </a:xfrm>
-        </p:spPr>
-        <p:txBody>
-          <a:bodyPr/>
-          <a:lstStyle/>
-          <a:p>
-            <a:pPr algn="ctr"/>
-            <a:r>
-              <a:rPr lang="en-US" altLang="zh-TW" b="1" dirty="0"/>
-              <a:t>Operations on relations</a:t>
-            </a:r>
-            <a:br>
-              <a:rPr lang="en-US" altLang="zh-TW" dirty="0"/>
-            </a:br>
-            <a:endParaRPr lang="en-US" dirty="0"/>
-          </a:p>
-        </p:txBody>
-      </p:sp>
-      <p:sp>
-        <p:nvSpPr>
-          <p:cNvPr id="5" name="TextBox 4">
-            <a:extLst>
-              <a:ext uri="{FF2B5EF4-FFF2-40B4-BE49-F238E27FC236}">
-                <a16:creationId xmlns:a16="http://schemas.microsoft.com/office/drawing/2014/main" id="{6298AD0F-0C39-48E8-AA3B-8DEF2D5BC4F3}"/>
-              </a:ext>
-            </a:extLst>
-          </p:cNvPr>
-          <p:cNvSpPr txBox="1"/>
-          <p:nvPr/>
-        </p:nvSpPr>
-        <p:spPr>
-          <a:xfrm>
-            <a:off x="1359113" y="2448395"/>
-            <a:ext cx="9473773" cy="2806922"/>
-          </a:xfrm>
-          <a:prstGeom prst="rect">
-            <a:avLst/>
-          </a:prstGeom>
-          <a:noFill/>
-        </p:spPr>
-        <p:txBody>
-          <a:bodyPr wrap="square">
-            <a:spAutoFit/>
-          </a:bodyPr>
-          <a:lstStyle/>
-          <a:p>
-            <a:pPr marL="342900" indent="-342900">
-              <a:lnSpc>
-                <a:spcPct val="90000"/>
-              </a:lnSpc>
-              <a:buFont typeface="Wingdings" panose="05000000000000000000" pitchFamily="2" charset="2"/>
-              <a:buChar char="q"/>
-            </a:pPr>
-            <a:r>
-              <a:rPr lang="en-US" altLang="zh-TW" sz="2800" dirty="0"/>
-              <a:t>In a relational database, we can define several operations to </a:t>
-            </a:r>
-            <a:r>
-              <a:rPr lang="en-US" altLang="zh-TW" sz="2800" u="sng" dirty="0"/>
-              <a:t>create new relations</a:t>
-            </a:r>
-            <a:r>
-              <a:rPr lang="en-US" altLang="zh-TW" sz="2800" dirty="0"/>
-              <a:t> out of the existing ones.</a:t>
-            </a:r>
-          </a:p>
-          <a:p>
-            <a:pPr>
-              <a:lnSpc>
-                <a:spcPct val="90000"/>
-              </a:lnSpc>
-            </a:pPr>
-            <a:endParaRPr lang="en-US" altLang="zh-TW" sz="2800" dirty="0"/>
-          </a:p>
-          <a:p>
-            <a:pPr marL="342900" indent="-342900">
-              <a:lnSpc>
-                <a:spcPct val="90000"/>
-              </a:lnSpc>
-              <a:buFont typeface="Wingdings" panose="05000000000000000000" pitchFamily="2" charset="2"/>
-              <a:buChar char="q"/>
-            </a:pPr>
-            <a:r>
-              <a:rPr lang="en-US" altLang="zh-TW" sz="2800" dirty="0"/>
-              <a:t>Basic operations:</a:t>
-            </a:r>
-          </a:p>
-          <a:p>
-            <a:pPr lvl="1">
-              <a:lnSpc>
-                <a:spcPct val="90000"/>
-              </a:lnSpc>
-            </a:pPr>
-            <a:endParaRPr lang="en-US" altLang="zh-TW" sz="2800" dirty="0">
-              <a:solidFill>
-                <a:srgbClr val="990000"/>
-              </a:solidFill>
-            </a:endParaRPr>
-          </a:p>
-          <a:p>
-            <a:pPr lvl="1">
-              <a:lnSpc>
-                <a:spcPct val="90000"/>
-              </a:lnSpc>
-            </a:pPr>
-            <a:r>
-              <a:rPr lang="en-US" altLang="zh-TW" sz="2800" dirty="0">
-                <a:solidFill>
-                  <a:srgbClr val="990000"/>
-                </a:solidFill>
-              </a:rPr>
-              <a:t>Insert, Delete, Update, Select, Project, Join, Union, Intersection, Difference </a:t>
-            </a:r>
-          </a:p>
-        </p:txBody>
-      </p:sp>
-    </p:spTree>
-    <p:extLst>
-      <p:ext uri="{BB962C8B-B14F-4D97-AF65-F5344CB8AC3E}">
-        <p14:creationId xmlns:p14="http://schemas.microsoft.com/office/powerpoint/2010/main" val="1691160529"/>
       </p:ext>
     </p:extLst>
   </p:cSld>
@@ -13885,7 +14517,7 @@
           <p:cNvPr id="2" name="Title 1">
             <a:extLst>
               <a:ext uri="{FF2B5EF4-FFF2-40B4-BE49-F238E27FC236}">
-                <a16:creationId xmlns:a16="http://schemas.microsoft.com/office/drawing/2014/main" id="{9E6045DA-7658-402F-B186-BAFC88184863}"/>
+                <a16:creationId xmlns:a16="http://schemas.microsoft.com/office/drawing/2014/main" id="{070AD918-D59A-4A15-B48B-540ABF639668}"/>
               </a:ext>
             </a:extLst>
           </p:cNvPr>
@@ -13896,29 +14528,28 @@
             <p:ph type="title"/>
           </p:nvPr>
         </p:nvSpPr>
-        <p:spPr/>
+        <p:spPr>
+          <a:xfrm>
+            <a:off x="581192" y="702156"/>
+            <a:ext cx="11029616" cy="903807"/>
+          </a:xfrm>
+        </p:spPr>
         <p:txBody>
           <a:bodyPr>
-            <a:normAutofit/>
+            <a:normAutofit fontScale="90000"/>
           </a:bodyPr>
           <a:lstStyle/>
           <a:p>
             <a:pPr algn="ctr"/>
             <a:r>
-              <a:rPr kumimoji="0" lang="en-US" altLang="zh-TW" sz="2800" b="1" dirty="0">
-                <a:solidFill>
-                  <a:srgbClr val="FFC000"/>
-                </a:solidFill>
-              </a:rPr>
-              <a:t>Insert</a:t>
-            </a:r>
-            <a:r>
-              <a:rPr kumimoji="0" lang="en-US" altLang="zh-TW" sz="2800" b="1" dirty="0"/>
-              <a:t> operation</a:t>
+              <a:rPr lang="en-US" altLang="zh-TW" b="1" dirty="0"/>
+              <a:t>Relational model</a:t>
             </a:r>
             <a:br>
-              <a:rPr kumimoji="0" lang="en-US" altLang="zh-TW" sz="2800" b="1" dirty="0">
-                <a:latin typeface="Times New Roman" panose="02020603050405020304" pitchFamily="18" charset="0"/>
+              <a:rPr lang="en-US" altLang="zh-TW" dirty="0">
+                <a:solidFill>
+                  <a:srgbClr val="990000"/>
+                </a:solidFill>
               </a:rPr>
             </a:br>
             <a:endParaRPr lang="en-US" dirty="0"/>
@@ -13927,165 +14558,147 @@
       </p:sp>
       <p:sp>
         <p:nvSpPr>
-          <p:cNvPr id="5" name="TextBox 4">
+          <p:cNvPr id="3" name="Content Placeholder 2">
             <a:extLst>
               <a:ext uri="{FF2B5EF4-FFF2-40B4-BE49-F238E27FC236}">
-                <a16:creationId xmlns:a16="http://schemas.microsoft.com/office/drawing/2014/main" id="{F1262045-964E-4002-AF6F-3C7E2F7B6A1D}"/>
+                <a16:creationId xmlns:a16="http://schemas.microsoft.com/office/drawing/2014/main" id="{ACD10C17-1C03-4826-8750-04642075FC69}"/>
               </a:ext>
             </a:extLst>
           </p:cNvPr>
-          <p:cNvSpPr txBox="1"/>
-          <p:nvPr/>
+          <p:cNvSpPr>
+            <a:spLocks noGrp="1"/>
+          </p:cNvSpPr>
+          <p:nvPr>
+            <p:ph idx="1"/>
+          </p:nvPr>
         </p:nvSpPr>
         <p:spPr>
           <a:xfrm>
-            <a:off x="2113109" y="2297897"/>
-            <a:ext cx="8100892" cy="1311128"/>
+            <a:off x="1705799" y="2169986"/>
+            <a:ext cx="9267001" cy="3678303"/>
           </a:xfrm>
-          <a:prstGeom prst="rect">
-            <a:avLst/>
-          </a:prstGeom>
-          <a:noFill/>
         </p:spPr>
         <p:txBody>
-          <a:bodyPr wrap="square">
-            <a:spAutoFit/>
-          </a:bodyPr>
+          <a:bodyPr/>
           <a:lstStyle/>
           <a:p>
-            <a:pPr marL="457200" indent="-457200">
-              <a:lnSpc>
-                <a:spcPct val="90000"/>
-              </a:lnSpc>
-              <a:buFont typeface="Wingdings" panose="05000000000000000000" pitchFamily="2" charset="2"/>
-              <a:buChar char="q"/>
-            </a:pPr>
-            <a:r>
-              <a:rPr lang="en-US" altLang="zh-TW" sz="3200" dirty="0"/>
+            <a:r>
+              <a:rPr lang="en-US" altLang="zh-TW" sz="2800" dirty="0">
+                <a:solidFill>
+                  <a:srgbClr val="990000"/>
+                </a:solidFill>
+              </a:rPr>
+              <a:t>RDBMS (Relational Database Management System)</a:t>
+            </a:r>
+          </a:p>
+          <a:p>
+            <a:r>
+              <a:rPr lang="en-US" altLang="zh-TW" sz="2800" dirty="0"/>
+              <a:t>External view</a:t>
+            </a:r>
+          </a:p>
+          <a:p>
+            <a:pPr lvl="1"/>
+            <a:r>
+              <a:rPr lang="en-US" altLang="zh-TW" sz="2400" dirty="0"/>
+              <a:t>The data are represented as a </a:t>
+            </a:r>
+            <a:r>
+              <a:rPr lang="en-US" altLang="zh-TW" sz="2400" u="sng" dirty="0"/>
+              <a:t>set of relations</a:t>
+            </a:r>
+            <a:r>
+              <a:rPr lang="en-US" altLang="zh-TW" sz="2400" dirty="0"/>
+              <a:t>. </a:t>
+            </a:r>
+          </a:p>
+          <a:p>
+            <a:pPr lvl="1"/>
+            <a:r>
+              <a:rPr lang="en-US" altLang="zh-TW" sz="2400" dirty="0"/>
               <a:t>A </a:t>
             </a:r>
             <a:r>
-              <a:rPr lang="en-US" altLang="zh-TW" sz="3200" dirty="0">
+              <a:rPr lang="en-US" altLang="zh-TW" sz="2400" dirty="0">
+                <a:solidFill>
+                  <a:srgbClr val="990000"/>
+                </a:solidFill>
+              </a:rPr>
+              <a:t>relation</a:t>
+            </a:r>
+            <a:r>
+              <a:rPr lang="en-US" altLang="zh-TW" sz="2400" dirty="0"/>
+              <a:t> is a </a:t>
+            </a:r>
+            <a:r>
+              <a:rPr lang="en-US" altLang="zh-TW" sz="2400" u="sng" dirty="0"/>
+              <a:t>two-dimensional table</a:t>
+            </a:r>
+            <a:r>
+              <a:rPr lang="en-US" altLang="zh-TW" sz="2400" dirty="0"/>
+              <a:t>.</a:t>
+            </a:r>
+          </a:p>
+          <a:p>
+            <a:r>
+              <a:rPr lang="en-US" altLang="zh-TW" sz="2800" dirty="0"/>
+              <a:t>This </a:t>
+            </a:r>
+            <a:r>
+              <a:rPr lang="en-US" altLang="zh-TW" sz="2800" dirty="0">
                 <a:solidFill>
                   <a:srgbClr val="006600"/>
                 </a:solidFill>
               </a:rPr>
-              <a:t>unary</a:t>
-            </a:r>
-            <a:r>
-              <a:rPr lang="en-US" altLang="zh-TW" sz="3200" dirty="0"/>
-              <a:t> operation.</a:t>
-            </a:r>
-          </a:p>
-          <a:p>
-            <a:pPr>
-              <a:lnSpc>
-                <a:spcPct val="90000"/>
-              </a:lnSpc>
-            </a:pPr>
-            <a:endParaRPr lang="en-US" altLang="zh-TW" sz="2400" dirty="0"/>
-          </a:p>
-          <a:p>
-            <a:pPr marL="457200" indent="-457200">
-              <a:lnSpc>
-                <a:spcPct val="90000"/>
-              </a:lnSpc>
-              <a:buFont typeface="Wingdings" panose="05000000000000000000" pitchFamily="2" charset="2"/>
-              <a:buChar char="q"/>
-            </a:pPr>
-            <a:r>
-              <a:rPr lang="en-US" altLang="zh-TW" sz="3200" u="sng" dirty="0"/>
-              <a:t>Insert a new </a:t>
-            </a:r>
-            <a:r>
-              <a:rPr lang="en-US" altLang="zh-TW" sz="3200" u="sng" dirty="0">
+              <a:t>doesn’t</a:t>
+            </a:r>
+            <a:r>
+              <a:rPr lang="en-US" altLang="zh-TW" sz="2800" dirty="0"/>
+              <a:t> mean that </a:t>
+            </a:r>
+            <a:r>
+              <a:rPr lang="en-US" altLang="zh-TW" sz="2800" u="sng" dirty="0"/>
+              <a:t>data are stored as tables!</a:t>
+            </a:r>
+            <a:r>
+              <a:rPr lang="en-US" altLang="zh-TW" sz="2800" dirty="0"/>
+              <a:t>  The </a:t>
+            </a:r>
+            <a:r>
+              <a:rPr lang="en-US" altLang="zh-TW" sz="2800" u="sng" dirty="0"/>
+              <a:t>physical storage of the data</a:t>
+            </a:r>
+            <a:r>
+              <a:rPr lang="en-US" altLang="zh-TW" sz="2800" dirty="0"/>
+              <a:t> is </a:t>
+            </a:r>
+            <a:r>
+              <a:rPr lang="en-US" altLang="zh-TW" sz="2800" dirty="0">
                 <a:solidFill>
                   <a:srgbClr val="006600"/>
                 </a:solidFill>
               </a:rPr>
-              <a:t>tuple</a:t>
-            </a:r>
-            <a:r>
-              <a:rPr lang="en-US" altLang="zh-TW" sz="3200" dirty="0"/>
-              <a:t> into the relation.</a:t>
-            </a:r>
-          </a:p>
-        </p:txBody>
-      </p:sp>
-      <p:pic>
-        <p:nvPicPr>
-          <p:cNvPr id="6" name="Picture 15">
-            <a:extLst>
-              <a:ext uri="{FF2B5EF4-FFF2-40B4-BE49-F238E27FC236}">
-                <a16:creationId xmlns:a16="http://schemas.microsoft.com/office/drawing/2014/main" id="{FC5B1A41-4FA1-4293-BB67-E82B63BC3DC6}"/>
-              </a:ext>
-            </a:extLst>
-          </p:cNvPr>
-          <p:cNvPicPr>
-            <a:picLocks noChangeAspect="1" noChangeArrowheads="1"/>
-          </p:cNvPicPr>
-          <p:nvPr/>
-        </p:nvPicPr>
-        <p:blipFill>
-          <a:blip r:embed="rId2">
-            <a:extLst>
-              <a:ext uri="{28A0092B-C50C-407E-A947-70E740481C1C}">
-                <a14:useLocalDpi xmlns:a14="http://schemas.microsoft.com/office/drawing/2010/main" val="0"/>
-              </a:ext>
-            </a:extLst>
-          </a:blip>
-          <a:srcRect/>
-          <a:stretch>
-            <a:fillRect/>
-          </a:stretch>
-        </p:blipFill>
-        <p:spPr bwMode="auto">
-          <a:xfrm>
-            <a:off x="2017438" y="4204806"/>
-            <a:ext cx="8510588" cy="1951038"/>
-          </a:xfrm>
-          <a:prstGeom prst="rect">
-            <a:avLst/>
-          </a:prstGeom>
-          <a:noFill/>
-          <a:ln>
-            <a:noFill/>
-          </a:ln>
-          <a:effectLst/>
-          <a:extLst>
-            <a:ext uri="{909E8E84-426E-40DD-AFC4-6F175D3DCCD1}">
-              <a14:hiddenFill xmlns:a14="http://schemas.microsoft.com/office/drawing/2010/main">
-                <a:solidFill>
-                  <a:schemeClr val="accent1"/>
-                </a:solidFill>
-              </a14:hiddenFill>
-            </a:ext>
-            <a:ext uri="{91240B29-F687-4F45-9708-019B960494DF}">
-              <a14:hiddenLine xmlns:a14="http://schemas.microsoft.com/office/drawing/2010/main" w="9525">
-                <a:solidFill>
-                  <a:schemeClr val="tx1"/>
-                </a:solidFill>
-                <a:miter lim="800000"/>
-                <a:headEnd/>
-                <a:tailEnd/>
-              </a14:hiddenLine>
-            </a:ext>
-            <a:ext uri="{AF507438-7753-43E0-B8FC-AC1667EBCBE1}">
-              <a14:hiddenEffects xmlns:a14="http://schemas.microsoft.com/office/drawing/2010/main">
-                <a:effectLst>
-                  <a:outerShdw dist="35921" dir="2700000" algn="ctr" rotWithShape="0">
-                    <a:schemeClr val="bg2"/>
-                  </a:outerShdw>
-                </a:effectLst>
-              </a14:hiddenEffects>
-            </a:ext>
-          </a:extLst>
-        </p:spPr>
-      </p:pic>
+              <a:t>independent</a:t>
+            </a:r>
+            <a:r>
+              <a:rPr lang="en-US" altLang="zh-TW" sz="2800" dirty="0"/>
+              <a:t> of </a:t>
+            </a:r>
+            <a:r>
+              <a:rPr lang="en-US" altLang="zh-TW" sz="2800" u="sng" dirty="0"/>
+              <a:t>the way the data are logically organized</a:t>
+            </a:r>
+            <a:r>
+              <a:rPr lang="en-US" altLang="zh-TW" sz="2800" dirty="0"/>
+              <a:t>.</a:t>
+            </a:r>
+          </a:p>
+        </p:txBody>
+      </p:sp>
     </p:spTree>
     <p:extLst>
       <p:ext uri="{BB962C8B-B14F-4D97-AF65-F5344CB8AC3E}">
-        <p14:creationId xmlns:p14="http://schemas.microsoft.com/office/powerpoint/2010/main" val="3595657379"/>
+        <p14:creationId xmlns:p14="http://schemas.microsoft.com/office/powerpoint/2010/main" val="1970553199"/>
       </p:ext>
     </p:extLst>
   </p:cSld>
